--- a/Nested Try Catch,except Final Block In Python.pptx
+++ b/Nested Try Catch,except Final Block In Python.pptx
@@ -2,8 +2,11 @@
 <file path=ppt/presentation.xml><?xml version="1.0" encoding="utf-8"?>
 <p:presentation xmlns:a="http://schemas.openxmlformats.org/drawingml/2006/main" xmlns:r="http://schemas.openxmlformats.org/officeDocument/2006/relationships" xmlns:p="http://schemas.openxmlformats.org/presentationml/2006/main" saveSubsetFonts="1" autoCompressPictures="0">
   <p:sldMasterIdLst>
-    <p:sldMasterId id="2147483648" r:id="rId1"/>
+    <p:sldMasterId id="2147483687" r:id="rId1"/>
   </p:sldMasterIdLst>
+  <p:notesMasterIdLst>
+    <p:notesMasterId r:id="rId8"/>
+  </p:notesMasterIdLst>
   <p:sldIdLst>
     <p:sldId id="256" r:id="rId2"/>
     <p:sldId id="257" r:id="rId3"/>
@@ -11,15 +14,14 @@
     <p:sldId id="259" r:id="rId5"/>
     <p:sldId id="260" r:id="rId6"/>
     <p:sldId id="261" r:id="rId7"/>
-    <p:sldId id="262" r:id="rId8"/>
   </p:sldIdLst>
-  <p:notesMasterIdLst>
-    <p:notesMasterId r:id="rId9"/>
-  </p:notesMasterIdLst>
-  <p:sldSz cx="9144000" cy="5143500"/>
+  <p:sldSz cx="9144000" cy="5143500" type="screen16x9"/>
   <p:notesSz cx="5143500" cy="9144000"/>
   <p:defaultTextStyle>
-    <a:lvl1pPr marL="0" algn="l" defTabSz="914400" rtl="0" eaLnBrk="1" latinLnBrk="0" hangingPunct="1">
+    <a:defPPr>
+      <a:defRPr lang="en-US"/>
+    </a:defPPr>
+    <a:lvl1pPr marL="0" algn="l" defTabSz="457200" rtl="0" eaLnBrk="1" latinLnBrk="0" hangingPunct="1">
       <a:defRPr sz="1800" kern="1200">
         <a:solidFill>
           <a:schemeClr val="tx1"/>
@@ -29,7 +31,7 @@
         <a:cs typeface="+mn-cs"/>
       </a:defRPr>
     </a:lvl1pPr>
-    <a:lvl2pPr marL="457200" algn="l" defTabSz="914400" rtl="0" eaLnBrk="1" latinLnBrk="0" hangingPunct="1">
+    <a:lvl2pPr marL="457200" algn="l" defTabSz="457200" rtl="0" eaLnBrk="1" latinLnBrk="0" hangingPunct="1">
       <a:defRPr sz="1800" kern="1200">
         <a:solidFill>
           <a:schemeClr val="tx1"/>
@@ -39,7 +41,7 @@
         <a:cs typeface="+mn-cs"/>
       </a:defRPr>
     </a:lvl2pPr>
-    <a:lvl3pPr marL="914400" algn="l" defTabSz="914400" rtl="0" eaLnBrk="1" latinLnBrk="0" hangingPunct="1">
+    <a:lvl3pPr marL="914400" algn="l" defTabSz="457200" rtl="0" eaLnBrk="1" latinLnBrk="0" hangingPunct="1">
       <a:defRPr sz="1800" kern="1200">
         <a:solidFill>
           <a:schemeClr val="tx1"/>
@@ -49,7 +51,7 @@
         <a:cs typeface="+mn-cs"/>
       </a:defRPr>
     </a:lvl3pPr>
-    <a:lvl4pPr marL="1371600" algn="l" defTabSz="914400" rtl="0" eaLnBrk="1" latinLnBrk="0" hangingPunct="1">
+    <a:lvl4pPr marL="1371600" algn="l" defTabSz="457200" rtl="0" eaLnBrk="1" latinLnBrk="0" hangingPunct="1">
       <a:defRPr sz="1800" kern="1200">
         <a:solidFill>
           <a:schemeClr val="tx1"/>
@@ -59,7 +61,7 @@
         <a:cs typeface="+mn-cs"/>
       </a:defRPr>
     </a:lvl4pPr>
-    <a:lvl5pPr marL="1828800" algn="l" defTabSz="914400" rtl="0" eaLnBrk="1" latinLnBrk="0" hangingPunct="1">
+    <a:lvl5pPr marL="1828800" algn="l" defTabSz="457200" rtl="0" eaLnBrk="1" latinLnBrk="0" hangingPunct="1">
       <a:defRPr sz="1800" kern="1200">
         <a:solidFill>
           <a:schemeClr val="tx1"/>
@@ -69,7 +71,7 @@
         <a:cs typeface="+mn-cs"/>
       </a:defRPr>
     </a:lvl5pPr>
-    <a:lvl6pPr marL="2286000" algn="l" defTabSz="914400" rtl="0" eaLnBrk="1" latinLnBrk="0" hangingPunct="1">
+    <a:lvl6pPr marL="2286000" algn="l" defTabSz="457200" rtl="0" eaLnBrk="1" latinLnBrk="0" hangingPunct="1">
       <a:defRPr sz="1800" kern="1200">
         <a:solidFill>
           <a:schemeClr val="tx1"/>
@@ -79,7 +81,7 @@
         <a:cs typeface="+mn-cs"/>
       </a:defRPr>
     </a:lvl6pPr>
-    <a:lvl7pPr marL="2743200" algn="l" defTabSz="914400" rtl="0" eaLnBrk="1" latinLnBrk="0" hangingPunct="1">
+    <a:lvl7pPr marL="2743200" algn="l" defTabSz="457200" rtl="0" eaLnBrk="1" latinLnBrk="0" hangingPunct="1">
       <a:defRPr sz="1800" kern="1200">
         <a:solidFill>
           <a:schemeClr val="tx1"/>
@@ -89,7 +91,7 @@
         <a:cs typeface="+mn-cs"/>
       </a:defRPr>
     </a:lvl7pPr>
-    <a:lvl8pPr marL="3200400" algn="l" defTabSz="914400" rtl="0" eaLnBrk="1" latinLnBrk="0" hangingPunct="1">
+    <a:lvl8pPr marL="3200400" algn="l" defTabSz="457200" rtl="0" eaLnBrk="1" latinLnBrk="0" hangingPunct="1">
       <a:defRPr sz="1800" kern="1200">
         <a:solidFill>
           <a:schemeClr val="tx1"/>
@@ -99,7 +101,7 @@
         <a:cs typeface="+mn-cs"/>
       </a:defRPr>
     </a:lvl8pPr>
-    <a:lvl9pPr marL="3657600" algn="l" defTabSz="914400" rtl="0" eaLnBrk="1" latinLnBrk="0" hangingPunct="1">
+    <a:lvl9pPr marL="3657600" algn="l" defTabSz="457200" rtl="0" eaLnBrk="1" latinLnBrk="0" hangingPunct="1">
       <a:defRPr sz="1800" kern="1200">
         <a:solidFill>
           <a:schemeClr val="tx1"/>
@@ -110,6 +112,11 @@
       </a:defRPr>
     </a:lvl9pPr>
   </p:defaultTextStyle>
+  <p:extLst>
+    <p:ext uri="{EFAFB233-063F-42B5-8137-9DF3F51BA10A}">
+      <p15:sldGuideLst xmlns:p15="http://schemas.microsoft.com/office/powerpoint/2012/main"/>
+    </p:ext>
+  </p:extLst>
 </p:presentation>
 </file>
 
@@ -135,234 +142,10 @@
           <a:chExt cx="0" cy="0"/>
         </a:xfrm>
       </p:grpSpPr>
-      <p:sp>
-        <p:nvSpPr>
-          <p:cNvPr id="2" name="Header Placeholder 1"/>
-          <p:cNvSpPr>
-            <a:spLocks noGrp="1"/>
-          </p:cNvSpPr>
-          <p:nvPr>
-            <p:ph type="hdr" sz="quarter"/>
-          </p:nvPr>
-        </p:nvSpPr>
-        <p:spPr>
-          <a:xfrm>
-            <a:off x="0" y="0"/>
-            <a:ext cx="2971800" cy="458788"/>
-          </a:xfrm>
-          <a:prstGeom prst="rect">
-            <a:avLst/>
-          </a:prstGeom>
-        </p:spPr>
-        <p:txBody>
-          <a:bodyPr vert="horz" lIns="91440" tIns="45720" rIns="91440" bIns="45720" rtlCol="0"/>
-          <a:lstStyle>
-            <a:lvl1pPr algn="l">
-              <a:defRPr sz="1200"/>
-            </a:lvl1pPr>
-          </a:lstStyle>
-          <a:p>
-            <a:endParaRPr lang="en-US"/>
-          </a:p>
-        </p:txBody>
-      </p:sp>
-      <p:sp>
-        <p:nvSpPr>
-          <p:cNvPr id="3" name="Date Placeholder 2"/>
-          <p:cNvSpPr>
-            <a:spLocks noGrp="1"/>
-          </p:cNvSpPr>
-          <p:nvPr>
-            <p:ph type="dt" idx="1"/>
-          </p:nvPr>
-        </p:nvSpPr>
-        <p:spPr>
-          <a:xfrm>
-            <a:off x="3884613" y="0"/>
-            <a:ext cx="2971800" cy="458788"/>
-          </a:xfrm>
-          <a:prstGeom prst="rect">
-            <a:avLst/>
-          </a:prstGeom>
-        </p:spPr>
-        <p:txBody>
-          <a:bodyPr vert="horz" lIns="91440" tIns="45720" rIns="91440" bIns="45720" rtlCol="0"/>
-          <a:lstStyle>
-            <a:lvl1pPr algn="r">
-              <a:defRPr sz="1200"/>
-            </a:lvl1pPr>
-          </a:lstStyle>
-          <a:p>
-            <a:fld id="{5282F153-3F37-0F45-9E97-73ACFA13230C}" type="datetimeFigureOut">
-              <a:rPr lang="en-US"/>
-              <a:t>7/23/19</a:t>
-            </a:fld>
-            <a:endParaRPr lang="en-US"/>
-          </a:p>
-        </p:txBody>
-      </p:sp>
-      <p:sp>
-        <p:nvSpPr>
-          <p:cNvPr id="4" name="Slide Image Placeholder 3"/>
-          <p:cNvSpPr>
-            <a:spLocks noGrp="1" noRot="1" noChangeAspect="1"/>
-          </p:cNvSpPr>
-          <p:nvPr>
-            <p:ph type="sldImg" idx="2"/>
-          </p:nvPr>
-        </p:nvSpPr>
-        <p:spPr>
-          <a:xfrm>
-            <a:off x="685800" y="1143000"/>
-            <a:ext cx="5486400" cy="3086100"/>
-          </a:xfrm>
-          <a:prstGeom prst="rect">
-            <a:avLst/>
-          </a:prstGeom>
-          <a:noFill/>
-          <a:ln w="12700">
-            <a:solidFill>
-              <a:prstClr val="black"/>
-            </a:solidFill>
-          </a:ln>
-        </p:spPr>
-        <p:txBody>
-          <a:bodyPr vert="horz" lIns="91440" tIns="45720" rIns="91440" bIns="45720" rtlCol="0" anchor="ctr"/>
-          <a:lstStyle/>
-          <a:p>
-            <a:endParaRPr lang="en-US"/>
-          </a:p>
-        </p:txBody>
-      </p:sp>
-      <p:sp>
-        <p:nvSpPr>
-          <p:cNvPr id="5" name="Notes Placeholder 4"/>
-          <p:cNvSpPr>
-            <a:spLocks noGrp="1"/>
-          </p:cNvSpPr>
-          <p:nvPr>
-            <p:ph type="body" sz="quarter" idx="3"/>
-          </p:nvPr>
-        </p:nvSpPr>
-        <p:spPr>
-          <a:xfrm>
-            <a:off x="685800" y="4400550"/>
-            <a:ext cx="5486400" cy="3600450"/>
-          </a:xfrm>
-          <a:prstGeom prst="rect">
-            <a:avLst/>
-          </a:prstGeom>
-        </p:spPr>
-        <p:txBody>
-          <a:bodyPr vert="horz" lIns="91440" tIns="45720" rIns="91440" bIns="45720" rtlCol="0"/>
-          <a:lstStyle/>
-          <a:p>
-            <a:pPr lvl="0"/>
-            <a:r>
-              <a:rPr lang="en-US"/>
-              <a:t>Click to edit Master text styles</a:t>
-            </a:r>
-          </a:p>
-          <a:p>
-            <a:pPr lvl="1"/>
-            <a:r>
-              <a:rPr lang="en-US"/>
-              <a:t>Second level</a:t>
-            </a:r>
-          </a:p>
-          <a:p>
-            <a:pPr lvl="2"/>
-            <a:r>
-              <a:rPr lang="en-US"/>
-              <a:t>Third level</a:t>
-            </a:r>
-          </a:p>
-          <a:p>
-            <a:pPr lvl="3"/>
-            <a:r>
-              <a:rPr lang="en-US"/>
-              <a:t>Fourth level</a:t>
-            </a:r>
-          </a:p>
-          <a:p>
-            <a:pPr lvl="4"/>
-            <a:r>
-              <a:rPr lang="en-US"/>
-              <a:t>Fifth level</a:t>
-            </a:r>
-          </a:p>
-        </p:txBody>
-      </p:sp>
-      <p:sp>
-        <p:nvSpPr>
-          <p:cNvPr id="6" name="Footer Placeholder 5"/>
-          <p:cNvSpPr>
-            <a:spLocks noGrp="1"/>
-          </p:cNvSpPr>
-          <p:nvPr>
-            <p:ph type="ftr" sz="quarter" idx="4"/>
-          </p:nvPr>
-        </p:nvSpPr>
-        <p:spPr>
-          <a:xfrm>
-            <a:off x="0" y="8685213"/>
-            <a:ext cx="2971800" cy="458787"/>
-          </a:xfrm>
-          <a:prstGeom prst="rect">
-            <a:avLst/>
-          </a:prstGeom>
-        </p:spPr>
-        <p:txBody>
-          <a:bodyPr vert="horz" lIns="91440" tIns="45720" rIns="91440" bIns="45720" rtlCol="0" anchor="b"/>
-          <a:lstStyle>
-            <a:lvl1pPr algn="l">
-              <a:defRPr sz="1200"/>
-            </a:lvl1pPr>
-          </a:lstStyle>
-          <a:p>
-            <a:endParaRPr lang="en-US"/>
-          </a:p>
-        </p:txBody>
-      </p:sp>
-      <p:sp>
-        <p:nvSpPr>
-          <p:cNvPr id="7" name="Slide Number Placeholder 6"/>
-          <p:cNvSpPr>
-            <a:spLocks noGrp="1"/>
-          </p:cNvSpPr>
-          <p:nvPr>
-            <p:ph type="sldNum" sz="quarter" idx="5"/>
-          </p:nvPr>
-        </p:nvSpPr>
-        <p:spPr>
-          <a:xfrm>
-            <a:off x="3884613" y="8685213"/>
-            <a:ext cx="2971800" cy="458787"/>
-          </a:xfrm>
-          <a:prstGeom prst="rect">
-            <a:avLst/>
-          </a:prstGeom>
-        </p:spPr>
-        <p:txBody>
-          <a:bodyPr vert="horz" lIns="91440" tIns="45720" rIns="91440" bIns="45720" rtlCol="0" anchor="b"/>
-          <a:lstStyle>
-            <a:lvl1pPr algn="r">
-              <a:defRPr sz="1200"/>
-            </a:lvl1pPr>
-          </a:lstStyle>
-          <a:p>
-            <a:fld id="{CE5E9CC1-C706-0F49-92D6-E571CC5EEA8F}" type="slidenum">
-              <a:rPr lang="en-US"/>
-              <a:t>‹#›</a:t>
-            </a:fld>
-            <a:endParaRPr lang="en-US"/>
-          </a:p>
-        </p:txBody>
-      </p:sp>
     </p:spTree>
     <p:extLst>
       <p:ext uri="{BB962C8B-B14F-4D97-AF65-F5344CB8AC3E}">
-        <p14:creationId xmlns:p14="http://schemas.microsoft.com/office/powerpoint/2010/main" val="1024086991"/>
+        <p14:creationId xmlns:p14="http://schemas.microsoft.com/office/powerpoint/2010/main" val="910209783"/>
       </p:ext>
     </p:extLst>
   </p:cSld>
@@ -506,10 +289,6 @@
           <a:bodyPr/>
           <a:lstStyle/>
           <a:p>
-            <a:r>
-              <a:rPr lang="en-US" dirty="0"/>
-              <a:t/>
-            </a:r>
             <a:endParaRPr lang="en-US" dirty="0"/>
           </a:p>
         </p:txBody>
@@ -598,7 +377,6 @@
               <a:rPr lang="en-US" dirty="0"/>
               <a:t>Image source: https://www.askpython.com</a:t>
             </a:r>
-            <a:endParaRPr lang="en-US" dirty="0"/>
           </a:p>
         </p:txBody>
       </p:sp>
@@ -686,7 +464,6 @@
               <a:rPr lang="en-US" dirty="0"/>
               <a:t>Image source: https://pythononline.ru</a:t>
             </a:r>
-            <a:endParaRPr lang="en-US" dirty="0"/>
           </a:p>
         </p:txBody>
       </p:sp>
@@ -774,7 +551,6 @@
               <a:rPr lang="en-US" dirty="0"/>
               <a:t>Image source: https://www.scientecheasy.com</a:t>
             </a:r>
-            <a:endParaRPr lang="en-US" dirty="0"/>
           </a:p>
         </p:txBody>
       </p:sp>
@@ -862,7 +638,6 @@
               <a:rPr lang="en-US" dirty="0"/>
               <a:t>Image source: https://notesformsc.org</a:t>
             </a:r>
-            <a:endParaRPr lang="en-US" dirty="0"/>
           </a:p>
         </p:txBody>
       </p:sp>
@@ -950,7 +725,6 @@
               <a:rPr lang="en-US" dirty="0"/>
               <a:t>Image source: https://i.ytimg.com</a:t>
             </a:r>
-            <a:endParaRPr lang="en-US" dirty="0"/>
           </a:p>
         </p:txBody>
       </p:sp>
@@ -990,9 +764,9 @@
 </p:notes>
 </file>
 
-<file path=ppt/notesSlides/notesSlide7.xml><?xml version="1.0" encoding="utf-8"?>
-<p:notes xmlns:a="http://schemas.openxmlformats.org/drawingml/2006/main" xmlns:r="http://schemas.openxmlformats.org/officeDocument/2006/relationships" xmlns:p="http://schemas.openxmlformats.org/presentationml/2006/main">
-  <p:cSld>
+<file path=ppt/slideLayouts/slideLayout1.xml><?xml version="1.0" encoding="utf-8"?>
+<p:sldLayout xmlns:a="http://schemas.openxmlformats.org/drawingml/2006/main" xmlns:r="http://schemas.openxmlformats.org/officeDocument/2006/relationships" xmlns:p="http://schemas.openxmlformats.org/presentationml/2006/main" showMasterSp="0" type="title" preserve="1">
+  <p:cSld name="Title Slide">
     <p:spTree>
       <p:nvGrpSpPr>
         <p:cNvPr id="1" name=""/>
@@ -1007,26 +781,726 @@
           <a:chExt cx="0" cy="0"/>
         </a:xfrm>
       </p:grpSpPr>
-      <p:sp>
-        <p:nvSpPr>
-          <p:cNvPr id="2" name="Slide Image Placeholder 1"/>
-          <p:cNvSpPr>
-            <a:spLocks noGrp="1" noRot="1" noChangeAspect="1"/>
-          </p:cNvSpPr>
-          <p:nvPr>
-            <p:ph type="sldImg"/>
+      <p:grpSp>
+        <p:nvGrpSpPr>
+          <p:cNvPr id="7" name="Group 6"/>
+          <p:cNvGrpSpPr/>
+          <p:nvPr/>
+        </p:nvGrpSpPr>
+        <p:grpSpPr>
+          <a:xfrm>
+            <a:off x="0" y="-6350"/>
+            <a:ext cx="9144000" cy="5149850"/>
+            <a:chOff x="0" y="-8467"/>
+            <a:chExt cx="12192000" cy="6866467"/>
+          </a:xfrm>
+        </p:grpSpPr>
+        <p:cxnSp>
+          <p:nvCxnSpPr>
+            <p:cNvPr id="32" name="Straight Connector 31"/>
+            <p:cNvCxnSpPr/>
+            <p:nvPr/>
+          </p:nvCxnSpPr>
+          <p:spPr>
+            <a:xfrm>
+              <a:off x="9371012" y="0"/>
+              <a:ext cx="1219200" cy="6858000"/>
+            </a:xfrm>
+            <a:prstGeom prst="line">
+              <a:avLst/>
+            </a:prstGeom>
+            <a:ln w="9525">
+              <a:solidFill>
+                <a:schemeClr val="bg1">
+                  <a:lumMod val="75000"/>
+                </a:schemeClr>
+              </a:solidFill>
+            </a:ln>
+          </p:spPr>
+          <p:style>
+            <a:lnRef idx="2">
+              <a:schemeClr val="accent1"/>
+            </a:lnRef>
+            <a:fillRef idx="0">
+              <a:schemeClr val="accent1"/>
+            </a:fillRef>
+            <a:effectRef idx="1">
+              <a:schemeClr val="accent1"/>
+            </a:effectRef>
+            <a:fontRef idx="minor">
+              <a:schemeClr val="tx1"/>
+            </a:fontRef>
+          </p:style>
+        </p:cxnSp>
+        <p:cxnSp>
+          <p:nvCxnSpPr>
+            <p:cNvPr id="21" name="Straight Connector 20"/>
+            <p:cNvCxnSpPr/>
+            <p:nvPr/>
+          </p:nvCxnSpPr>
+          <p:spPr>
+            <a:xfrm flipH="1">
+              <a:off x="7425267" y="3681413"/>
+              <a:ext cx="4763558" cy="3176587"/>
+            </a:xfrm>
+            <a:prstGeom prst="line">
+              <a:avLst/>
+            </a:prstGeom>
+            <a:ln w="9525">
+              <a:solidFill>
+                <a:schemeClr val="bg1">
+                  <a:lumMod val="85000"/>
+                </a:schemeClr>
+              </a:solidFill>
+            </a:ln>
+          </p:spPr>
+          <p:style>
+            <a:lnRef idx="2">
+              <a:schemeClr val="accent1"/>
+            </a:lnRef>
+            <a:fillRef idx="0">
+              <a:schemeClr val="accent1"/>
+            </a:fillRef>
+            <a:effectRef idx="1">
+              <a:schemeClr val="accent1"/>
+            </a:effectRef>
+            <a:fontRef idx="minor">
+              <a:schemeClr val="tx1"/>
+            </a:fontRef>
+          </p:style>
+        </p:cxnSp>
+        <p:sp>
+          <p:nvSpPr>
+            <p:cNvPr id="24" name="Rectangle 23"/>
+            <p:cNvSpPr/>
+            <p:nvPr/>
+          </p:nvSpPr>
+          <p:spPr>
+            <a:xfrm>
+              <a:off x="9181476" y="-8467"/>
+              <a:ext cx="3007349" cy="6866467"/>
+            </a:xfrm>
+            <a:custGeom>
+              <a:avLst/>
+              <a:gdLst/>
+              <a:ahLst/>
+              <a:cxnLst/>
+              <a:rect l="l" t="t" r="r" b="b"/>
+              <a:pathLst>
+                <a:path w="3007349" h="6866467">
+                  <a:moveTo>
+                    <a:pt x="2045532" y="0"/>
+                  </a:moveTo>
+                  <a:lnTo>
+                    <a:pt x="3007349" y="0"/>
+                  </a:lnTo>
+                  <a:lnTo>
+                    <a:pt x="3007349" y="6866467"/>
+                  </a:lnTo>
+                  <a:lnTo>
+                    <a:pt x="0" y="6866467"/>
+                  </a:lnTo>
+                  <a:lnTo>
+                    <a:pt x="2045532" y="0"/>
+                  </a:lnTo>
+                  <a:close/>
+                </a:path>
+              </a:pathLst>
+            </a:custGeom>
+            <a:solidFill>
+              <a:schemeClr val="accent1">
+                <a:alpha val="30000"/>
+              </a:schemeClr>
+            </a:solidFill>
+            <a:ln>
+              <a:noFill/>
+            </a:ln>
+            <a:effectLst/>
+          </p:spPr>
+          <p:style>
+            <a:lnRef idx="1">
+              <a:schemeClr val="accent1"/>
+            </a:lnRef>
+            <a:fillRef idx="3">
+              <a:schemeClr val="accent1"/>
+            </a:fillRef>
+            <a:effectRef idx="2">
+              <a:schemeClr val="accent1"/>
+            </a:effectRef>
+            <a:fontRef idx="minor">
+              <a:schemeClr val="lt1"/>
+            </a:fontRef>
+          </p:style>
+        </p:sp>
+        <p:sp>
+          <p:nvSpPr>
+            <p:cNvPr id="26" name="Rectangle 25"/>
+            <p:cNvSpPr/>
+            <p:nvPr/>
+          </p:nvSpPr>
+          <p:spPr>
+            <a:xfrm>
+              <a:off x="9603442" y="-8467"/>
+              <a:ext cx="2588558" cy="6866467"/>
+            </a:xfrm>
+            <a:custGeom>
+              <a:avLst/>
+              <a:gdLst/>
+              <a:ahLst/>
+              <a:cxnLst/>
+              <a:rect l="l" t="t" r="r" b="b"/>
+              <a:pathLst>
+                <a:path w="2573311" h="6866467">
+                  <a:moveTo>
+                    <a:pt x="0" y="0"/>
+                  </a:moveTo>
+                  <a:lnTo>
+                    <a:pt x="2573311" y="0"/>
+                  </a:lnTo>
+                  <a:lnTo>
+                    <a:pt x="2573311" y="6866467"/>
+                  </a:lnTo>
+                  <a:lnTo>
+                    <a:pt x="1202336" y="6866467"/>
+                  </a:lnTo>
+                  <a:lnTo>
+                    <a:pt x="0" y="0"/>
+                  </a:lnTo>
+                  <a:close/>
+                </a:path>
+              </a:pathLst>
+            </a:custGeom>
+            <a:solidFill>
+              <a:schemeClr val="accent1">
+                <a:alpha val="20000"/>
+              </a:schemeClr>
+            </a:solidFill>
+            <a:ln>
+              <a:noFill/>
+            </a:ln>
+            <a:effectLst/>
+          </p:spPr>
+          <p:style>
+            <a:lnRef idx="1">
+              <a:schemeClr val="accent1"/>
+            </a:lnRef>
+            <a:fillRef idx="3">
+              <a:schemeClr val="accent1"/>
+            </a:fillRef>
+            <a:effectRef idx="2">
+              <a:schemeClr val="accent1"/>
+            </a:effectRef>
+            <a:fontRef idx="minor">
+              <a:schemeClr val="lt1"/>
+            </a:fontRef>
+          </p:style>
+        </p:sp>
+        <p:sp>
+          <p:nvSpPr>
+            <p:cNvPr id="27" name="Isosceles Triangle 26"/>
+            <p:cNvSpPr/>
+            <p:nvPr/>
+          </p:nvSpPr>
+          <p:spPr>
+            <a:xfrm>
+              <a:off x="8932333" y="3048000"/>
+              <a:ext cx="3259667" cy="3810000"/>
+            </a:xfrm>
+            <a:prstGeom prst="triangle">
+              <a:avLst>
+                <a:gd name="adj" fmla="val 100000"/>
+              </a:avLst>
+            </a:prstGeom>
+            <a:solidFill>
+              <a:schemeClr val="accent2">
+                <a:alpha val="72000"/>
+              </a:schemeClr>
+            </a:solidFill>
+            <a:ln>
+              <a:noFill/>
+            </a:ln>
+            <a:effectLst/>
+          </p:spPr>
+          <p:style>
+            <a:lnRef idx="1">
+              <a:schemeClr val="accent1"/>
+            </a:lnRef>
+            <a:fillRef idx="3">
+              <a:schemeClr val="accent1"/>
+            </a:fillRef>
+            <a:effectRef idx="2">
+              <a:schemeClr val="accent1"/>
+            </a:effectRef>
+            <a:fontRef idx="minor">
+              <a:schemeClr val="lt1"/>
+            </a:fontRef>
+          </p:style>
+        </p:sp>
+        <p:sp>
+          <p:nvSpPr>
+            <p:cNvPr id="28" name="Rectangle 27"/>
+            <p:cNvSpPr/>
+            <p:nvPr/>
+          </p:nvSpPr>
+          <p:spPr>
+            <a:xfrm>
+              <a:off x="9334500" y="-8467"/>
+              <a:ext cx="2854326" cy="6866467"/>
+            </a:xfrm>
+            <a:custGeom>
+              <a:avLst/>
+              <a:gdLst/>
+              <a:ahLst/>
+              <a:cxnLst/>
+              <a:rect l="l" t="t" r="r" b="b"/>
+              <a:pathLst>
+                <a:path w="2858013" h="6866467">
+                  <a:moveTo>
+                    <a:pt x="0" y="0"/>
+                  </a:moveTo>
+                  <a:lnTo>
+                    <a:pt x="2858013" y="0"/>
+                  </a:lnTo>
+                  <a:lnTo>
+                    <a:pt x="2858013" y="6866467"/>
+                  </a:lnTo>
+                  <a:lnTo>
+                    <a:pt x="2473942" y="6866467"/>
+                  </a:lnTo>
+                  <a:lnTo>
+                    <a:pt x="0" y="0"/>
+                  </a:lnTo>
+                  <a:close/>
+                </a:path>
+              </a:pathLst>
+            </a:custGeom>
+            <a:solidFill>
+              <a:schemeClr val="accent2">
+                <a:lumMod val="75000"/>
+                <a:alpha val="70000"/>
+              </a:schemeClr>
+            </a:solidFill>
+            <a:ln>
+              <a:noFill/>
+            </a:ln>
+            <a:effectLst/>
+          </p:spPr>
+          <p:style>
+            <a:lnRef idx="1">
+              <a:schemeClr val="accent1"/>
+            </a:lnRef>
+            <a:fillRef idx="3">
+              <a:schemeClr val="accent1"/>
+            </a:fillRef>
+            <a:effectRef idx="2">
+              <a:schemeClr val="accent1"/>
+            </a:effectRef>
+            <a:fontRef idx="minor">
+              <a:schemeClr val="lt1"/>
+            </a:fontRef>
+          </p:style>
+        </p:sp>
+        <p:sp>
+          <p:nvSpPr>
+            <p:cNvPr id="29" name="Rectangle 28"/>
+            <p:cNvSpPr/>
+            <p:nvPr/>
+          </p:nvSpPr>
+          <p:spPr>
+            <a:xfrm>
+              <a:off x="10898730" y="-8467"/>
+              <a:ext cx="1290094" cy="6866467"/>
+            </a:xfrm>
+            <a:custGeom>
+              <a:avLst/>
+              <a:gdLst/>
+              <a:ahLst/>
+              <a:cxnLst/>
+              <a:rect l="l" t="t" r="r" b="b"/>
+              <a:pathLst>
+                <a:path w="1290094" h="6858000">
+                  <a:moveTo>
+                    <a:pt x="1019735" y="0"/>
+                  </a:moveTo>
+                  <a:lnTo>
+                    <a:pt x="1290094" y="0"/>
+                  </a:lnTo>
+                  <a:lnTo>
+                    <a:pt x="1290094" y="6858000"/>
+                  </a:lnTo>
+                  <a:lnTo>
+                    <a:pt x="0" y="6858000"/>
+                  </a:lnTo>
+                  <a:lnTo>
+                    <a:pt x="1019735" y="0"/>
+                  </a:lnTo>
+                  <a:close/>
+                </a:path>
+              </a:pathLst>
+            </a:custGeom>
+            <a:solidFill>
+              <a:schemeClr val="accent1">
+                <a:lumMod val="60000"/>
+                <a:lumOff val="40000"/>
+                <a:alpha val="70000"/>
+              </a:schemeClr>
+            </a:solidFill>
+            <a:ln>
+              <a:noFill/>
+            </a:ln>
+            <a:effectLst/>
+          </p:spPr>
+          <p:style>
+            <a:lnRef idx="1">
+              <a:schemeClr val="accent1"/>
+            </a:lnRef>
+            <a:fillRef idx="3">
+              <a:schemeClr val="accent1"/>
+            </a:fillRef>
+            <a:effectRef idx="2">
+              <a:schemeClr val="accent1"/>
+            </a:effectRef>
+            <a:fontRef idx="minor">
+              <a:schemeClr val="lt1"/>
+            </a:fontRef>
+          </p:style>
+        </p:sp>
+        <p:sp>
+          <p:nvSpPr>
+            <p:cNvPr id="30" name="Rectangle 29"/>
+            <p:cNvSpPr/>
+            <p:nvPr/>
+          </p:nvSpPr>
+          <p:spPr>
+            <a:xfrm>
+              <a:off x="10938999" y="-8467"/>
+              <a:ext cx="1249825" cy="6866467"/>
+            </a:xfrm>
+            <a:custGeom>
+              <a:avLst/>
+              <a:gdLst/>
+              <a:ahLst/>
+              <a:cxnLst/>
+              <a:rect l="l" t="t" r="r" b="b"/>
+              <a:pathLst>
+                <a:path w="1249825" h="6858000">
+                  <a:moveTo>
+                    <a:pt x="0" y="0"/>
+                  </a:moveTo>
+                  <a:lnTo>
+                    <a:pt x="1249825" y="0"/>
+                  </a:lnTo>
+                  <a:lnTo>
+                    <a:pt x="1249825" y="6858000"/>
+                  </a:lnTo>
+                  <a:lnTo>
+                    <a:pt x="1109382" y="6858000"/>
+                  </a:lnTo>
+                  <a:lnTo>
+                    <a:pt x="0" y="0"/>
+                  </a:lnTo>
+                  <a:close/>
+                </a:path>
+              </a:pathLst>
+            </a:custGeom>
+            <a:solidFill>
+              <a:schemeClr val="accent1">
+                <a:alpha val="65000"/>
+              </a:schemeClr>
+            </a:solidFill>
+            <a:ln>
+              <a:noFill/>
+            </a:ln>
+            <a:effectLst/>
+          </p:spPr>
+          <p:style>
+            <a:lnRef idx="1">
+              <a:schemeClr val="accent1"/>
+            </a:lnRef>
+            <a:fillRef idx="3">
+              <a:schemeClr val="accent1"/>
+            </a:fillRef>
+            <a:effectRef idx="2">
+              <a:schemeClr val="accent1"/>
+            </a:effectRef>
+            <a:fontRef idx="minor">
+              <a:schemeClr val="lt1"/>
+            </a:fontRef>
+          </p:style>
+        </p:sp>
+        <p:sp>
+          <p:nvSpPr>
+            <p:cNvPr id="31" name="Isosceles Triangle 30"/>
+            <p:cNvSpPr/>
+            <p:nvPr/>
+          </p:nvSpPr>
+          <p:spPr>
+            <a:xfrm>
+              <a:off x="10371666" y="3589867"/>
+              <a:ext cx="1817159" cy="3268133"/>
+            </a:xfrm>
+            <a:prstGeom prst="triangle">
+              <a:avLst>
+                <a:gd name="adj" fmla="val 100000"/>
+              </a:avLst>
+            </a:prstGeom>
+            <a:solidFill>
+              <a:schemeClr val="accent1">
+                <a:alpha val="80000"/>
+              </a:schemeClr>
+            </a:solidFill>
+            <a:ln>
+              <a:noFill/>
+            </a:ln>
+            <a:effectLst/>
+          </p:spPr>
+          <p:style>
+            <a:lnRef idx="1">
+              <a:schemeClr val="accent1"/>
+            </a:lnRef>
+            <a:fillRef idx="3">
+              <a:schemeClr val="accent1"/>
+            </a:fillRef>
+            <a:effectRef idx="2">
+              <a:schemeClr val="accent1"/>
+            </a:effectRef>
+            <a:fontRef idx="minor">
+              <a:schemeClr val="lt1"/>
+            </a:fontRef>
+          </p:style>
+        </p:sp>
+        <p:sp>
+          <p:nvSpPr>
+            <p:cNvPr id="19" name="Isosceles Triangle 18"/>
+            <p:cNvSpPr/>
+            <p:nvPr/>
+          </p:nvSpPr>
+          <p:spPr>
+            <a:xfrm rot="10800000">
+              <a:off x="0" y="0"/>
+              <a:ext cx="842596" cy="5666154"/>
+            </a:xfrm>
+            <a:prstGeom prst="triangle">
+              <a:avLst>
+                <a:gd name="adj" fmla="val 100000"/>
+              </a:avLst>
+            </a:prstGeom>
+            <a:solidFill>
+              <a:schemeClr val="accent1">
+                <a:alpha val="85000"/>
+              </a:schemeClr>
+            </a:solidFill>
+            <a:ln>
+              <a:noFill/>
+            </a:ln>
+            <a:effectLst/>
+          </p:spPr>
+          <p:style>
+            <a:lnRef idx="1">
+              <a:schemeClr val="accent1"/>
+            </a:lnRef>
+            <a:fillRef idx="3">
+              <a:schemeClr val="accent1"/>
+            </a:fillRef>
+            <a:effectRef idx="2">
+              <a:schemeClr val="accent1"/>
+            </a:effectRef>
+            <a:fontRef idx="minor">
+              <a:schemeClr val="lt1"/>
+            </a:fontRef>
+          </p:style>
+        </p:sp>
+      </p:grpSp>
+      <p:sp>
+        <p:nvSpPr>
+          <p:cNvPr id="2" name="Title 1"/>
+          <p:cNvSpPr>
+            <a:spLocks noGrp="1"/>
+          </p:cNvSpPr>
+          <p:nvPr>
+            <p:ph type="ctrTitle"/>
+          </p:nvPr>
+        </p:nvSpPr>
+        <p:spPr>
+          <a:xfrm>
+            <a:off x="1130300" y="1803400"/>
+            <a:ext cx="5825202" cy="1234727"/>
+          </a:xfrm>
+        </p:spPr>
+        <p:txBody>
+          <a:bodyPr anchor="b">
+            <a:noAutofit/>
+          </a:bodyPr>
+          <a:lstStyle>
+            <a:lvl1pPr algn="r">
+              <a:defRPr sz="4050">
+                <a:solidFill>
+                  <a:schemeClr val="accent1"/>
+                </a:solidFill>
+              </a:defRPr>
+            </a:lvl1pPr>
+          </a:lstStyle>
+          <a:p>
+            <a:r>
+              <a:rPr lang="en-US"/>
+              <a:t>Click to edit Master title style</a:t>
+            </a:r>
+            <a:endParaRPr lang="en-US" dirty="0"/>
+          </a:p>
+        </p:txBody>
+      </p:sp>
+      <p:sp>
+        <p:nvSpPr>
+          <p:cNvPr id="3" name="Subtitle 2"/>
+          <p:cNvSpPr>
+            <a:spLocks noGrp="1"/>
+          </p:cNvSpPr>
+          <p:nvPr>
+            <p:ph type="subTitle" idx="1"/>
+          </p:nvPr>
+        </p:nvSpPr>
+        <p:spPr>
+          <a:xfrm>
+            <a:off x="1130300" y="3038125"/>
+            <a:ext cx="5825202" cy="822674"/>
+          </a:xfrm>
+        </p:spPr>
+        <p:txBody>
+          <a:bodyPr anchor="t"/>
+          <a:lstStyle>
+            <a:lvl1pPr marL="0" indent="0" algn="r">
+              <a:buNone/>
+              <a:defRPr>
+                <a:solidFill>
+                  <a:schemeClr val="tx1">
+                    <a:lumMod val="50000"/>
+                    <a:lumOff val="50000"/>
+                  </a:schemeClr>
+                </a:solidFill>
+              </a:defRPr>
+            </a:lvl1pPr>
+            <a:lvl2pPr marL="342900" indent="0" algn="ctr">
+              <a:buNone/>
+              <a:defRPr>
+                <a:solidFill>
+                  <a:schemeClr val="tx1">
+                    <a:tint val="75000"/>
+                  </a:schemeClr>
+                </a:solidFill>
+              </a:defRPr>
+            </a:lvl2pPr>
+            <a:lvl3pPr marL="685800" indent="0" algn="ctr">
+              <a:buNone/>
+              <a:defRPr>
+                <a:solidFill>
+                  <a:schemeClr val="tx1">
+                    <a:tint val="75000"/>
+                  </a:schemeClr>
+                </a:solidFill>
+              </a:defRPr>
+            </a:lvl3pPr>
+            <a:lvl4pPr marL="1028700" indent="0" algn="ctr">
+              <a:buNone/>
+              <a:defRPr>
+                <a:solidFill>
+                  <a:schemeClr val="tx1">
+                    <a:tint val="75000"/>
+                  </a:schemeClr>
+                </a:solidFill>
+              </a:defRPr>
+            </a:lvl4pPr>
+            <a:lvl5pPr marL="1371600" indent="0" algn="ctr">
+              <a:buNone/>
+              <a:defRPr>
+                <a:solidFill>
+                  <a:schemeClr val="tx1">
+                    <a:tint val="75000"/>
+                  </a:schemeClr>
+                </a:solidFill>
+              </a:defRPr>
+            </a:lvl5pPr>
+            <a:lvl6pPr marL="1714500" indent="0" algn="ctr">
+              <a:buNone/>
+              <a:defRPr>
+                <a:solidFill>
+                  <a:schemeClr val="tx1">
+                    <a:tint val="75000"/>
+                  </a:schemeClr>
+                </a:solidFill>
+              </a:defRPr>
+            </a:lvl6pPr>
+            <a:lvl7pPr marL="2057400" indent="0" algn="ctr">
+              <a:buNone/>
+              <a:defRPr>
+                <a:solidFill>
+                  <a:schemeClr val="tx1">
+                    <a:tint val="75000"/>
+                  </a:schemeClr>
+                </a:solidFill>
+              </a:defRPr>
+            </a:lvl7pPr>
+            <a:lvl8pPr marL="2400300" indent="0" algn="ctr">
+              <a:buNone/>
+              <a:defRPr>
+                <a:solidFill>
+                  <a:schemeClr val="tx1">
+                    <a:tint val="75000"/>
+                  </a:schemeClr>
+                </a:solidFill>
+              </a:defRPr>
+            </a:lvl8pPr>
+            <a:lvl9pPr marL="2743200" indent="0" algn="ctr">
+              <a:buNone/>
+              <a:defRPr>
+                <a:solidFill>
+                  <a:schemeClr val="tx1">
+                    <a:tint val="75000"/>
+                  </a:schemeClr>
+                </a:solidFill>
+              </a:defRPr>
+            </a:lvl9pPr>
+          </a:lstStyle>
+          <a:p>
+            <a:r>
+              <a:rPr lang="en-US"/>
+              <a:t>Click to edit Master subtitle style</a:t>
+            </a:r>
+            <a:endParaRPr lang="en-US" dirty="0"/>
+          </a:p>
+        </p:txBody>
+      </p:sp>
+      <p:sp>
+        <p:nvSpPr>
+          <p:cNvPr id="4" name="Date Placeholder 3"/>
+          <p:cNvSpPr>
+            <a:spLocks noGrp="1"/>
+          </p:cNvSpPr>
+          <p:nvPr>
+            <p:ph type="dt" sz="half" idx="10"/>
           </p:nvPr>
         </p:nvSpPr>
         <p:spPr/>
-      </p:sp>
-      <p:sp>
-        <p:nvSpPr>
-          <p:cNvPr id="3" name="Notes Placeholder 2"/>
-          <p:cNvSpPr>
-            <a:spLocks noGrp="1"/>
-          </p:cNvSpPr>
-          <p:nvPr>
-            <p:ph type="body" idx="1"/>
+        <p:txBody>
+          <a:bodyPr/>
+          <a:lstStyle/>
+          <a:p>
+            <a:fld id="{B61BEF0D-F0BB-DE4B-95CE-6DB70DBA9567}" type="datetimeFigureOut">
+              <a:rPr lang="en-US" smtClean="0"/>
+              <a:pPr/>
+              <a:t>9/11/2025</a:t>
+            </a:fld>
+            <a:endParaRPr lang="en-US" dirty="0"/>
+          </a:p>
+        </p:txBody>
+      </p:sp>
+      <p:sp>
+        <p:nvSpPr>
+          <p:cNvPr id="5" name="Footer Placeholder 4"/>
+          <p:cNvSpPr>
+            <a:spLocks noGrp="1"/>
+          </p:cNvSpPr>
+          <p:nvPr>
+            <p:ph type="ftr" sz="quarter" idx="11"/>
           </p:nvPr>
         </p:nvSpPr>
         <p:spPr/>
@@ -1034,22 +1508,18 @@
           <a:bodyPr/>
           <a:lstStyle/>
           <a:p>
-            <a:r>
-              <a:rPr lang="en-US" dirty="0"/>
-              <a:t/>
-            </a:r>
             <a:endParaRPr lang="en-US" dirty="0"/>
           </a:p>
         </p:txBody>
       </p:sp>
       <p:sp>
         <p:nvSpPr>
-          <p:cNvPr id="4" name="Slide Number Placeholder 3"/>
-          <p:cNvSpPr>
-            <a:spLocks noGrp="1"/>
-          </p:cNvSpPr>
-          <p:nvPr>
-            <p:ph type="sldNum" sz="quarter" idx="10"/>
+          <p:cNvPr id="6" name="Slide Number Placeholder 5"/>
+          <p:cNvSpPr>
+            <a:spLocks noGrp="1"/>
+          </p:cNvSpPr>
+          <p:nvPr>
+            <p:ph type="sldNum" sz="quarter" idx="12"/>
           </p:nvPr>
         </p:nvSpPr>
         <p:spPr/>
@@ -1057,29 +1527,2013 @@
           <a:bodyPr/>
           <a:lstStyle/>
           <a:p>
-            <a:fld id="{F7021451-1387-4CA6-816F-3879F97B5CBC}" type="slidenum">
-              <a:rPr lang="en-US"/>
-              <a:t>7</a:t>
+            <a:fld id="{D57F1E4F-1CFF-5643-939E-217C01CDF565}" type="slidenum">
+              <a:rPr lang="en-US" smtClean="0"/>
+              <a:pPr/>
+              <a:t>‹#›</a:t>
             </a:fld>
-            <a:endParaRPr lang="en-US"/>
+            <a:endParaRPr lang="en-US" dirty="0"/>
           </a:p>
         </p:txBody>
       </p:sp>
     </p:spTree>
     <p:extLst>
       <p:ext uri="{BB962C8B-B14F-4D97-AF65-F5344CB8AC3E}">
-        <p14:creationId xmlns:p14="http://schemas.microsoft.com/office/powerpoint/2010/main" val="1024086991"/>
+        <p14:creationId xmlns:p14="http://schemas.microsoft.com/office/powerpoint/2010/main" val="1664244119"/>
       </p:ext>
     </p:extLst>
   </p:cSld>
   <p:clrMapOvr>
     <a:masterClrMapping/>
   </p:clrMapOvr>
-</p:notes>
+  <p:hf sldNum="0" hdr="0" ftr="0" dt="0"/>
+</p:sldLayout>
 </file>
 
-<file path=ppt/slideLayouts/slideLayout1.xml><?xml version="1.0" encoding="utf-8"?>
+<file path=ppt/slideLayouts/slideLayout10.xml><?xml version="1.0" encoding="utf-8"?>
 <p:sldLayout xmlns:a="http://schemas.openxmlformats.org/drawingml/2006/main" xmlns:r="http://schemas.openxmlformats.org/officeDocument/2006/relationships" xmlns:p="http://schemas.openxmlformats.org/presentationml/2006/main" preserve="1">
+  <p:cSld name="Title and Caption">
+    <p:spTree>
+      <p:nvGrpSpPr>
+        <p:cNvPr id="1" name=""/>
+        <p:cNvGrpSpPr/>
+        <p:nvPr/>
+      </p:nvGrpSpPr>
+      <p:grpSpPr>
+        <a:xfrm>
+          <a:off x="0" y="0"/>
+          <a:ext cx="0" cy="0"/>
+          <a:chOff x="0" y="0"/>
+          <a:chExt cx="0" cy="0"/>
+        </a:xfrm>
+      </p:grpSpPr>
+      <p:sp>
+        <p:nvSpPr>
+          <p:cNvPr id="2" name="Title 1"/>
+          <p:cNvSpPr>
+            <a:spLocks noGrp="1"/>
+          </p:cNvSpPr>
+          <p:nvPr>
+            <p:ph type="title"/>
+          </p:nvPr>
+        </p:nvSpPr>
+        <p:spPr>
+          <a:xfrm>
+            <a:off x="508001" y="457200"/>
+            <a:ext cx="6447501" cy="2552700"/>
+          </a:xfrm>
+        </p:spPr>
+        <p:txBody>
+          <a:bodyPr anchor="ctr">
+            <a:normAutofit/>
+          </a:bodyPr>
+          <a:lstStyle>
+            <a:lvl1pPr algn="l">
+              <a:defRPr sz="3300" b="0" cap="none"/>
+            </a:lvl1pPr>
+          </a:lstStyle>
+          <a:p>
+            <a:r>
+              <a:rPr lang="en-US"/>
+              <a:t>Click to edit Master title style</a:t>
+            </a:r>
+            <a:endParaRPr lang="en-US" dirty="0"/>
+          </a:p>
+        </p:txBody>
+      </p:sp>
+      <p:sp>
+        <p:nvSpPr>
+          <p:cNvPr id="3" name="Text Placeholder 2"/>
+          <p:cNvSpPr>
+            <a:spLocks noGrp="1"/>
+          </p:cNvSpPr>
+          <p:nvPr>
+            <p:ph type="body" idx="1"/>
+          </p:nvPr>
+        </p:nvSpPr>
+        <p:spPr>
+          <a:xfrm>
+            <a:off x="508001" y="3352800"/>
+            <a:ext cx="6447501" cy="1178222"/>
+          </a:xfrm>
+        </p:spPr>
+        <p:txBody>
+          <a:bodyPr anchor="ctr">
+            <a:normAutofit/>
+          </a:bodyPr>
+          <a:lstStyle>
+            <a:lvl1pPr marL="0" indent="0" algn="l">
+              <a:buNone/>
+              <a:defRPr sz="1350">
+                <a:solidFill>
+                  <a:schemeClr val="tx1">
+                    <a:lumMod val="75000"/>
+                    <a:lumOff val="25000"/>
+                  </a:schemeClr>
+                </a:solidFill>
+              </a:defRPr>
+            </a:lvl1pPr>
+            <a:lvl2pPr marL="342900" indent="0">
+              <a:buNone/>
+              <a:defRPr sz="1350">
+                <a:solidFill>
+                  <a:schemeClr val="tx1">
+                    <a:tint val="75000"/>
+                  </a:schemeClr>
+                </a:solidFill>
+              </a:defRPr>
+            </a:lvl2pPr>
+            <a:lvl3pPr marL="685800" indent="0">
+              <a:buNone/>
+              <a:defRPr sz="1200">
+                <a:solidFill>
+                  <a:schemeClr val="tx1">
+                    <a:tint val="75000"/>
+                  </a:schemeClr>
+                </a:solidFill>
+              </a:defRPr>
+            </a:lvl3pPr>
+            <a:lvl4pPr marL="1028700" indent="0">
+              <a:buNone/>
+              <a:defRPr sz="1050">
+                <a:solidFill>
+                  <a:schemeClr val="tx1">
+                    <a:tint val="75000"/>
+                  </a:schemeClr>
+                </a:solidFill>
+              </a:defRPr>
+            </a:lvl4pPr>
+            <a:lvl5pPr marL="1371600" indent="0">
+              <a:buNone/>
+              <a:defRPr sz="1050">
+                <a:solidFill>
+                  <a:schemeClr val="tx1">
+                    <a:tint val="75000"/>
+                  </a:schemeClr>
+                </a:solidFill>
+              </a:defRPr>
+            </a:lvl5pPr>
+            <a:lvl6pPr marL="1714500" indent="0">
+              <a:buNone/>
+              <a:defRPr sz="1050">
+                <a:solidFill>
+                  <a:schemeClr val="tx1">
+                    <a:tint val="75000"/>
+                  </a:schemeClr>
+                </a:solidFill>
+              </a:defRPr>
+            </a:lvl6pPr>
+            <a:lvl7pPr marL="2057400" indent="0">
+              <a:buNone/>
+              <a:defRPr sz="1050">
+                <a:solidFill>
+                  <a:schemeClr val="tx1">
+                    <a:tint val="75000"/>
+                  </a:schemeClr>
+                </a:solidFill>
+              </a:defRPr>
+            </a:lvl7pPr>
+            <a:lvl8pPr marL="2400300" indent="0">
+              <a:buNone/>
+              <a:defRPr sz="1050">
+                <a:solidFill>
+                  <a:schemeClr val="tx1">
+                    <a:tint val="75000"/>
+                  </a:schemeClr>
+                </a:solidFill>
+              </a:defRPr>
+            </a:lvl8pPr>
+            <a:lvl9pPr marL="2743200" indent="0">
+              <a:buNone/>
+              <a:defRPr sz="1050">
+                <a:solidFill>
+                  <a:schemeClr val="tx1">
+                    <a:tint val="75000"/>
+                  </a:schemeClr>
+                </a:solidFill>
+              </a:defRPr>
+            </a:lvl9pPr>
+          </a:lstStyle>
+          <a:p>
+            <a:pPr lvl="0"/>
+            <a:r>
+              <a:rPr lang="en-US"/>
+              <a:t>Click to edit Master text styles</a:t>
+            </a:r>
+          </a:p>
+        </p:txBody>
+      </p:sp>
+      <p:sp>
+        <p:nvSpPr>
+          <p:cNvPr id="4" name="Date Placeholder 3"/>
+          <p:cNvSpPr>
+            <a:spLocks noGrp="1"/>
+          </p:cNvSpPr>
+          <p:nvPr>
+            <p:ph type="dt" sz="half" idx="10"/>
+          </p:nvPr>
+        </p:nvSpPr>
+        <p:spPr/>
+        <p:txBody>
+          <a:bodyPr/>
+          <a:lstStyle/>
+          <a:p>
+            <a:fld id="{B61BEF0D-F0BB-DE4B-95CE-6DB70DBA9567}" type="datetimeFigureOut">
+              <a:rPr lang="en-US" smtClean="0"/>
+              <a:pPr/>
+              <a:t>9/11/2025</a:t>
+            </a:fld>
+            <a:endParaRPr lang="en-US" dirty="0"/>
+          </a:p>
+        </p:txBody>
+      </p:sp>
+      <p:sp>
+        <p:nvSpPr>
+          <p:cNvPr id="5" name="Footer Placeholder 4"/>
+          <p:cNvSpPr>
+            <a:spLocks noGrp="1"/>
+          </p:cNvSpPr>
+          <p:nvPr>
+            <p:ph type="ftr" sz="quarter" idx="11"/>
+          </p:nvPr>
+        </p:nvSpPr>
+        <p:spPr/>
+        <p:txBody>
+          <a:bodyPr/>
+          <a:lstStyle/>
+          <a:p>
+            <a:endParaRPr lang="en-US" dirty="0"/>
+          </a:p>
+        </p:txBody>
+      </p:sp>
+      <p:sp>
+        <p:nvSpPr>
+          <p:cNvPr id="6" name="Slide Number Placeholder 5"/>
+          <p:cNvSpPr>
+            <a:spLocks noGrp="1"/>
+          </p:cNvSpPr>
+          <p:nvPr>
+            <p:ph type="sldNum" sz="quarter" idx="12"/>
+          </p:nvPr>
+        </p:nvSpPr>
+        <p:spPr/>
+        <p:txBody>
+          <a:bodyPr/>
+          <a:lstStyle/>
+          <a:p>
+            <a:fld id="{D57F1E4F-1CFF-5643-939E-217C01CDF565}" type="slidenum">
+              <a:rPr lang="en-US" smtClean="0"/>
+              <a:pPr/>
+              <a:t>‹#›</a:t>
+            </a:fld>
+            <a:endParaRPr lang="en-US" dirty="0"/>
+          </a:p>
+        </p:txBody>
+      </p:sp>
+    </p:spTree>
+    <p:extLst>
+      <p:ext uri="{BB962C8B-B14F-4D97-AF65-F5344CB8AC3E}">
+        <p14:creationId xmlns:p14="http://schemas.microsoft.com/office/powerpoint/2010/main" val="3010756802"/>
+      </p:ext>
+    </p:extLst>
+  </p:cSld>
+  <p:clrMapOvr>
+    <a:masterClrMapping/>
+  </p:clrMapOvr>
+  <p:hf sldNum="0" hdr="0" ftr="0" dt="0"/>
+</p:sldLayout>
+</file>
+
+<file path=ppt/slideLayouts/slideLayout11.xml><?xml version="1.0" encoding="utf-8"?>
+<p:sldLayout xmlns:a="http://schemas.openxmlformats.org/drawingml/2006/main" xmlns:r="http://schemas.openxmlformats.org/officeDocument/2006/relationships" xmlns:p="http://schemas.openxmlformats.org/presentationml/2006/main" preserve="1">
+  <p:cSld name="Quote with Caption">
+    <p:spTree>
+      <p:nvGrpSpPr>
+        <p:cNvPr id="1" name=""/>
+        <p:cNvGrpSpPr/>
+        <p:nvPr/>
+      </p:nvGrpSpPr>
+      <p:grpSpPr>
+        <a:xfrm>
+          <a:off x="0" y="0"/>
+          <a:ext cx="0" cy="0"/>
+          <a:chOff x="0" y="0"/>
+          <a:chExt cx="0" cy="0"/>
+        </a:xfrm>
+      </p:grpSpPr>
+      <p:sp>
+        <p:nvSpPr>
+          <p:cNvPr id="2" name="Title 1"/>
+          <p:cNvSpPr>
+            <a:spLocks noGrp="1"/>
+          </p:cNvSpPr>
+          <p:nvPr>
+            <p:ph type="title"/>
+          </p:nvPr>
+        </p:nvSpPr>
+        <p:spPr>
+          <a:xfrm>
+            <a:off x="698500" y="457200"/>
+            <a:ext cx="6070601" cy="2266950"/>
+          </a:xfrm>
+        </p:spPr>
+        <p:txBody>
+          <a:bodyPr anchor="ctr">
+            <a:normAutofit/>
+          </a:bodyPr>
+          <a:lstStyle>
+            <a:lvl1pPr algn="l">
+              <a:defRPr sz="3300" b="0" cap="none"/>
+            </a:lvl1pPr>
+          </a:lstStyle>
+          <a:p>
+            <a:r>
+              <a:rPr lang="en-US"/>
+              <a:t>Click to edit Master title style</a:t>
+            </a:r>
+            <a:endParaRPr lang="en-US" dirty="0"/>
+          </a:p>
+        </p:txBody>
+      </p:sp>
+      <p:sp>
+        <p:nvSpPr>
+          <p:cNvPr id="23" name="Text Placeholder 9"/>
+          <p:cNvSpPr>
+            <a:spLocks noGrp="1"/>
+          </p:cNvSpPr>
+          <p:nvPr>
+            <p:ph type="body" sz="quarter" idx="13"/>
+          </p:nvPr>
+        </p:nvSpPr>
+        <p:spPr>
+          <a:xfrm>
+            <a:off x="1024604" y="2724150"/>
+            <a:ext cx="5418393" cy="285750"/>
+          </a:xfrm>
+        </p:spPr>
+        <p:txBody>
+          <a:bodyPr anchor="ctr">
+            <a:noAutofit/>
+          </a:bodyPr>
+          <a:lstStyle>
+            <a:lvl1pPr marL="0" indent="0">
+              <a:buFontTx/>
+              <a:buNone/>
+              <a:defRPr sz="1200">
+                <a:solidFill>
+                  <a:schemeClr val="tx1">
+                    <a:lumMod val="50000"/>
+                    <a:lumOff val="50000"/>
+                  </a:schemeClr>
+                </a:solidFill>
+              </a:defRPr>
+            </a:lvl1pPr>
+            <a:lvl2pPr marL="342900" indent="0">
+              <a:buFontTx/>
+              <a:buNone/>
+              <a:defRPr/>
+            </a:lvl2pPr>
+            <a:lvl3pPr marL="685800" indent="0">
+              <a:buFontTx/>
+              <a:buNone/>
+              <a:defRPr/>
+            </a:lvl3pPr>
+            <a:lvl4pPr marL="1028700" indent="0">
+              <a:buFontTx/>
+              <a:buNone/>
+              <a:defRPr/>
+            </a:lvl4pPr>
+            <a:lvl5pPr marL="1371600" indent="0">
+              <a:buFontTx/>
+              <a:buNone/>
+              <a:defRPr/>
+            </a:lvl5pPr>
+          </a:lstStyle>
+          <a:p>
+            <a:pPr lvl="0"/>
+            <a:r>
+              <a:rPr lang="en-US"/>
+              <a:t>Click to edit Master text styles</a:t>
+            </a:r>
+          </a:p>
+        </p:txBody>
+      </p:sp>
+      <p:sp>
+        <p:nvSpPr>
+          <p:cNvPr id="3" name="Text Placeholder 2"/>
+          <p:cNvSpPr>
+            <a:spLocks noGrp="1"/>
+          </p:cNvSpPr>
+          <p:nvPr>
+            <p:ph type="body" idx="1"/>
+          </p:nvPr>
+        </p:nvSpPr>
+        <p:spPr>
+          <a:xfrm>
+            <a:off x="508001" y="3352800"/>
+            <a:ext cx="6447501" cy="1178222"/>
+          </a:xfrm>
+        </p:spPr>
+        <p:txBody>
+          <a:bodyPr anchor="ctr">
+            <a:normAutofit/>
+          </a:bodyPr>
+          <a:lstStyle>
+            <a:lvl1pPr marL="0" indent="0" algn="l">
+              <a:buNone/>
+              <a:defRPr sz="1350">
+                <a:solidFill>
+                  <a:schemeClr val="tx1">
+                    <a:lumMod val="75000"/>
+                    <a:lumOff val="25000"/>
+                  </a:schemeClr>
+                </a:solidFill>
+              </a:defRPr>
+            </a:lvl1pPr>
+            <a:lvl2pPr marL="342900" indent="0">
+              <a:buNone/>
+              <a:defRPr sz="1350">
+                <a:solidFill>
+                  <a:schemeClr val="tx1">
+                    <a:tint val="75000"/>
+                  </a:schemeClr>
+                </a:solidFill>
+              </a:defRPr>
+            </a:lvl2pPr>
+            <a:lvl3pPr marL="685800" indent="0">
+              <a:buNone/>
+              <a:defRPr sz="1200">
+                <a:solidFill>
+                  <a:schemeClr val="tx1">
+                    <a:tint val="75000"/>
+                  </a:schemeClr>
+                </a:solidFill>
+              </a:defRPr>
+            </a:lvl3pPr>
+            <a:lvl4pPr marL="1028700" indent="0">
+              <a:buNone/>
+              <a:defRPr sz="1050">
+                <a:solidFill>
+                  <a:schemeClr val="tx1">
+                    <a:tint val="75000"/>
+                  </a:schemeClr>
+                </a:solidFill>
+              </a:defRPr>
+            </a:lvl4pPr>
+            <a:lvl5pPr marL="1371600" indent="0">
+              <a:buNone/>
+              <a:defRPr sz="1050">
+                <a:solidFill>
+                  <a:schemeClr val="tx1">
+                    <a:tint val="75000"/>
+                  </a:schemeClr>
+                </a:solidFill>
+              </a:defRPr>
+            </a:lvl5pPr>
+            <a:lvl6pPr marL="1714500" indent="0">
+              <a:buNone/>
+              <a:defRPr sz="1050">
+                <a:solidFill>
+                  <a:schemeClr val="tx1">
+                    <a:tint val="75000"/>
+                  </a:schemeClr>
+                </a:solidFill>
+              </a:defRPr>
+            </a:lvl6pPr>
+            <a:lvl7pPr marL="2057400" indent="0">
+              <a:buNone/>
+              <a:defRPr sz="1050">
+                <a:solidFill>
+                  <a:schemeClr val="tx1">
+                    <a:tint val="75000"/>
+                  </a:schemeClr>
+                </a:solidFill>
+              </a:defRPr>
+            </a:lvl7pPr>
+            <a:lvl8pPr marL="2400300" indent="0">
+              <a:buNone/>
+              <a:defRPr sz="1050">
+                <a:solidFill>
+                  <a:schemeClr val="tx1">
+                    <a:tint val="75000"/>
+                  </a:schemeClr>
+                </a:solidFill>
+              </a:defRPr>
+            </a:lvl8pPr>
+            <a:lvl9pPr marL="2743200" indent="0">
+              <a:buNone/>
+              <a:defRPr sz="1050">
+                <a:solidFill>
+                  <a:schemeClr val="tx1">
+                    <a:tint val="75000"/>
+                  </a:schemeClr>
+                </a:solidFill>
+              </a:defRPr>
+            </a:lvl9pPr>
+          </a:lstStyle>
+          <a:p>
+            <a:pPr lvl="0"/>
+            <a:r>
+              <a:rPr lang="en-US"/>
+              <a:t>Click to edit Master text styles</a:t>
+            </a:r>
+          </a:p>
+        </p:txBody>
+      </p:sp>
+      <p:sp>
+        <p:nvSpPr>
+          <p:cNvPr id="4" name="Date Placeholder 3"/>
+          <p:cNvSpPr>
+            <a:spLocks noGrp="1"/>
+          </p:cNvSpPr>
+          <p:nvPr>
+            <p:ph type="dt" sz="half" idx="10"/>
+          </p:nvPr>
+        </p:nvSpPr>
+        <p:spPr/>
+        <p:txBody>
+          <a:bodyPr/>
+          <a:lstStyle/>
+          <a:p>
+            <a:fld id="{B61BEF0D-F0BB-DE4B-95CE-6DB70DBA9567}" type="datetimeFigureOut">
+              <a:rPr lang="en-US" smtClean="0"/>
+              <a:pPr/>
+              <a:t>9/11/2025</a:t>
+            </a:fld>
+            <a:endParaRPr lang="en-US" dirty="0"/>
+          </a:p>
+        </p:txBody>
+      </p:sp>
+      <p:sp>
+        <p:nvSpPr>
+          <p:cNvPr id="5" name="Footer Placeholder 4"/>
+          <p:cNvSpPr>
+            <a:spLocks noGrp="1"/>
+          </p:cNvSpPr>
+          <p:nvPr>
+            <p:ph type="ftr" sz="quarter" idx="11"/>
+          </p:nvPr>
+        </p:nvSpPr>
+        <p:spPr/>
+        <p:txBody>
+          <a:bodyPr/>
+          <a:lstStyle/>
+          <a:p>
+            <a:endParaRPr lang="en-US" dirty="0"/>
+          </a:p>
+        </p:txBody>
+      </p:sp>
+      <p:sp>
+        <p:nvSpPr>
+          <p:cNvPr id="6" name="Slide Number Placeholder 5"/>
+          <p:cNvSpPr>
+            <a:spLocks noGrp="1"/>
+          </p:cNvSpPr>
+          <p:nvPr>
+            <p:ph type="sldNum" sz="quarter" idx="12"/>
+          </p:nvPr>
+        </p:nvSpPr>
+        <p:spPr/>
+        <p:txBody>
+          <a:bodyPr/>
+          <a:lstStyle/>
+          <a:p>
+            <a:fld id="{D57F1E4F-1CFF-5643-939E-217C01CDF565}" type="slidenum">
+              <a:rPr lang="en-US" smtClean="0"/>
+              <a:pPr/>
+              <a:t>‹#›</a:t>
+            </a:fld>
+            <a:endParaRPr lang="en-US" dirty="0"/>
+          </a:p>
+        </p:txBody>
+      </p:sp>
+      <p:sp>
+        <p:nvSpPr>
+          <p:cNvPr id="20" name="TextBox 19"/>
+          <p:cNvSpPr txBox="1"/>
+          <p:nvPr/>
+        </p:nvSpPr>
+        <p:spPr>
+          <a:xfrm>
+            <a:off x="406403" y="592784"/>
+            <a:ext cx="457200" cy="438582"/>
+          </a:xfrm>
+          <a:prstGeom prst="rect">
+            <a:avLst/>
+          </a:prstGeom>
+        </p:spPr>
+        <p:txBody>
+          <a:bodyPr vert="horz" lIns="68580" tIns="34290" rIns="68580" bIns="34290" rtlCol="0" anchor="ctr">
+            <a:noAutofit/>
+          </a:bodyPr>
+          <a:lstStyle/>
+          <a:p>
+            <a:pPr lvl="0"/>
+            <a:r>
+              <a:rPr lang="en-US" sz="6000" baseline="0" dirty="0">
+                <a:ln w="3175" cmpd="sng">
+                  <a:noFill/>
+                </a:ln>
+                <a:solidFill>
+                  <a:schemeClr val="accent1">
+                    <a:lumMod val="60000"/>
+                    <a:lumOff val="40000"/>
+                  </a:schemeClr>
+                </a:solidFill>
+                <a:effectLst/>
+                <a:latin typeface="Arial"/>
+              </a:rPr>
+              <a:t>“</a:t>
+            </a:r>
+          </a:p>
+        </p:txBody>
+      </p:sp>
+      <p:sp>
+        <p:nvSpPr>
+          <p:cNvPr id="22" name="TextBox 21"/>
+          <p:cNvSpPr txBox="1"/>
+          <p:nvPr/>
+        </p:nvSpPr>
+        <p:spPr>
+          <a:xfrm>
+            <a:off x="6669758" y="2164917"/>
+            <a:ext cx="457200" cy="438582"/>
+          </a:xfrm>
+          <a:prstGeom prst="rect">
+            <a:avLst/>
+          </a:prstGeom>
+        </p:spPr>
+        <p:txBody>
+          <a:bodyPr vert="horz" lIns="68580" tIns="34290" rIns="68580" bIns="34290" rtlCol="0" anchor="ctr">
+            <a:noAutofit/>
+          </a:bodyPr>
+          <a:lstStyle/>
+          <a:p>
+            <a:pPr lvl="0"/>
+            <a:r>
+              <a:rPr lang="en-US" sz="6000" baseline="0" dirty="0">
+                <a:ln w="3175" cmpd="sng">
+                  <a:noFill/>
+                </a:ln>
+                <a:solidFill>
+                  <a:schemeClr val="accent1">
+                    <a:lumMod val="60000"/>
+                    <a:lumOff val="40000"/>
+                  </a:schemeClr>
+                </a:solidFill>
+                <a:latin typeface="Arial"/>
+              </a:rPr>
+              <a:t>”</a:t>
+            </a:r>
+            <a:endParaRPr lang="en-US" sz="1350" dirty="0">
+              <a:solidFill>
+                <a:schemeClr val="accent1">
+                  <a:lumMod val="60000"/>
+                  <a:lumOff val="40000"/>
+                </a:schemeClr>
+              </a:solidFill>
+              <a:latin typeface="Arial"/>
+            </a:endParaRPr>
+          </a:p>
+        </p:txBody>
+      </p:sp>
+    </p:spTree>
+    <p:extLst>
+      <p:ext uri="{BB962C8B-B14F-4D97-AF65-F5344CB8AC3E}">
+        <p14:creationId xmlns:p14="http://schemas.microsoft.com/office/powerpoint/2010/main" val="3638444682"/>
+      </p:ext>
+    </p:extLst>
+  </p:cSld>
+  <p:clrMapOvr>
+    <a:masterClrMapping/>
+  </p:clrMapOvr>
+  <p:hf sldNum="0" hdr="0" ftr="0" dt="0"/>
+</p:sldLayout>
+</file>
+
+<file path=ppt/slideLayouts/slideLayout12.xml><?xml version="1.0" encoding="utf-8"?>
+<p:sldLayout xmlns:a="http://schemas.openxmlformats.org/drawingml/2006/main" xmlns:r="http://schemas.openxmlformats.org/officeDocument/2006/relationships" xmlns:p="http://schemas.openxmlformats.org/presentationml/2006/main" preserve="1">
+  <p:cSld name="Name Card">
+    <p:spTree>
+      <p:nvGrpSpPr>
+        <p:cNvPr id="1" name=""/>
+        <p:cNvGrpSpPr/>
+        <p:nvPr/>
+      </p:nvGrpSpPr>
+      <p:grpSpPr>
+        <a:xfrm>
+          <a:off x="0" y="0"/>
+          <a:ext cx="0" cy="0"/>
+          <a:chOff x="0" y="0"/>
+          <a:chExt cx="0" cy="0"/>
+        </a:xfrm>
+      </p:grpSpPr>
+      <p:sp>
+        <p:nvSpPr>
+          <p:cNvPr id="2" name="Title 1"/>
+          <p:cNvSpPr>
+            <a:spLocks noGrp="1"/>
+          </p:cNvSpPr>
+          <p:nvPr>
+            <p:ph type="title"/>
+          </p:nvPr>
+        </p:nvSpPr>
+        <p:spPr>
+          <a:xfrm>
+            <a:off x="508001" y="1448991"/>
+            <a:ext cx="6447501" cy="1946595"/>
+          </a:xfrm>
+        </p:spPr>
+        <p:txBody>
+          <a:bodyPr anchor="b">
+            <a:normAutofit/>
+          </a:bodyPr>
+          <a:lstStyle>
+            <a:lvl1pPr algn="l">
+              <a:defRPr sz="3300" b="0" cap="none"/>
+            </a:lvl1pPr>
+          </a:lstStyle>
+          <a:p>
+            <a:r>
+              <a:rPr lang="en-US"/>
+              <a:t>Click to edit Master title style</a:t>
+            </a:r>
+            <a:endParaRPr lang="en-US" dirty="0"/>
+          </a:p>
+        </p:txBody>
+      </p:sp>
+      <p:sp>
+        <p:nvSpPr>
+          <p:cNvPr id="3" name="Text Placeholder 2"/>
+          <p:cNvSpPr>
+            <a:spLocks noGrp="1"/>
+          </p:cNvSpPr>
+          <p:nvPr>
+            <p:ph type="body" idx="1"/>
+          </p:nvPr>
+        </p:nvSpPr>
+        <p:spPr>
+          <a:xfrm>
+            <a:off x="508001" y="3395586"/>
+            <a:ext cx="6447501" cy="1135436"/>
+          </a:xfrm>
+        </p:spPr>
+        <p:txBody>
+          <a:bodyPr anchor="t">
+            <a:normAutofit/>
+          </a:bodyPr>
+          <a:lstStyle>
+            <a:lvl1pPr marL="0" indent="0" algn="l">
+              <a:buNone/>
+              <a:defRPr sz="1350">
+                <a:solidFill>
+                  <a:schemeClr val="tx1">
+                    <a:lumMod val="75000"/>
+                    <a:lumOff val="25000"/>
+                  </a:schemeClr>
+                </a:solidFill>
+              </a:defRPr>
+            </a:lvl1pPr>
+            <a:lvl2pPr marL="342900" indent="0">
+              <a:buNone/>
+              <a:defRPr sz="1350">
+                <a:solidFill>
+                  <a:schemeClr val="tx1">
+                    <a:tint val="75000"/>
+                  </a:schemeClr>
+                </a:solidFill>
+              </a:defRPr>
+            </a:lvl2pPr>
+            <a:lvl3pPr marL="685800" indent="0">
+              <a:buNone/>
+              <a:defRPr sz="1200">
+                <a:solidFill>
+                  <a:schemeClr val="tx1">
+                    <a:tint val="75000"/>
+                  </a:schemeClr>
+                </a:solidFill>
+              </a:defRPr>
+            </a:lvl3pPr>
+            <a:lvl4pPr marL="1028700" indent="0">
+              <a:buNone/>
+              <a:defRPr sz="1050">
+                <a:solidFill>
+                  <a:schemeClr val="tx1">
+                    <a:tint val="75000"/>
+                  </a:schemeClr>
+                </a:solidFill>
+              </a:defRPr>
+            </a:lvl4pPr>
+            <a:lvl5pPr marL="1371600" indent="0">
+              <a:buNone/>
+              <a:defRPr sz="1050">
+                <a:solidFill>
+                  <a:schemeClr val="tx1">
+                    <a:tint val="75000"/>
+                  </a:schemeClr>
+                </a:solidFill>
+              </a:defRPr>
+            </a:lvl5pPr>
+            <a:lvl6pPr marL="1714500" indent="0">
+              <a:buNone/>
+              <a:defRPr sz="1050">
+                <a:solidFill>
+                  <a:schemeClr val="tx1">
+                    <a:tint val="75000"/>
+                  </a:schemeClr>
+                </a:solidFill>
+              </a:defRPr>
+            </a:lvl6pPr>
+            <a:lvl7pPr marL="2057400" indent="0">
+              <a:buNone/>
+              <a:defRPr sz="1050">
+                <a:solidFill>
+                  <a:schemeClr val="tx1">
+                    <a:tint val="75000"/>
+                  </a:schemeClr>
+                </a:solidFill>
+              </a:defRPr>
+            </a:lvl7pPr>
+            <a:lvl8pPr marL="2400300" indent="0">
+              <a:buNone/>
+              <a:defRPr sz="1050">
+                <a:solidFill>
+                  <a:schemeClr val="tx1">
+                    <a:tint val="75000"/>
+                  </a:schemeClr>
+                </a:solidFill>
+              </a:defRPr>
+            </a:lvl8pPr>
+            <a:lvl9pPr marL="2743200" indent="0">
+              <a:buNone/>
+              <a:defRPr sz="1050">
+                <a:solidFill>
+                  <a:schemeClr val="tx1">
+                    <a:tint val="75000"/>
+                  </a:schemeClr>
+                </a:solidFill>
+              </a:defRPr>
+            </a:lvl9pPr>
+          </a:lstStyle>
+          <a:p>
+            <a:pPr lvl="0"/>
+            <a:r>
+              <a:rPr lang="en-US"/>
+              <a:t>Click to edit Master text styles</a:t>
+            </a:r>
+          </a:p>
+        </p:txBody>
+      </p:sp>
+      <p:sp>
+        <p:nvSpPr>
+          <p:cNvPr id="4" name="Date Placeholder 3"/>
+          <p:cNvSpPr>
+            <a:spLocks noGrp="1"/>
+          </p:cNvSpPr>
+          <p:nvPr>
+            <p:ph type="dt" sz="half" idx="10"/>
+          </p:nvPr>
+        </p:nvSpPr>
+        <p:spPr/>
+        <p:txBody>
+          <a:bodyPr/>
+          <a:lstStyle/>
+          <a:p>
+            <a:fld id="{B61BEF0D-F0BB-DE4B-95CE-6DB70DBA9567}" type="datetimeFigureOut">
+              <a:rPr lang="en-US" smtClean="0"/>
+              <a:pPr/>
+              <a:t>9/11/2025</a:t>
+            </a:fld>
+            <a:endParaRPr lang="en-US" dirty="0"/>
+          </a:p>
+        </p:txBody>
+      </p:sp>
+      <p:sp>
+        <p:nvSpPr>
+          <p:cNvPr id="5" name="Footer Placeholder 4"/>
+          <p:cNvSpPr>
+            <a:spLocks noGrp="1"/>
+          </p:cNvSpPr>
+          <p:nvPr>
+            <p:ph type="ftr" sz="quarter" idx="11"/>
+          </p:nvPr>
+        </p:nvSpPr>
+        <p:spPr/>
+        <p:txBody>
+          <a:bodyPr/>
+          <a:lstStyle/>
+          <a:p>
+            <a:endParaRPr lang="en-US" dirty="0"/>
+          </a:p>
+        </p:txBody>
+      </p:sp>
+      <p:sp>
+        <p:nvSpPr>
+          <p:cNvPr id="6" name="Slide Number Placeholder 5"/>
+          <p:cNvSpPr>
+            <a:spLocks noGrp="1"/>
+          </p:cNvSpPr>
+          <p:nvPr>
+            <p:ph type="sldNum" sz="quarter" idx="12"/>
+          </p:nvPr>
+        </p:nvSpPr>
+        <p:spPr/>
+        <p:txBody>
+          <a:bodyPr/>
+          <a:lstStyle/>
+          <a:p>
+            <a:fld id="{D57F1E4F-1CFF-5643-939E-217C01CDF565}" type="slidenum">
+              <a:rPr lang="en-US" smtClean="0"/>
+              <a:pPr/>
+              <a:t>‹#›</a:t>
+            </a:fld>
+            <a:endParaRPr lang="en-US" dirty="0"/>
+          </a:p>
+        </p:txBody>
+      </p:sp>
+    </p:spTree>
+    <p:extLst>
+      <p:ext uri="{BB962C8B-B14F-4D97-AF65-F5344CB8AC3E}">
+        <p14:creationId xmlns:p14="http://schemas.microsoft.com/office/powerpoint/2010/main" val="1308255759"/>
+      </p:ext>
+    </p:extLst>
+  </p:cSld>
+  <p:clrMapOvr>
+    <a:masterClrMapping/>
+  </p:clrMapOvr>
+  <p:hf sldNum="0" hdr="0" ftr="0" dt="0"/>
+</p:sldLayout>
+</file>
+
+<file path=ppt/slideLayouts/slideLayout13.xml><?xml version="1.0" encoding="utf-8"?>
+<p:sldLayout xmlns:a="http://schemas.openxmlformats.org/drawingml/2006/main" xmlns:r="http://schemas.openxmlformats.org/officeDocument/2006/relationships" xmlns:p="http://schemas.openxmlformats.org/presentationml/2006/main" preserve="1">
+  <p:cSld name="Quote Name Card">
+    <p:spTree>
+      <p:nvGrpSpPr>
+        <p:cNvPr id="1" name=""/>
+        <p:cNvGrpSpPr/>
+        <p:nvPr/>
+      </p:nvGrpSpPr>
+      <p:grpSpPr>
+        <a:xfrm>
+          <a:off x="0" y="0"/>
+          <a:ext cx="0" cy="0"/>
+          <a:chOff x="0" y="0"/>
+          <a:chExt cx="0" cy="0"/>
+        </a:xfrm>
+      </p:grpSpPr>
+      <p:sp>
+        <p:nvSpPr>
+          <p:cNvPr id="2" name="Title 1"/>
+          <p:cNvSpPr>
+            <a:spLocks noGrp="1"/>
+          </p:cNvSpPr>
+          <p:nvPr>
+            <p:ph type="title"/>
+          </p:nvPr>
+        </p:nvSpPr>
+        <p:spPr>
+          <a:xfrm>
+            <a:off x="698500" y="457200"/>
+            <a:ext cx="6070601" cy="2266950"/>
+          </a:xfrm>
+        </p:spPr>
+        <p:txBody>
+          <a:bodyPr anchor="ctr">
+            <a:normAutofit/>
+          </a:bodyPr>
+          <a:lstStyle>
+            <a:lvl1pPr algn="l">
+              <a:defRPr sz="3300" b="0" cap="none"/>
+            </a:lvl1pPr>
+          </a:lstStyle>
+          <a:p>
+            <a:r>
+              <a:rPr lang="en-US"/>
+              <a:t>Click to edit Master title style</a:t>
+            </a:r>
+            <a:endParaRPr lang="en-US" dirty="0"/>
+          </a:p>
+        </p:txBody>
+      </p:sp>
+      <p:sp>
+        <p:nvSpPr>
+          <p:cNvPr id="23" name="Text Placeholder 9"/>
+          <p:cNvSpPr>
+            <a:spLocks noGrp="1"/>
+          </p:cNvSpPr>
+          <p:nvPr>
+            <p:ph type="body" sz="quarter" idx="13"/>
+          </p:nvPr>
+        </p:nvSpPr>
+        <p:spPr>
+          <a:xfrm>
+            <a:off x="507999" y="3009900"/>
+            <a:ext cx="6447502" cy="385686"/>
+          </a:xfrm>
+        </p:spPr>
+        <p:txBody>
+          <a:bodyPr anchor="b">
+            <a:noAutofit/>
+          </a:bodyPr>
+          <a:lstStyle>
+            <a:lvl1pPr marL="0" indent="0">
+              <a:buFontTx/>
+              <a:buNone/>
+              <a:defRPr sz="1800">
+                <a:solidFill>
+                  <a:schemeClr val="tx1">
+                    <a:lumMod val="75000"/>
+                    <a:lumOff val="25000"/>
+                  </a:schemeClr>
+                </a:solidFill>
+              </a:defRPr>
+            </a:lvl1pPr>
+            <a:lvl2pPr marL="342900" indent="0">
+              <a:buFontTx/>
+              <a:buNone/>
+              <a:defRPr/>
+            </a:lvl2pPr>
+            <a:lvl3pPr marL="685800" indent="0">
+              <a:buFontTx/>
+              <a:buNone/>
+              <a:defRPr/>
+            </a:lvl3pPr>
+            <a:lvl4pPr marL="1028700" indent="0">
+              <a:buFontTx/>
+              <a:buNone/>
+              <a:defRPr/>
+            </a:lvl4pPr>
+            <a:lvl5pPr marL="1371600" indent="0">
+              <a:buFontTx/>
+              <a:buNone/>
+              <a:defRPr/>
+            </a:lvl5pPr>
+          </a:lstStyle>
+          <a:p>
+            <a:pPr lvl="0"/>
+            <a:r>
+              <a:rPr lang="en-US"/>
+              <a:t>Click to edit Master text styles</a:t>
+            </a:r>
+          </a:p>
+        </p:txBody>
+      </p:sp>
+      <p:sp>
+        <p:nvSpPr>
+          <p:cNvPr id="3" name="Text Placeholder 2"/>
+          <p:cNvSpPr>
+            <a:spLocks noGrp="1"/>
+          </p:cNvSpPr>
+          <p:nvPr>
+            <p:ph type="body" idx="1"/>
+          </p:nvPr>
+        </p:nvSpPr>
+        <p:spPr>
+          <a:xfrm>
+            <a:off x="508001" y="3395586"/>
+            <a:ext cx="6447501" cy="1135436"/>
+          </a:xfrm>
+        </p:spPr>
+        <p:txBody>
+          <a:bodyPr anchor="t">
+            <a:normAutofit/>
+          </a:bodyPr>
+          <a:lstStyle>
+            <a:lvl1pPr marL="0" indent="0" algn="l">
+              <a:buNone/>
+              <a:defRPr sz="1350">
+                <a:solidFill>
+                  <a:schemeClr val="tx1">
+                    <a:lumMod val="50000"/>
+                    <a:lumOff val="50000"/>
+                  </a:schemeClr>
+                </a:solidFill>
+              </a:defRPr>
+            </a:lvl1pPr>
+            <a:lvl2pPr marL="342900" indent="0">
+              <a:buNone/>
+              <a:defRPr sz="1350">
+                <a:solidFill>
+                  <a:schemeClr val="tx1">
+                    <a:tint val="75000"/>
+                  </a:schemeClr>
+                </a:solidFill>
+              </a:defRPr>
+            </a:lvl2pPr>
+            <a:lvl3pPr marL="685800" indent="0">
+              <a:buNone/>
+              <a:defRPr sz="1200">
+                <a:solidFill>
+                  <a:schemeClr val="tx1">
+                    <a:tint val="75000"/>
+                  </a:schemeClr>
+                </a:solidFill>
+              </a:defRPr>
+            </a:lvl3pPr>
+            <a:lvl4pPr marL="1028700" indent="0">
+              <a:buNone/>
+              <a:defRPr sz="1050">
+                <a:solidFill>
+                  <a:schemeClr val="tx1">
+                    <a:tint val="75000"/>
+                  </a:schemeClr>
+                </a:solidFill>
+              </a:defRPr>
+            </a:lvl4pPr>
+            <a:lvl5pPr marL="1371600" indent="0">
+              <a:buNone/>
+              <a:defRPr sz="1050">
+                <a:solidFill>
+                  <a:schemeClr val="tx1">
+                    <a:tint val="75000"/>
+                  </a:schemeClr>
+                </a:solidFill>
+              </a:defRPr>
+            </a:lvl5pPr>
+            <a:lvl6pPr marL="1714500" indent="0">
+              <a:buNone/>
+              <a:defRPr sz="1050">
+                <a:solidFill>
+                  <a:schemeClr val="tx1">
+                    <a:tint val="75000"/>
+                  </a:schemeClr>
+                </a:solidFill>
+              </a:defRPr>
+            </a:lvl6pPr>
+            <a:lvl7pPr marL="2057400" indent="0">
+              <a:buNone/>
+              <a:defRPr sz="1050">
+                <a:solidFill>
+                  <a:schemeClr val="tx1">
+                    <a:tint val="75000"/>
+                  </a:schemeClr>
+                </a:solidFill>
+              </a:defRPr>
+            </a:lvl7pPr>
+            <a:lvl8pPr marL="2400300" indent="0">
+              <a:buNone/>
+              <a:defRPr sz="1050">
+                <a:solidFill>
+                  <a:schemeClr val="tx1">
+                    <a:tint val="75000"/>
+                  </a:schemeClr>
+                </a:solidFill>
+              </a:defRPr>
+            </a:lvl8pPr>
+            <a:lvl9pPr marL="2743200" indent="0">
+              <a:buNone/>
+              <a:defRPr sz="1050">
+                <a:solidFill>
+                  <a:schemeClr val="tx1">
+                    <a:tint val="75000"/>
+                  </a:schemeClr>
+                </a:solidFill>
+              </a:defRPr>
+            </a:lvl9pPr>
+          </a:lstStyle>
+          <a:p>
+            <a:pPr lvl="0"/>
+            <a:r>
+              <a:rPr lang="en-US"/>
+              <a:t>Click to edit Master text styles</a:t>
+            </a:r>
+          </a:p>
+        </p:txBody>
+      </p:sp>
+      <p:sp>
+        <p:nvSpPr>
+          <p:cNvPr id="4" name="Date Placeholder 3"/>
+          <p:cNvSpPr>
+            <a:spLocks noGrp="1"/>
+          </p:cNvSpPr>
+          <p:nvPr>
+            <p:ph type="dt" sz="half" idx="10"/>
+          </p:nvPr>
+        </p:nvSpPr>
+        <p:spPr/>
+        <p:txBody>
+          <a:bodyPr/>
+          <a:lstStyle/>
+          <a:p>
+            <a:fld id="{B61BEF0D-F0BB-DE4B-95CE-6DB70DBA9567}" type="datetimeFigureOut">
+              <a:rPr lang="en-US" smtClean="0"/>
+              <a:pPr/>
+              <a:t>9/11/2025</a:t>
+            </a:fld>
+            <a:endParaRPr lang="en-US" dirty="0"/>
+          </a:p>
+        </p:txBody>
+      </p:sp>
+      <p:sp>
+        <p:nvSpPr>
+          <p:cNvPr id="5" name="Footer Placeholder 4"/>
+          <p:cNvSpPr>
+            <a:spLocks noGrp="1"/>
+          </p:cNvSpPr>
+          <p:nvPr>
+            <p:ph type="ftr" sz="quarter" idx="11"/>
+          </p:nvPr>
+        </p:nvSpPr>
+        <p:spPr/>
+        <p:txBody>
+          <a:bodyPr/>
+          <a:lstStyle/>
+          <a:p>
+            <a:endParaRPr lang="en-US" dirty="0"/>
+          </a:p>
+        </p:txBody>
+      </p:sp>
+      <p:sp>
+        <p:nvSpPr>
+          <p:cNvPr id="6" name="Slide Number Placeholder 5"/>
+          <p:cNvSpPr>
+            <a:spLocks noGrp="1"/>
+          </p:cNvSpPr>
+          <p:nvPr>
+            <p:ph type="sldNum" sz="quarter" idx="12"/>
+          </p:nvPr>
+        </p:nvSpPr>
+        <p:spPr/>
+        <p:txBody>
+          <a:bodyPr/>
+          <a:lstStyle/>
+          <a:p>
+            <a:fld id="{D57F1E4F-1CFF-5643-939E-217C01CDF565}" type="slidenum">
+              <a:rPr lang="en-US" smtClean="0"/>
+              <a:pPr/>
+              <a:t>‹#›</a:t>
+            </a:fld>
+            <a:endParaRPr lang="en-US" dirty="0"/>
+          </a:p>
+        </p:txBody>
+      </p:sp>
+      <p:sp>
+        <p:nvSpPr>
+          <p:cNvPr id="24" name="TextBox 23"/>
+          <p:cNvSpPr txBox="1"/>
+          <p:nvPr/>
+        </p:nvSpPr>
+        <p:spPr>
+          <a:xfrm>
+            <a:off x="406403" y="592784"/>
+            <a:ext cx="457200" cy="438582"/>
+          </a:xfrm>
+          <a:prstGeom prst="rect">
+            <a:avLst/>
+          </a:prstGeom>
+        </p:spPr>
+        <p:txBody>
+          <a:bodyPr vert="horz" lIns="68580" tIns="34290" rIns="68580" bIns="34290" rtlCol="0" anchor="ctr">
+            <a:noAutofit/>
+          </a:bodyPr>
+          <a:lstStyle/>
+          <a:p>
+            <a:pPr lvl="0"/>
+            <a:r>
+              <a:rPr lang="en-US" sz="6000" baseline="0" dirty="0">
+                <a:ln w="3175" cmpd="sng">
+                  <a:noFill/>
+                </a:ln>
+                <a:solidFill>
+                  <a:schemeClr val="accent1">
+                    <a:lumMod val="60000"/>
+                    <a:lumOff val="40000"/>
+                  </a:schemeClr>
+                </a:solidFill>
+                <a:effectLst/>
+                <a:latin typeface="Arial"/>
+              </a:rPr>
+              <a:t>“</a:t>
+            </a:r>
+          </a:p>
+        </p:txBody>
+      </p:sp>
+      <p:sp>
+        <p:nvSpPr>
+          <p:cNvPr id="25" name="TextBox 24"/>
+          <p:cNvSpPr txBox="1"/>
+          <p:nvPr/>
+        </p:nvSpPr>
+        <p:spPr>
+          <a:xfrm>
+            <a:off x="6669758" y="2164917"/>
+            <a:ext cx="457200" cy="438582"/>
+          </a:xfrm>
+          <a:prstGeom prst="rect">
+            <a:avLst/>
+          </a:prstGeom>
+        </p:spPr>
+        <p:txBody>
+          <a:bodyPr vert="horz" lIns="68580" tIns="34290" rIns="68580" bIns="34290" rtlCol="0" anchor="ctr">
+            <a:noAutofit/>
+          </a:bodyPr>
+          <a:lstStyle/>
+          <a:p>
+            <a:pPr lvl="0"/>
+            <a:r>
+              <a:rPr lang="en-US" sz="6000" baseline="0" dirty="0">
+                <a:ln w="3175" cmpd="sng">
+                  <a:noFill/>
+                </a:ln>
+                <a:solidFill>
+                  <a:schemeClr val="accent1">
+                    <a:lumMod val="60000"/>
+                    <a:lumOff val="40000"/>
+                  </a:schemeClr>
+                </a:solidFill>
+                <a:effectLst/>
+                <a:latin typeface="Arial"/>
+              </a:rPr>
+              <a:t>”</a:t>
+            </a:r>
+          </a:p>
+        </p:txBody>
+      </p:sp>
+    </p:spTree>
+    <p:extLst>
+      <p:ext uri="{BB962C8B-B14F-4D97-AF65-F5344CB8AC3E}">
+        <p14:creationId xmlns:p14="http://schemas.microsoft.com/office/powerpoint/2010/main" val="2729791461"/>
+      </p:ext>
+    </p:extLst>
+  </p:cSld>
+  <p:clrMapOvr>
+    <a:masterClrMapping/>
+  </p:clrMapOvr>
+  <p:hf sldNum="0" hdr="0" ftr="0" dt="0"/>
+</p:sldLayout>
+</file>
+
+<file path=ppt/slideLayouts/slideLayout14.xml><?xml version="1.0" encoding="utf-8"?>
+<p:sldLayout xmlns:a="http://schemas.openxmlformats.org/drawingml/2006/main" xmlns:r="http://schemas.openxmlformats.org/officeDocument/2006/relationships" xmlns:p="http://schemas.openxmlformats.org/presentationml/2006/main" preserve="1">
+  <p:cSld name="True or False">
+    <p:spTree>
+      <p:nvGrpSpPr>
+        <p:cNvPr id="1" name=""/>
+        <p:cNvGrpSpPr/>
+        <p:nvPr/>
+      </p:nvGrpSpPr>
+      <p:grpSpPr>
+        <a:xfrm>
+          <a:off x="0" y="0"/>
+          <a:ext cx="0" cy="0"/>
+          <a:chOff x="0" y="0"/>
+          <a:chExt cx="0" cy="0"/>
+        </a:xfrm>
+      </p:grpSpPr>
+      <p:sp>
+        <p:nvSpPr>
+          <p:cNvPr id="2" name="Title 1"/>
+          <p:cNvSpPr>
+            <a:spLocks noGrp="1"/>
+          </p:cNvSpPr>
+          <p:nvPr>
+            <p:ph type="title"/>
+          </p:nvPr>
+        </p:nvSpPr>
+        <p:spPr>
+          <a:xfrm>
+            <a:off x="514350" y="457200"/>
+            <a:ext cx="6441152" cy="2266950"/>
+          </a:xfrm>
+        </p:spPr>
+        <p:txBody>
+          <a:bodyPr anchor="ctr">
+            <a:normAutofit/>
+          </a:bodyPr>
+          <a:lstStyle>
+            <a:lvl1pPr algn="l">
+              <a:defRPr sz="3300" b="0" cap="none"/>
+            </a:lvl1pPr>
+          </a:lstStyle>
+          <a:p>
+            <a:r>
+              <a:rPr lang="en-US"/>
+              <a:t>Click to edit Master title style</a:t>
+            </a:r>
+            <a:endParaRPr lang="en-US" dirty="0"/>
+          </a:p>
+        </p:txBody>
+      </p:sp>
+      <p:sp>
+        <p:nvSpPr>
+          <p:cNvPr id="23" name="Text Placeholder 9"/>
+          <p:cNvSpPr>
+            <a:spLocks noGrp="1"/>
+          </p:cNvSpPr>
+          <p:nvPr>
+            <p:ph type="body" sz="quarter" idx="13"/>
+          </p:nvPr>
+        </p:nvSpPr>
+        <p:spPr>
+          <a:xfrm>
+            <a:off x="507999" y="3009900"/>
+            <a:ext cx="6447502" cy="385686"/>
+          </a:xfrm>
+        </p:spPr>
+        <p:txBody>
+          <a:bodyPr anchor="b">
+            <a:noAutofit/>
+          </a:bodyPr>
+          <a:lstStyle>
+            <a:lvl1pPr marL="0" indent="0">
+              <a:buFontTx/>
+              <a:buNone/>
+              <a:defRPr sz="1800">
+                <a:solidFill>
+                  <a:schemeClr val="accent1"/>
+                </a:solidFill>
+              </a:defRPr>
+            </a:lvl1pPr>
+            <a:lvl2pPr marL="342900" indent="0">
+              <a:buFontTx/>
+              <a:buNone/>
+              <a:defRPr/>
+            </a:lvl2pPr>
+            <a:lvl3pPr marL="685800" indent="0">
+              <a:buFontTx/>
+              <a:buNone/>
+              <a:defRPr/>
+            </a:lvl3pPr>
+            <a:lvl4pPr marL="1028700" indent="0">
+              <a:buFontTx/>
+              <a:buNone/>
+              <a:defRPr/>
+            </a:lvl4pPr>
+            <a:lvl5pPr marL="1371600" indent="0">
+              <a:buFontTx/>
+              <a:buNone/>
+              <a:defRPr/>
+            </a:lvl5pPr>
+          </a:lstStyle>
+          <a:p>
+            <a:pPr lvl="0"/>
+            <a:r>
+              <a:rPr lang="en-US"/>
+              <a:t>Click to edit Master text styles</a:t>
+            </a:r>
+          </a:p>
+        </p:txBody>
+      </p:sp>
+      <p:sp>
+        <p:nvSpPr>
+          <p:cNvPr id="3" name="Text Placeholder 2"/>
+          <p:cNvSpPr>
+            <a:spLocks noGrp="1"/>
+          </p:cNvSpPr>
+          <p:nvPr>
+            <p:ph type="body" idx="1"/>
+          </p:nvPr>
+        </p:nvSpPr>
+        <p:spPr>
+          <a:xfrm>
+            <a:off x="508001" y="3395586"/>
+            <a:ext cx="6447501" cy="1135436"/>
+          </a:xfrm>
+        </p:spPr>
+        <p:txBody>
+          <a:bodyPr anchor="t">
+            <a:normAutofit/>
+          </a:bodyPr>
+          <a:lstStyle>
+            <a:lvl1pPr marL="0" indent="0" algn="l">
+              <a:buNone/>
+              <a:defRPr sz="1350">
+                <a:solidFill>
+                  <a:schemeClr val="tx1">
+                    <a:lumMod val="50000"/>
+                    <a:lumOff val="50000"/>
+                  </a:schemeClr>
+                </a:solidFill>
+              </a:defRPr>
+            </a:lvl1pPr>
+            <a:lvl2pPr marL="342900" indent="0">
+              <a:buNone/>
+              <a:defRPr sz="1350">
+                <a:solidFill>
+                  <a:schemeClr val="tx1">
+                    <a:tint val="75000"/>
+                  </a:schemeClr>
+                </a:solidFill>
+              </a:defRPr>
+            </a:lvl2pPr>
+            <a:lvl3pPr marL="685800" indent="0">
+              <a:buNone/>
+              <a:defRPr sz="1200">
+                <a:solidFill>
+                  <a:schemeClr val="tx1">
+                    <a:tint val="75000"/>
+                  </a:schemeClr>
+                </a:solidFill>
+              </a:defRPr>
+            </a:lvl3pPr>
+            <a:lvl4pPr marL="1028700" indent="0">
+              <a:buNone/>
+              <a:defRPr sz="1050">
+                <a:solidFill>
+                  <a:schemeClr val="tx1">
+                    <a:tint val="75000"/>
+                  </a:schemeClr>
+                </a:solidFill>
+              </a:defRPr>
+            </a:lvl4pPr>
+            <a:lvl5pPr marL="1371600" indent="0">
+              <a:buNone/>
+              <a:defRPr sz="1050">
+                <a:solidFill>
+                  <a:schemeClr val="tx1">
+                    <a:tint val="75000"/>
+                  </a:schemeClr>
+                </a:solidFill>
+              </a:defRPr>
+            </a:lvl5pPr>
+            <a:lvl6pPr marL="1714500" indent="0">
+              <a:buNone/>
+              <a:defRPr sz="1050">
+                <a:solidFill>
+                  <a:schemeClr val="tx1">
+                    <a:tint val="75000"/>
+                  </a:schemeClr>
+                </a:solidFill>
+              </a:defRPr>
+            </a:lvl6pPr>
+            <a:lvl7pPr marL="2057400" indent="0">
+              <a:buNone/>
+              <a:defRPr sz="1050">
+                <a:solidFill>
+                  <a:schemeClr val="tx1">
+                    <a:tint val="75000"/>
+                  </a:schemeClr>
+                </a:solidFill>
+              </a:defRPr>
+            </a:lvl7pPr>
+            <a:lvl8pPr marL="2400300" indent="0">
+              <a:buNone/>
+              <a:defRPr sz="1050">
+                <a:solidFill>
+                  <a:schemeClr val="tx1">
+                    <a:tint val="75000"/>
+                  </a:schemeClr>
+                </a:solidFill>
+              </a:defRPr>
+            </a:lvl8pPr>
+            <a:lvl9pPr marL="2743200" indent="0">
+              <a:buNone/>
+              <a:defRPr sz="1050">
+                <a:solidFill>
+                  <a:schemeClr val="tx1">
+                    <a:tint val="75000"/>
+                  </a:schemeClr>
+                </a:solidFill>
+              </a:defRPr>
+            </a:lvl9pPr>
+          </a:lstStyle>
+          <a:p>
+            <a:pPr lvl="0"/>
+            <a:r>
+              <a:rPr lang="en-US"/>
+              <a:t>Click to edit Master text styles</a:t>
+            </a:r>
+          </a:p>
+        </p:txBody>
+      </p:sp>
+      <p:sp>
+        <p:nvSpPr>
+          <p:cNvPr id="4" name="Date Placeholder 3"/>
+          <p:cNvSpPr>
+            <a:spLocks noGrp="1"/>
+          </p:cNvSpPr>
+          <p:nvPr>
+            <p:ph type="dt" sz="half" idx="10"/>
+          </p:nvPr>
+        </p:nvSpPr>
+        <p:spPr/>
+        <p:txBody>
+          <a:bodyPr/>
+          <a:lstStyle/>
+          <a:p>
+            <a:fld id="{B61BEF0D-F0BB-DE4B-95CE-6DB70DBA9567}" type="datetimeFigureOut">
+              <a:rPr lang="en-US" smtClean="0"/>
+              <a:pPr/>
+              <a:t>9/11/2025</a:t>
+            </a:fld>
+            <a:endParaRPr lang="en-US" dirty="0"/>
+          </a:p>
+        </p:txBody>
+      </p:sp>
+      <p:sp>
+        <p:nvSpPr>
+          <p:cNvPr id="5" name="Footer Placeholder 4"/>
+          <p:cNvSpPr>
+            <a:spLocks noGrp="1"/>
+          </p:cNvSpPr>
+          <p:nvPr>
+            <p:ph type="ftr" sz="quarter" idx="11"/>
+          </p:nvPr>
+        </p:nvSpPr>
+        <p:spPr/>
+        <p:txBody>
+          <a:bodyPr/>
+          <a:lstStyle/>
+          <a:p>
+            <a:endParaRPr lang="en-US" dirty="0"/>
+          </a:p>
+        </p:txBody>
+      </p:sp>
+      <p:sp>
+        <p:nvSpPr>
+          <p:cNvPr id="6" name="Slide Number Placeholder 5"/>
+          <p:cNvSpPr>
+            <a:spLocks noGrp="1"/>
+          </p:cNvSpPr>
+          <p:nvPr>
+            <p:ph type="sldNum" sz="quarter" idx="12"/>
+          </p:nvPr>
+        </p:nvSpPr>
+        <p:spPr/>
+        <p:txBody>
+          <a:bodyPr/>
+          <a:lstStyle/>
+          <a:p>
+            <a:fld id="{D57F1E4F-1CFF-5643-939E-217C01CDF565}" type="slidenum">
+              <a:rPr lang="en-US" smtClean="0"/>
+              <a:pPr/>
+              <a:t>‹#›</a:t>
+            </a:fld>
+            <a:endParaRPr lang="en-US" dirty="0"/>
+          </a:p>
+        </p:txBody>
+      </p:sp>
+    </p:spTree>
+    <p:extLst>
+      <p:ext uri="{BB962C8B-B14F-4D97-AF65-F5344CB8AC3E}">
+        <p14:creationId xmlns:p14="http://schemas.microsoft.com/office/powerpoint/2010/main" val="960654186"/>
+      </p:ext>
+    </p:extLst>
+  </p:cSld>
+  <p:clrMapOvr>
+    <a:masterClrMapping/>
+  </p:clrMapOvr>
+  <p:hf sldNum="0" hdr="0" ftr="0" dt="0"/>
+</p:sldLayout>
+</file>
+
+<file path=ppt/slideLayouts/slideLayout15.xml><?xml version="1.0" encoding="utf-8"?>
+<p:sldLayout xmlns:a="http://schemas.openxmlformats.org/drawingml/2006/main" xmlns:r="http://schemas.openxmlformats.org/officeDocument/2006/relationships" xmlns:p="http://schemas.openxmlformats.org/presentationml/2006/main" type="vertTx" preserve="1">
+  <p:cSld name="Title and Vertical Text">
+    <p:spTree>
+      <p:nvGrpSpPr>
+        <p:cNvPr id="1" name=""/>
+        <p:cNvGrpSpPr/>
+        <p:nvPr/>
+      </p:nvGrpSpPr>
+      <p:grpSpPr>
+        <a:xfrm>
+          <a:off x="0" y="0"/>
+          <a:ext cx="0" cy="0"/>
+          <a:chOff x="0" y="0"/>
+          <a:chExt cx="0" cy="0"/>
+        </a:xfrm>
+      </p:grpSpPr>
+      <p:sp>
+        <p:nvSpPr>
+          <p:cNvPr id="2" name="Title 1"/>
+          <p:cNvSpPr>
+            <a:spLocks noGrp="1"/>
+          </p:cNvSpPr>
+          <p:nvPr>
+            <p:ph type="title"/>
+          </p:nvPr>
+        </p:nvSpPr>
+        <p:spPr/>
+        <p:txBody>
+          <a:bodyPr/>
+          <a:lstStyle/>
+          <a:p>
+            <a:r>
+              <a:rPr lang="en-US"/>
+              <a:t>Click to edit Master title style</a:t>
+            </a:r>
+            <a:endParaRPr lang="en-US" dirty="0"/>
+          </a:p>
+        </p:txBody>
+      </p:sp>
+      <p:sp>
+        <p:nvSpPr>
+          <p:cNvPr id="3" name="Vertical Text Placeholder 2"/>
+          <p:cNvSpPr>
+            <a:spLocks noGrp="1"/>
+          </p:cNvSpPr>
+          <p:nvPr>
+            <p:ph type="body" orient="vert" idx="1"/>
+          </p:nvPr>
+        </p:nvSpPr>
+        <p:spPr/>
+        <p:txBody>
+          <a:bodyPr vert="eaVert"/>
+          <a:lstStyle/>
+          <a:p>
+            <a:pPr lvl="0"/>
+            <a:r>
+              <a:rPr lang="en-US"/>
+              <a:t>Click to edit Master text styles</a:t>
+            </a:r>
+          </a:p>
+          <a:p>
+            <a:pPr lvl="1"/>
+            <a:r>
+              <a:rPr lang="en-US"/>
+              <a:t>Second level</a:t>
+            </a:r>
+          </a:p>
+          <a:p>
+            <a:pPr lvl="2"/>
+            <a:r>
+              <a:rPr lang="en-US"/>
+              <a:t>Third level</a:t>
+            </a:r>
+          </a:p>
+          <a:p>
+            <a:pPr lvl="3"/>
+            <a:r>
+              <a:rPr lang="en-US"/>
+              <a:t>Fourth level</a:t>
+            </a:r>
+          </a:p>
+          <a:p>
+            <a:pPr lvl="4"/>
+            <a:r>
+              <a:rPr lang="en-US"/>
+              <a:t>Fifth level</a:t>
+            </a:r>
+            <a:endParaRPr lang="en-US" dirty="0"/>
+          </a:p>
+        </p:txBody>
+      </p:sp>
+      <p:sp>
+        <p:nvSpPr>
+          <p:cNvPr id="4" name="Date Placeholder 3"/>
+          <p:cNvSpPr>
+            <a:spLocks noGrp="1"/>
+          </p:cNvSpPr>
+          <p:nvPr>
+            <p:ph type="dt" sz="half" idx="10"/>
+          </p:nvPr>
+        </p:nvSpPr>
+        <p:spPr/>
+        <p:txBody>
+          <a:bodyPr/>
+          <a:lstStyle/>
+          <a:p>
+            <a:fld id="{55C6B4A9-1611-4792-9094-5F34BCA07E0B}" type="datetimeFigureOut">
+              <a:rPr lang="en-US" smtClean="0"/>
+              <a:t>9/11/2025</a:t>
+            </a:fld>
+            <a:endParaRPr lang="en-US" dirty="0"/>
+          </a:p>
+        </p:txBody>
+      </p:sp>
+      <p:sp>
+        <p:nvSpPr>
+          <p:cNvPr id="5" name="Footer Placeholder 4"/>
+          <p:cNvSpPr>
+            <a:spLocks noGrp="1"/>
+          </p:cNvSpPr>
+          <p:nvPr>
+            <p:ph type="ftr" sz="quarter" idx="11"/>
+          </p:nvPr>
+        </p:nvSpPr>
+        <p:spPr/>
+        <p:txBody>
+          <a:bodyPr/>
+          <a:lstStyle/>
+          <a:p>
+            <a:endParaRPr lang="en-US" dirty="0"/>
+          </a:p>
+        </p:txBody>
+      </p:sp>
+      <p:sp>
+        <p:nvSpPr>
+          <p:cNvPr id="6" name="Slide Number Placeholder 5"/>
+          <p:cNvSpPr>
+            <a:spLocks noGrp="1"/>
+          </p:cNvSpPr>
+          <p:nvPr>
+            <p:ph type="sldNum" sz="quarter" idx="12"/>
+          </p:nvPr>
+        </p:nvSpPr>
+        <p:spPr/>
+        <p:txBody>
+          <a:bodyPr/>
+          <a:lstStyle/>
+          <a:p>
+            <a:fld id="{89333C77-0158-454C-844F-B7AB9BD7DAD4}" type="slidenum">
+              <a:rPr lang="en-US" smtClean="0"/>
+              <a:t>‹#›</a:t>
+            </a:fld>
+            <a:endParaRPr lang="en-US" dirty="0"/>
+          </a:p>
+        </p:txBody>
+      </p:sp>
+    </p:spTree>
+    <p:extLst>
+      <p:ext uri="{BB962C8B-B14F-4D97-AF65-F5344CB8AC3E}">
+        <p14:creationId xmlns:p14="http://schemas.microsoft.com/office/powerpoint/2010/main" val="896897624"/>
+      </p:ext>
+    </p:extLst>
+  </p:cSld>
+  <p:clrMapOvr>
+    <a:masterClrMapping/>
+  </p:clrMapOvr>
+  <p:hf sldNum="0" hdr="0" ftr="0" dt="0"/>
+</p:sldLayout>
+</file>
+
+<file path=ppt/slideLayouts/slideLayout16.xml><?xml version="1.0" encoding="utf-8"?>
+<p:sldLayout xmlns:a="http://schemas.openxmlformats.org/drawingml/2006/main" xmlns:r="http://schemas.openxmlformats.org/officeDocument/2006/relationships" xmlns:p="http://schemas.openxmlformats.org/presentationml/2006/main" type="vertTitleAndTx" preserve="1">
+  <p:cSld name="Vertical Title and Text">
+    <p:spTree>
+      <p:nvGrpSpPr>
+        <p:cNvPr id="1" name=""/>
+        <p:cNvGrpSpPr/>
+        <p:nvPr/>
+      </p:nvGrpSpPr>
+      <p:grpSpPr>
+        <a:xfrm>
+          <a:off x="0" y="0"/>
+          <a:ext cx="0" cy="0"/>
+          <a:chOff x="0" y="0"/>
+          <a:chExt cx="0" cy="0"/>
+        </a:xfrm>
+      </p:grpSpPr>
+      <p:sp>
+        <p:nvSpPr>
+          <p:cNvPr id="2" name="Vertical Title 1"/>
+          <p:cNvSpPr>
+            <a:spLocks noGrp="1"/>
+          </p:cNvSpPr>
+          <p:nvPr>
+            <p:ph type="title" orient="vert"/>
+          </p:nvPr>
+        </p:nvSpPr>
+        <p:spPr>
+          <a:xfrm>
+            <a:off x="5975755" y="457200"/>
+            <a:ext cx="978557" cy="3938588"/>
+          </a:xfrm>
+        </p:spPr>
+        <p:txBody>
+          <a:bodyPr vert="eaVert" anchor="ctr"/>
+          <a:lstStyle/>
+          <a:p>
+            <a:r>
+              <a:rPr lang="en-US"/>
+              <a:t>Click to edit Master title style</a:t>
+            </a:r>
+            <a:endParaRPr lang="en-US" dirty="0"/>
+          </a:p>
+        </p:txBody>
+      </p:sp>
+      <p:sp>
+        <p:nvSpPr>
+          <p:cNvPr id="3" name="Vertical Text Placeholder 2"/>
+          <p:cNvSpPr>
+            <a:spLocks noGrp="1"/>
+          </p:cNvSpPr>
+          <p:nvPr>
+            <p:ph type="body" orient="vert" idx="1"/>
+          </p:nvPr>
+        </p:nvSpPr>
+        <p:spPr>
+          <a:xfrm>
+            <a:off x="508001" y="457200"/>
+            <a:ext cx="5295113" cy="3938588"/>
+          </a:xfrm>
+        </p:spPr>
+        <p:txBody>
+          <a:bodyPr vert="eaVert"/>
+          <a:lstStyle/>
+          <a:p>
+            <a:pPr lvl="0"/>
+            <a:r>
+              <a:rPr lang="en-US"/>
+              <a:t>Click to edit Master text styles</a:t>
+            </a:r>
+          </a:p>
+          <a:p>
+            <a:pPr lvl="1"/>
+            <a:r>
+              <a:rPr lang="en-US"/>
+              <a:t>Second level</a:t>
+            </a:r>
+          </a:p>
+          <a:p>
+            <a:pPr lvl="2"/>
+            <a:r>
+              <a:rPr lang="en-US"/>
+              <a:t>Third level</a:t>
+            </a:r>
+          </a:p>
+          <a:p>
+            <a:pPr lvl="3"/>
+            <a:r>
+              <a:rPr lang="en-US"/>
+              <a:t>Fourth level</a:t>
+            </a:r>
+          </a:p>
+          <a:p>
+            <a:pPr lvl="4"/>
+            <a:r>
+              <a:rPr lang="en-US"/>
+              <a:t>Fifth level</a:t>
+            </a:r>
+            <a:endParaRPr lang="en-US" dirty="0"/>
+          </a:p>
+        </p:txBody>
+      </p:sp>
+      <p:sp>
+        <p:nvSpPr>
+          <p:cNvPr id="4" name="Date Placeholder 3"/>
+          <p:cNvSpPr>
+            <a:spLocks noGrp="1"/>
+          </p:cNvSpPr>
+          <p:nvPr>
+            <p:ph type="dt" sz="half" idx="10"/>
+          </p:nvPr>
+        </p:nvSpPr>
+        <p:spPr/>
+        <p:txBody>
+          <a:bodyPr/>
+          <a:lstStyle/>
+          <a:p>
+            <a:fld id="{B61BEF0D-F0BB-DE4B-95CE-6DB70DBA9567}" type="datetimeFigureOut">
+              <a:rPr lang="en-US" smtClean="0"/>
+              <a:pPr/>
+              <a:t>9/11/2025</a:t>
+            </a:fld>
+            <a:endParaRPr lang="en-US" dirty="0"/>
+          </a:p>
+        </p:txBody>
+      </p:sp>
+      <p:sp>
+        <p:nvSpPr>
+          <p:cNvPr id="5" name="Footer Placeholder 4"/>
+          <p:cNvSpPr>
+            <a:spLocks noGrp="1"/>
+          </p:cNvSpPr>
+          <p:nvPr>
+            <p:ph type="ftr" sz="quarter" idx="11"/>
+          </p:nvPr>
+        </p:nvSpPr>
+        <p:spPr/>
+        <p:txBody>
+          <a:bodyPr/>
+          <a:lstStyle/>
+          <a:p>
+            <a:endParaRPr lang="en-US" dirty="0"/>
+          </a:p>
+        </p:txBody>
+      </p:sp>
+      <p:sp>
+        <p:nvSpPr>
+          <p:cNvPr id="6" name="Slide Number Placeholder 5"/>
+          <p:cNvSpPr>
+            <a:spLocks noGrp="1"/>
+          </p:cNvSpPr>
+          <p:nvPr>
+            <p:ph type="sldNum" sz="quarter" idx="12"/>
+          </p:nvPr>
+        </p:nvSpPr>
+        <p:spPr/>
+        <p:txBody>
+          <a:bodyPr/>
+          <a:lstStyle/>
+          <a:p>
+            <a:fld id="{D57F1E4F-1CFF-5643-939E-217C01CDF565}" type="slidenum">
+              <a:rPr lang="en-US" smtClean="0"/>
+              <a:pPr/>
+              <a:t>‹#›</a:t>
+            </a:fld>
+            <a:endParaRPr lang="en-US" dirty="0"/>
+          </a:p>
+        </p:txBody>
+      </p:sp>
+    </p:spTree>
+    <p:extLst>
+      <p:ext uri="{BB962C8B-B14F-4D97-AF65-F5344CB8AC3E}">
+        <p14:creationId xmlns:p14="http://schemas.microsoft.com/office/powerpoint/2010/main" val="3127400839"/>
+      </p:ext>
+    </p:extLst>
+  </p:cSld>
+  <p:clrMapOvr>
+    <a:masterClrMapping/>
+  </p:clrMapOvr>
+  <p:hf sldNum="0" hdr="0" ftr="0" dt="0"/>
+</p:sldLayout>
+</file>
+
+<file path=ppt/slideLayouts/slideLayout17.xml><?xml version="1.0" encoding="utf-8"?>
+<p:sldLayout xmlns:a="http://schemas.openxmlformats.org/drawingml/2006/main" xmlns:r="http://schemas.openxmlformats.org/officeDocument/2006/relationships" xmlns:p="http://schemas.openxmlformats.org/presentationml/2006/main">
   <p:cSld name="DEFAULT">
     <p:bg>
       <p:bgRef idx="1001">
@@ -1101,6 +3555,11 @@
         </a:xfrm>
       </p:grpSpPr>
     </p:spTree>
+    <p:extLst>
+      <p:ext uri="{BB962C8B-B14F-4D97-AF65-F5344CB8AC3E}">
+        <p14:creationId xmlns:p14="http://schemas.microsoft.com/office/powerpoint/2010/main" val="1618903128"/>
+      </p:ext>
+    </p:extLst>
   </p:cSld>
   <p:clrMapOvr>
     <a:masterClrMapping/>
@@ -1108,9 +3567,9 @@
 </p:sldLayout>
 </file>
 
-<file path=ppt/slideMasters/slideMaster1.xml><?xml version="1.0" encoding="utf-8"?>
-<p:sldMaster xmlns:a="http://schemas.openxmlformats.org/drawingml/2006/main" xmlns:r="http://schemas.openxmlformats.org/officeDocument/2006/relationships" xmlns:p="http://schemas.openxmlformats.org/presentationml/2006/main">
-  <p:cSld>
+<file path=ppt/slideLayouts/slideLayout2.xml><?xml version="1.0" encoding="utf-8"?>
+<p:sldLayout xmlns:a="http://schemas.openxmlformats.org/drawingml/2006/main" xmlns:r="http://schemas.openxmlformats.org/officeDocument/2006/relationships" xmlns:p="http://schemas.openxmlformats.org/presentationml/2006/main" type="obj" preserve="1">
+  <p:cSld name="Title and Content">
     <p:spTree>
       <p:nvGrpSpPr>
         <p:cNvPr id="1" name=""/>
@@ -1125,160 +3584,2861 @@
           <a:chExt cx="0" cy="0"/>
         </a:xfrm>
       </p:grpSpPr>
+      <p:sp>
+        <p:nvSpPr>
+          <p:cNvPr id="2" name="Title 1"/>
+          <p:cNvSpPr>
+            <a:spLocks noGrp="1"/>
+          </p:cNvSpPr>
+          <p:nvPr>
+            <p:ph type="title"/>
+          </p:nvPr>
+        </p:nvSpPr>
+        <p:spPr/>
+        <p:txBody>
+          <a:bodyPr>
+            <a:normAutofit/>
+          </a:bodyPr>
+          <a:lstStyle>
+            <a:lvl1pPr>
+              <a:defRPr sz="2700"/>
+            </a:lvl1pPr>
+          </a:lstStyle>
+          <a:p>
+            <a:r>
+              <a:rPr lang="en-US"/>
+              <a:t>Click to edit Master title style</a:t>
+            </a:r>
+            <a:endParaRPr lang="en-US" dirty="0"/>
+          </a:p>
+        </p:txBody>
+      </p:sp>
+      <p:sp>
+        <p:nvSpPr>
+          <p:cNvPr id="3" name="Content Placeholder 2"/>
+          <p:cNvSpPr>
+            <a:spLocks noGrp="1"/>
+          </p:cNvSpPr>
+          <p:nvPr>
+            <p:ph idx="1"/>
+          </p:nvPr>
+        </p:nvSpPr>
+        <p:spPr/>
+        <p:txBody>
+          <a:bodyPr/>
+          <a:lstStyle/>
+          <a:p>
+            <a:pPr lvl="0"/>
+            <a:r>
+              <a:rPr lang="en-US"/>
+              <a:t>Click to edit Master text styles</a:t>
+            </a:r>
+          </a:p>
+          <a:p>
+            <a:pPr lvl="1"/>
+            <a:r>
+              <a:rPr lang="en-US"/>
+              <a:t>Second level</a:t>
+            </a:r>
+          </a:p>
+          <a:p>
+            <a:pPr lvl="2"/>
+            <a:r>
+              <a:rPr lang="en-US"/>
+              <a:t>Third level</a:t>
+            </a:r>
+          </a:p>
+          <a:p>
+            <a:pPr lvl="3"/>
+            <a:r>
+              <a:rPr lang="en-US"/>
+              <a:t>Fourth level</a:t>
+            </a:r>
+          </a:p>
+          <a:p>
+            <a:pPr lvl="4"/>
+            <a:r>
+              <a:rPr lang="en-US"/>
+              <a:t>Fifth level</a:t>
+            </a:r>
+            <a:endParaRPr lang="en-US" dirty="0"/>
+          </a:p>
+        </p:txBody>
+      </p:sp>
+      <p:sp>
+        <p:nvSpPr>
+          <p:cNvPr id="4" name="Date Placeholder 3"/>
+          <p:cNvSpPr>
+            <a:spLocks noGrp="1"/>
+          </p:cNvSpPr>
+          <p:nvPr>
+            <p:ph type="dt" sz="half" idx="10"/>
+          </p:nvPr>
+        </p:nvSpPr>
+        <p:spPr/>
+        <p:txBody>
+          <a:bodyPr/>
+          <a:lstStyle/>
+          <a:p>
+            <a:fld id="{B61BEF0D-F0BB-DE4B-95CE-6DB70DBA9567}" type="datetimeFigureOut">
+              <a:rPr lang="en-US" smtClean="0"/>
+              <a:pPr/>
+              <a:t>9/11/2025</a:t>
+            </a:fld>
+            <a:endParaRPr lang="en-US" dirty="0"/>
+          </a:p>
+        </p:txBody>
+      </p:sp>
+      <p:sp>
+        <p:nvSpPr>
+          <p:cNvPr id="5" name="Footer Placeholder 4"/>
+          <p:cNvSpPr>
+            <a:spLocks noGrp="1"/>
+          </p:cNvSpPr>
+          <p:nvPr>
+            <p:ph type="ftr" sz="quarter" idx="11"/>
+          </p:nvPr>
+        </p:nvSpPr>
+        <p:spPr/>
+        <p:txBody>
+          <a:bodyPr/>
+          <a:lstStyle/>
+          <a:p>
+            <a:endParaRPr lang="en-US" dirty="0"/>
+          </a:p>
+        </p:txBody>
+      </p:sp>
+      <p:sp>
+        <p:nvSpPr>
+          <p:cNvPr id="6" name="Slide Number Placeholder 5"/>
+          <p:cNvSpPr>
+            <a:spLocks noGrp="1"/>
+          </p:cNvSpPr>
+          <p:nvPr>
+            <p:ph type="sldNum" sz="quarter" idx="12"/>
+          </p:nvPr>
+        </p:nvSpPr>
+        <p:spPr/>
+        <p:txBody>
+          <a:bodyPr/>
+          <a:lstStyle/>
+          <a:p>
+            <a:fld id="{D57F1E4F-1CFF-5643-939E-217C01CDF565}" type="slidenum">
+              <a:rPr lang="en-US" smtClean="0"/>
+              <a:pPr/>
+              <a:t>‹#›</a:t>
+            </a:fld>
+            <a:endParaRPr lang="en-US" dirty="0"/>
+          </a:p>
+        </p:txBody>
+      </p:sp>
     </p:spTree>
+    <p:extLst>
+      <p:ext uri="{BB962C8B-B14F-4D97-AF65-F5344CB8AC3E}">
+        <p14:creationId xmlns:p14="http://schemas.microsoft.com/office/powerpoint/2010/main" val="1444865017"/>
+      </p:ext>
+    </p:extLst>
+  </p:cSld>
+  <p:clrMapOvr>
+    <a:masterClrMapping/>
+  </p:clrMapOvr>
+  <p:hf sldNum="0" hdr="0" ftr="0" dt="0"/>
+</p:sldLayout>
+</file>
+
+<file path=ppt/slideLayouts/slideLayout3.xml><?xml version="1.0" encoding="utf-8"?>
+<p:sldLayout xmlns:a="http://schemas.openxmlformats.org/drawingml/2006/main" xmlns:r="http://schemas.openxmlformats.org/officeDocument/2006/relationships" xmlns:p="http://schemas.openxmlformats.org/presentationml/2006/main" type="secHead" preserve="1">
+  <p:cSld name="Section Header">
+    <p:spTree>
+      <p:nvGrpSpPr>
+        <p:cNvPr id="1" name=""/>
+        <p:cNvGrpSpPr/>
+        <p:nvPr/>
+      </p:nvGrpSpPr>
+      <p:grpSpPr>
+        <a:xfrm>
+          <a:off x="0" y="0"/>
+          <a:ext cx="0" cy="0"/>
+          <a:chOff x="0" y="0"/>
+          <a:chExt cx="0" cy="0"/>
+        </a:xfrm>
+      </p:grpSpPr>
+      <p:sp>
+        <p:nvSpPr>
+          <p:cNvPr id="2" name="Title 1"/>
+          <p:cNvSpPr>
+            <a:spLocks noGrp="1"/>
+          </p:cNvSpPr>
+          <p:nvPr>
+            <p:ph type="title"/>
+          </p:nvPr>
+        </p:nvSpPr>
+        <p:spPr>
+          <a:xfrm>
+            <a:off x="508001" y="2025651"/>
+            <a:ext cx="6447501" cy="1369936"/>
+          </a:xfrm>
+        </p:spPr>
+        <p:txBody>
+          <a:bodyPr anchor="b"/>
+          <a:lstStyle>
+            <a:lvl1pPr algn="l">
+              <a:defRPr sz="3000" b="0" cap="none"/>
+            </a:lvl1pPr>
+          </a:lstStyle>
+          <a:p>
+            <a:r>
+              <a:rPr lang="en-US"/>
+              <a:t>Click to edit Master title style</a:t>
+            </a:r>
+            <a:endParaRPr lang="en-US" dirty="0"/>
+          </a:p>
+        </p:txBody>
+      </p:sp>
+      <p:sp>
+        <p:nvSpPr>
+          <p:cNvPr id="3" name="Text Placeholder 2"/>
+          <p:cNvSpPr>
+            <a:spLocks noGrp="1"/>
+          </p:cNvSpPr>
+          <p:nvPr>
+            <p:ph type="body" idx="1"/>
+          </p:nvPr>
+        </p:nvSpPr>
+        <p:spPr>
+          <a:xfrm>
+            <a:off x="508001" y="3395586"/>
+            <a:ext cx="6447501" cy="645300"/>
+          </a:xfrm>
+        </p:spPr>
+        <p:txBody>
+          <a:bodyPr anchor="t"/>
+          <a:lstStyle>
+            <a:lvl1pPr marL="0" indent="0" algn="l">
+              <a:buNone/>
+              <a:defRPr sz="1500">
+                <a:solidFill>
+                  <a:schemeClr val="tx1">
+                    <a:lumMod val="50000"/>
+                    <a:lumOff val="50000"/>
+                  </a:schemeClr>
+                </a:solidFill>
+              </a:defRPr>
+            </a:lvl1pPr>
+            <a:lvl2pPr marL="342900" indent="0">
+              <a:buNone/>
+              <a:defRPr sz="1350">
+                <a:solidFill>
+                  <a:schemeClr val="tx1">
+                    <a:tint val="75000"/>
+                  </a:schemeClr>
+                </a:solidFill>
+              </a:defRPr>
+            </a:lvl2pPr>
+            <a:lvl3pPr marL="685800" indent="0">
+              <a:buNone/>
+              <a:defRPr sz="1200">
+                <a:solidFill>
+                  <a:schemeClr val="tx1">
+                    <a:tint val="75000"/>
+                  </a:schemeClr>
+                </a:solidFill>
+              </a:defRPr>
+            </a:lvl3pPr>
+            <a:lvl4pPr marL="1028700" indent="0">
+              <a:buNone/>
+              <a:defRPr sz="1050">
+                <a:solidFill>
+                  <a:schemeClr val="tx1">
+                    <a:tint val="75000"/>
+                  </a:schemeClr>
+                </a:solidFill>
+              </a:defRPr>
+            </a:lvl4pPr>
+            <a:lvl5pPr marL="1371600" indent="0">
+              <a:buNone/>
+              <a:defRPr sz="1050">
+                <a:solidFill>
+                  <a:schemeClr val="tx1">
+                    <a:tint val="75000"/>
+                  </a:schemeClr>
+                </a:solidFill>
+              </a:defRPr>
+            </a:lvl5pPr>
+            <a:lvl6pPr marL="1714500" indent="0">
+              <a:buNone/>
+              <a:defRPr sz="1050">
+                <a:solidFill>
+                  <a:schemeClr val="tx1">
+                    <a:tint val="75000"/>
+                  </a:schemeClr>
+                </a:solidFill>
+              </a:defRPr>
+            </a:lvl6pPr>
+            <a:lvl7pPr marL="2057400" indent="0">
+              <a:buNone/>
+              <a:defRPr sz="1050">
+                <a:solidFill>
+                  <a:schemeClr val="tx1">
+                    <a:tint val="75000"/>
+                  </a:schemeClr>
+                </a:solidFill>
+              </a:defRPr>
+            </a:lvl7pPr>
+            <a:lvl8pPr marL="2400300" indent="0">
+              <a:buNone/>
+              <a:defRPr sz="1050">
+                <a:solidFill>
+                  <a:schemeClr val="tx1">
+                    <a:tint val="75000"/>
+                  </a:schemeClr>
+                </a:solidFill>
+              </a:defRPr>
+            </a:lvl8pPr>
+            <a:lvl9pPr marL="2743200" indent="0">
+              <a:buNone/>
+              <a:defRPr sz="1050">
+                <a:solidFill>
+                  <a:schemeClr val="tx1">
+                    <a:tint val="75000"/>
+                  </a:schemeClr>
+                </a:solidFill>
+              </a:defRPr>
+            </a:lvl9pPr>
+          </a:lstStyle>
+          <a:p>
+            <a:pPr lvl="0"/>
+            <a:r>
+              <a:rPr lang="en-US"/>
+              <a:t>Click to edit Master text styles</a:t>
+            </a:r>
+          </a:p>
+        </p:txBody>
+      </p:sp>
+      <p:sp>
+        <p:nvSpPr>
+          <p:cNvPr id="4" name="Date Placeholder 3"/>
+          <p:cNvSpPr>
+            <a:spLocks noGrp="1"/>
+          </p:cNvSpPr>
+          <p:nvPr>
+            <p:ph type="dt" sz="half" idx="10"/>
+          </p:nvPr>
+        </p:nvSpPr>
+        <p:spPr/>
+        <p:txBody>
+          <a:bodyPr/>
+          <a:lstStyle/>
+          <a:p>
+            <a:fld id="{B61BEF0D-F0BB-DE4B-95CE-6DB70DBA9567}" type="datetimeFigureOut">
+              <a:rPr lang="en-US" smtClean="0"/>
+              <a:pPr/>
+              <a:t>9/11/2025</a:t>
+            </a:fld>
+            <a:endParaRPr lang="en-US" dirty="0"/>
+          </a:p>
+        </p:txBody>
+      </p:sp>
+      <p:sp>
+        <p:nvSpPr>
+          <p:cNvPr id="5" name="Footer Placeholder 4"/>
+          <p:cNvSpPr>
+            <a:spLocks noGrp="1"/>
+          </p:cNvSpPr>
+          <p:nvPr>
+            <p:ph type="ftr" sz="quarter" idx="11"/>
+          </p:nvPr>
+        </p:nvSpPr>
+        <p:spPr/>
+        <p:txBody>
+          <a:bodyPr/>
+          <a:lstStyle/>
+          <a:p>
+            <a:endParaRPr lang="en-US" dirty="0"/>
+          </a:p>
+        </p:txBody>
+      </p:sp>
+      <p:sp>
+        <p:nvSpPr>
+          <p:cNvPr id="6" name="Slide Number Placeholder 5"/>
+          <p:cNvSpPr>
+            <a:spLocks noGrp="1"/>
+          </p:cNvSpPr>
+          <p:nvPr>
+            <p:ph type="sldNum" sz="quarter" idx="12"/>
+          </p:nvPr>
+        </p:nvSpPr>
+        <p:spPr/>
+        <p:txBody>
+          <a:bodyPr/>
+          <a:lstStyle/>
+          <a:p>
+            <a:fld id="{D57F1E4F-1CFF-5643-939E-217C01CDF565}" type="slidenum">
+              <a:rPr lang="en-US" smtClean="0"/>
+              <a:pPr/>
+              <a:t>‹#›</a:t>
+            </a:fld>
+            <a:endParaRPr lang="en-US" dirty="0"/>
+          </a:p>
+        </p:txBody>
+      </p:sp>
+    </p:spTree>
+    <p:extLst>
+      <p:ext uri="{BB962C8B-B14F-4D97-AF65-F5344CB8AC3E}">
+        <p14:creationId xmlns:p14="http://schemas.microsoft.com/office/powerpoint/2010/main" val="1576458065"/>
+      </p:ext>
+    </p:extLst>
+  </p:cSld>
+  <p:clrMapOvr>
+    <a:masterClrMapping/>
+  </p:clrMapOvr>
+  <p:hf sldNum="0" hdr="0" ftr="0" dt="0"/>
+</p:sldLayout>
+</file>
+
+<file path=ppt/slideLayouts/slideLayout4.xml><?xml version="1.0" encoding="utf-8"?>
+<p:sldLayout xmlns:a="http://schemas.openxmlformats.org/drawingml/2006/main" xmlns:r="http://schemas.openxmlformats.org/officeDocument/2006/relationships" xmlns:p="http://schemas.openxmlformats.org/presentationml/2006/main" type="twoObj" preserve="1">
+  <p:cSld name="Two Content">
+    <p:spTree>
+      <p:nvGrpSpPr>
+        <p:cNvPr id="1" name=""/>
+        <p:cNvGrpSpPr/>
+        <p:nvPr/>
+      </p:nvGrpSpPr>
+      <p:grpSpPr>
+        <a:xfrm>
+          <a:off x="0" y="0"/>
+          <a:ext cx="0" cy="0"/>
+          <a:chOff x="0" y="0"/>
+          <a:chExt cx="0" cy="0"/>
+        </a:xfrm>
+      </p:grpSpPr>
+      <p:sp>
+        <p:nvSpPr>
+          <p:cNvPr id="2" name="Title 1"/>
+          <p:cNvSpPr>
+            <a:spLocks noGrp="1"/>
+          </p:cNvSpPr>
+          <p:nvPr>
+            <p:ph type="title"/>
+          </p:nvPr>
+        </p:nvSpPr>
+        <p:spPr/>
+        <p:txBody>
+          <a:bodyPr/>
+          <a:lstStyle/>
+          <a:p>
+            <a:r>
+              <a:rPr lang="en-US"/>
+              <a:t>Click to edit Master title style</a:t>
+            </a:r>
+            <a:endParaRPr lang="en-US" dirty="0"/>
+          </a:p>
+        </p:txBody>
+      </p:sp>
+      <p:sp>
+        <p:nvSpPr>
+          <p:cNvPr id="3" name="Content Placeholder 2"/>
+          <p:cNvSpPr>
+            <a:spLocks noGrp="1"/>
+          </p:cNvSpPr>
+          <p:nvPr>
+            <p:ph sz="half" idx="1"/>
+          </p:nvPr>
+        </p:nvSpPr>
+        <p:spPr>
+          <a:xfrm>
+            <a:off x="508001" y="1620442"/>
+            <a:ext cx="3138026" cy="2910579"/>
+          </a:xfrm>
+        </p:spPr>
+        <p:txBody>
+          <a:bodyPr/>
+          <a:lstStyle/>
+          <a:p>
+            <a:pPr lvl="0"/>
+            <a:r>
+              <a:rPr lang="en-US"/>
+              <a:t>Click to edit Master text styles</a:t>
+            </a:r>
+          </a:p>
+          <a:p>
+            <a:pPr lvl="1"/>
+            <a:r>
+              <a:rPr lang="en-US"/>
+              <a:t>Second level</a:t>
+            </a:r>
+          </a:p>
+          <a:p>
+            <a:pPr lvl="2"/>
+            <a:r>
+              <a:rPr lang="en-US"/>
+              <a:t>Third level</a:t>
+            </a:r>
+          </a:p>
+          <a:p>
+            <a:pPr lvl="3"/>
+            <a:r>
+              <a:rPr lang="en-US"/>
+              <a:t>Fourth level</a:t>
+            </a:r>
+          </a:p>
+          <a:p>
+            <a:pPr lvl="4"/>
+            <a:r>
+              <a:rPr lang="en-US"/>
+              <a:t>Fifth level</a:t>
+            </a:r>
+            <a:endParaRPr lang="en-US" dirty="0"/>
+          </a:p>
+        </p:txBody>
+      </p:sp>
+      <p:sp>
+        <p:nvSpPr>
+          <p:cNvPr id="4" name="Content Placeholder 3"/>
+          <p:cNvSpPr>
+            <a:spLocks noGrp="1"/>
+          </p:cNvSpPr>
+          <p:nvPr>
+            <p:ph sz="half" idx="2"/>
+          </p:nvPr>
+        </p:nvSpPr>
+        <p:spPr>
+          <a:xfrm>
+            <a:off x="3817477" y="1620442"/>
+            <a:ext cx="3138026" cy="2910580"/>
+          </a:xfrm>
+        </p:spPr>
+        <p:txBody>
+          <a:bodyPr/>
+          <a:lstStyle/>
+          <a:p>
+            <a:pPr lvl="0"/>
+            <a:r>
+              <a:rPr lang="en-US"/>
+              <a:t>Click to edit Master text styles</a:t>
+            </a:r>
+          </a:p>
+          <a:p>
+            <a:pPr lvl="1"/>
+            <a:r>
+              <a:rPr lang="en-US"/>
+              <a:t>Second level</a:t>
+            </a:r>
+          </a:p>
+          <a:p>
+            <a:pPr lvl="2"/>
+            <a:r>
+              <a:rPr lang="en-US"/>
+              <a:t>Third level</a:t>
+            </a:r>
+          </a:p>
+          <a:p>
+            <a:pPr lvl="3"/>
+            <a:r>
+              <a:rPr lang="en-US"/>
+              <a:t>Fourth level</a:t>
+            </a:r>
+          </a:p>
+          <a:p>
+            <a:pPr lvl="4"/>
+            <a:r>
+              <a:rPr lang="en-US"/>
+              <a:t>Fifth level</a:t>
+            </a:r>
+            <a:endParaRPr lang="en-US" dirty="0"/>
+          </a:p>
+        </p:txBody>
+      </p:sp>
+      <p:sp>
+        <p:nvSpPr>
+          <p:cNvPr id="5" name="Date Placeholder 4"/>
+          <p:cNvSpPr>
+            <a:spLocks noGrp="1"/>
+          </p:cNvSpPr>
+          <p:nvPr>
+            <p:ph type="dt" sz="half" idx="10"/>
+          </p:nvPr>
+        </p:nvSpPr>
+        <p:spPr/>
+        <p:txBody>
+          <a:bodyPr/>
+          <a:lstStyle/>
+          <a:p>
+            <a:fld id="{EB712588-04B1-427B-82EE-E8DB90309F08}" type="datetimeFigureOut">
+              <a:rPr lang="en-US" smtClean="0"/>
+              <a:t>9/11/2025</a:t>
+            </a:fld>
+            <a:endParaRPr lang="en-US" dirty="0"/>
+          </a:p>
+        </p:txBody>
+      </p:sp>
+      <p:sp>
+        <p:nvSpPr>
+          <p:cNvPr id="6" name="Footer Placeholder 5"/>
+          <p:cNvSpPr>
+            <a:spLocks noGrp="1"/>
+          </p:cNvSpPr>
+          <p:nvPr>
+            <p:ph type="ftr" sz="quarter" idx="11"/>
+          </p:nvPr>
+        </p:nvSpPr>
+        <p:spPr/>
+        <p:txBody>
+          <a:bodyPr/>
+          <a:lstStyle/>
+          <a:p>
+            <a:endParaRPr lang="en-US" dirty="0"/>
+          </a:p>
+        </p:txBody>
+      </p:sp>
+      <p:sp>
+        <p:nvSpPr>
+          <p:cNvPr id="7" name="Slide Number Placeholder 6"/>
+          <p:cNvSpPr>
+            <a:spLocks noGrp="1"/>
+          </p:cNvSpPr>
+          <p:nvPr>
+            <p:ph type="sldNum" sz="quarter" idx="12"/>
+          </p:nvPr>
+        </p:nvSpPr>
+        <p:spPr/>
+        <p:txBody>
+          <a:bodyPr/>
+          <a:lstStyle/>
+          <a:p>
+            <a:fld id="{6FF9F0C5-380F-41C2-899A-BAC0F0927E16}" type="slidenum">
+              <a:rPr lang="en-US" smtClean="0"/>
+              <a:t>‹#›</a:t>
+            </a:fld>
+            <a:endParaRPr lang="en-US" dirty="0"/>
+          </a:p>
+        </p:txBody>
+      </p:sp>
+    </p:spTree>
+    <p:extLst>
+      <p:ext uri="{BB962C8B-B14F-4D97-AF65-F5344CB8AC3E}">
+        <p14:creationId xmlns:p14="http://schemas.microsoft.com/office/powerpoint/2010/main" val="2599929200"/>
+      </p:ext>
+    </p:extLst>
+  </p:cSld>
+  <p:clrMapOvr>
+    <a:masterClrMapping/>
+  </p:clrMapOvr>
+  <p:hf sldNum="0" hdr="0" ftr="0" dt="0"/>
+</p:sldLayout>
+</file>
+
+<file path=ppt/slideLayouts/slideLayout5.xml><?xml version="1.0" encoding="utf-8"?>
+<p:sldLayout xmlns:a="http://schemas.openxmlformats.org/drawingml/2006/main" xmlns:r="http://schemas.openxmlformats.org/officeDocument/2006/relationships" xmlns:p="http://schemas.openxmlformats.org/presentationml/2006/main" type="twoTxTwoObj" preserve="1">
+  <p:cSld name="Comparison">
+    <p:spTree>
+      <p:nvGrpSpPr>
+        <p:cNvPr id="1" name=""/>
+        <p:cNvGrpSpPr/>
+        <p:nvPr/>
+      </p:nvGrpSpPr>
+      <p:grpSpPr>
+        <a:xfrm>
+          <a:off x="0" y="0"/>
+          <a:ext cx="0" cy="0"/>
+          <a:chOff x="0" y="0"/>
+          <a:chExt cx="0" cy="0"/>
+        </a:xfrm>
+      </p:grpSpPr>
+      <p:sp>
+        <p:nvSpPr>
+          <p:cNvPr id="2" name="Title 1"/>
+          <p:cNvSpPr>
+            <a:spLocks noGrp="1"/>
+          </p:cNvSpPr>
+          <p:nvPr>
+            <p:ph type="title"/>
+          </p:nvPr>
+        </p:nvSpPr>
+        <p:spPr/>
+        <p:txBody>
+          <a:bodyPr/>
+          <a:lstStyle>
+            <a:lvl1pPr>
+              <a:defRPr/>
+            </a:lvl1pPr>
+          </a:lstStyle>
+          <a:p>
+            <a:r>
+              <a:rPr lang="en-US"/>
+              <a:t>Click to edit Master title style</a:t>
+            </a:r>
+            <a:endParaRPr lang="en-US" dirty="0"/>
+          </a:p>
+        </p:txBody>
+      </p:sp>
+      <p:sp>
+        <p:nvSpPr>
+          <p:cNvPr id="3" name="Text Placeholder 2"/>
+          <p:cNvSpPr>
+            <a:spLocks noGrp="1"/>
+          </p:cNvSpPr>
+          <p:nvPr>
+            <p:ph type="body" idx="1"/>
+          </p:nvPr>
+        </p:nvSpPr>
+        <p:spPr>
+          <a:xfrm>
+            <a:off x="506809" y="1620737"/>
+            <a:ext cx="3139217" cy="432197"/>
+          </a:xfrm>
+        </p:spPr>
+        <p:txBody>
+          <a:bodyPr anchor="b">
+            <a:noAutofit/>
+          </a:bodyPr>
+          <a:lstStyle>
+            <a:lvl1pPr marL="0" indent="0">
+              <a:buNone/>
+              <a:defRPr sz="1800" b="0"/>
+            </a:lvl1pPr>
+            <a:lvl2pPr marL="342900" indent="0">
+              <a:buNone/>
+              <a:defRPr sz="1500" b="1"/>
+            </a:lvl2pPr>
+            <a:lvl3pPr marL="685800" indent="0">
+              <a:buNone/>
+              <a:defRPr sz="1350" b="1"/>
+            </a:lvl3pPr>
+            <a:lvl4pPr marL="1028700" indent="0">
+              <a:buNone/>
+              <a:defRPr sz="1200" b="1"/>
+            </a:lvl4pPr>
+            <a:lvl5pPr marL="1371600" indent="0">
+              <a:buNone/>
+              <a:defRPr sz="1200" b="1"/>
+            </a:lvl5pPr>
+            <a:lvl6pPr marL="1714500" indent="0">
+              <a:buNone/>
+              <a:defRPr sz="1200" b="1"/>
+            </a:lvl6pPr>
+            <a:lvl7pPr marL="2057400" indent="0">
+              <a:buNone/>
+              <a:defRPr sz="1200" b="1"/>
+            </a:lvl7pPr>
+            <a:lvl8pPr marL="2400300" indent="0">
+              <a:buNone/>
+              <a:defRPr sz="1200" b="1"/>
+            </a:lvl8pPr>
+            <a:lvl9pPr marL="2743200" indent="0">
+              <a:buNone/>
+              <a:defRPr sz="1200" b="1"/>
+            </a:lvl9pPr>
+          </a:lstStyle>
+          <a:p>
+            <a:pPr lvl="0"/>
+            <a:r>
+              <a:rPr lang="en-US"/>
+              <a:t>Click to edit Master text styles</a:t>
+            </a:r>
+          </a:p>
+        </p:txBody>
+      </p:sp>
+      <p:sp>
+        <p:nvSpPr>
+          <p:cNvPr id="4" name="Content Placeholder 3"/>
+          <p:cNvSpPr>
+            <a:spLocks noGrp="1"/>
+          </p:cNvSpPr>
+          <p:nvPr>
+            <p:ph sz="half" idx="2"/>
+          </p:nvPr>
+        </p:nvSpPr>
+        <p:spPr>
+          <a:xfrm>
+            <a:off x="506809" y="2052934"/>
+            <a:ext cx="3139217" cy="2478088"/>
+          </a:xfrm>
+        </p:spPr>
+        <p:txBody>
+          <a:bodyPr>
+            <a:normAutofit/>
+          </a:bodyPr>
+          <a:lstStyle/>
+          <a:p>
+            <a:pPr lvl="0"/>
+            <a:r>
+              <a:rPr lang="en-US"/>
+              <a:t>Click to edit Master text styles</a:t>
+            </a:r>
+          </a:p>
+          <a:p>
+            <a:pPr lvl="1"/>
+            <a:r>
+              <a:rPr lang="en-US"/>
+              <a:t>Second level</a:t>
+            </a:r>
+          </a:p>
+          <a:p>
+            <a:pPr lvl="2"/>
+            <a:r>
+              <a:rPr lang="en-US"/>
+              <a:t>Third level</a:t>
+            </a:r>
+          </a:p>
+          <a:p>
+            <a:pPr lvl="3"/>
+            <a:r>
+              <a:rPr lang="en-US"/>
+              <a:t>Fourth level</a:t>
+            </a:r>
+          </a:p>
+          <a:p>
+            <a:pPr lvl="4"/>
+            <a:r>
+              <a:rPr lang="en-US"/>
+              <a:t>Fifth level</a:t>
+            </a:r>
+            <a:endParaRPr lang="en-US" dirty="0"/>
+          </a:p>
+        </p:txBody>
+      </p:sp>
+      <p:sp>
+        <p:nvSpPr>
+          <p:cNvPr id="5" name="Text Placeholder 4"/>
+          <p:cNvSpPr>
+            <a:spLocks noGrp="1"/>
+          </p:cNvSpPr>
+          <p:nvPr>
+            <p:ph type="body" sz="quarter" idx="3"/>
+          </p:nvPr>
+        </p:nvSpPr>
+        <p:spPr>
+          <a:xfrm>
+            <a:off x="3816287" y="1620737"/>
+            <a:ext cx="3139214" cy="432197"/>
+          </a:xfrm>
+        </p:spPr>
+        <p:txBody>
+          <a:bodyPr anchor="b">
+            <a:noAutofit/>
+          </a:bodyPr>
+          <a:lstStyle>
+            <a:lvl1pPr marL="0" indent="0">
+              <a:buNone/>
+              <a:defRPr sz="1800" b="0"/>
+            </a:lvl1pPr>
+            <a:lvl2pPr marL="342900" indent="0">
+              <a:buNone/>
+              <a:defRPr sz="1500" b="1"/>
+            </a:lvl2pPr>
+            <a:lvl3pPr marL="685800" indent="0">
+              <a:buNone/>
+              <a:defRPr sz="1350" b="1"/>
+            </a:lvl3pPr>
+            <a:lvl4pPr marL="1028700" indent="0">
+              <a:buNone/>
+              <a:defRPr sz="1200" b="1"/>
+            </a:lvl4pPr>
+            <a:lvl5pPr marL="1371600" indent="0">
+              <a:buNone/>
+              <a:defRPr sz="1200" b="1"/>
+            </a:lvl5pPr>
+            <a:lvl6pPr marL="1714500" indent="0">
+              <a:buNone/>
+              <a:defRPr sz="1200" b="1"/>
+            </a:lvl6pPr>
+            <a:lvl7pPr marL="2057400" indent="0">
+              <a:buNone/>
+              <a:defRPr sz="1200" b="1"/>
+            </a:lvl7pPr>
+            <a:lvl8pPr marL="2400300" indent="0">
+              <a:buNone/>
+              <a:defRPr sz="1200" b="1"/>
+            </a:lvl8pPr>
+            <a:lvl9pPr marL="2743200" indent="0">
+              <a:buNone/>
+              <a:defRPr sz="1200" b="1"/>
+            </a:lvl9pPr>
+          </a:lstStyle>
+          <a:p>
+            <a:pPr lvl="0"/>
+            <a:r>
+              <a:rPr lang="en-US"/>
+              <a:t>Click to edit Master text styles</a:t>
+            </a:r>
+          </a:p>
+        </p:txBody>
+      </p:sp>
+      <p:sp>
+        <p:nvSpPr>
+          <p:cNvPr id="6" name="Content Placeholder 5"/>
+          <p:cNvSpPr>
+            <a:spLocks noGrp="1"/>
+          </p:cNvSpPr>
+          <p:nvPr>
+            <p:ph sz="quarter" idx="4"/>
+          </p:nvPr>
+        </p:nvSpPr>
+        <p:spPr>
+          <a:xfrm>
+            <a:off x="3816288" y="2052934"/>
+            <a:ext cx="3139213" cy="2478088"/>
+          </a:xfrm>
+        </p:spPr>
+        <p:txBody>
+          <a:bodyPr>
+            <a:normAutofit/>
+          </a:bodyPr>
+          <a:lstStyle/>
+          <a:p>
+            <a:pPr lvl="0"/>
+            <a:r>
+              <a:rPr lang="en-US"/>
+              <a:t>Click to edit Master text styles</a:t>
+            </a:r>
+          </a:p>
+          <a:p>
+            <a:pPr lvl="1"/>
+            <a:r>
+              <a:rPr lang="en-US"/>
+              <a:t>Second level</a:t>
+            </a:r>
+          </a:p>
+          <a:p>
+            <a:pPr lvl="2"/>
+            <a:r>
+              <a:rPr lang="en-US"/>
+              <a:t>Third level</a:t>
+            </a:r>
+          </a:p>
+          <a:p>
+            <a:pPr lvl="3"/>
+            <a:r>
+              <a:rPr lang="en-US"/>
+              <a:t>Fourth level</a:t>
+            </a:r>
+          </a:p>
+          <a:p>
+            <a:pPr lvl="4"/>
+            <a:r>
+              <a:rPr lang="en-US"/>
+              <a:t>Fifth level</a:t>
+            </a:r>
+            <a:endParaRPr lang="en-US" dirty="0"/>
+          </a:p>
+        </p:txBody>
+      </p:sp>
+      <p:sp>
+        <p:nvSpPr>
+          <p:cNvPr id="7" name="Date Placeholder 6"/>
+          <p:cNvSpPr>
+            <a:spLocks noGrp="1"/>
+          </p:cNvSpPr>
+          <p:nvPr>
+            <p:ph type="dt" sz="half" idx="10"/>
+          </p:nvPr>
+        </p:nvSpPr>
+        <p:spPr/>
+        <p:txBody>
+          <a:bodyPr/>
+          <a:lstStyle/>
+          <a:p>
+            <a:fld id="{B61BEF0D-F0BB-DE4B-95CE-6DB70DBA9567}" type="datetimeFigureOut">
+              <a:rPr lang="en-US" smtClean="0"/>
+              <a:pPr/>
+              <a:t>9/11/2025</a:t>
+            </a:fld>
+            <a:endParaRPr lang="en-US" dirty="0"/>
+          </a:p>
+        </p:txBody>
+      </p:sp>
+      <p:sp>
+        <p:nvSpPr>
+          <p:cNvPr id="8" name="Footer Placeholder 7"/>
+          <p:cNvSpPr>
+            <a:spLocks noGrp="1"/>
+          </p:cNvSpPr>
+          <p:nvPr>
+            <p:ph type="ftr" sz="quarter" idx="11"/>
+          </p:nvPr>
+        </p:nvSpPr>
+        <p:spPr/>
+        <p:txBody>
+          <a:bodyPr/>
+          <a:lstStyle/>
+          <a:p>
+            <a:endParaRPr lang="en-US" dirty="0"/>
+          </a:p>
+        </p:txBody>
+      </p:sp>
+      <p:sp>
+        <p:nvSpPr>
+          <p:cNvPr id="9" name="Slide Number Placeholder 8"/>
+          <p:cNvSpPr>
+            <a:spLocks noGrp="1"/>
+          </p:cNvSpPr>
+          <p:nvPr>
+            <p:ph type="sldNum" sz="quarter" idx="12"/>
+          </p:nvPr>
+        </p:nvSpPr>
+        <p:spPr/>
+        <p:txBody>
+          <a:bodyPr/>
+          <a:lstStyle/>
+          <a:p>
+            <a:fld id="{D57F1E4F-1CFF-5643-939E-217C01CDF565}" type="slidenum">
+              <a:rPr lang="en-US" smtClean="0"/>
+              <a:pPr/>
+              <a:t>‹#›</a:t>
+            </a:fld>
+            <a:endParaRPr lang="en-US" dirty="0"/>
+          </a:p>
+        </p:txBody>
+      </p:sp>
+    </p:spTree>
+    <p:extLst>
+      <p:ext uri="{BB962C8B-B14F-4D97-AF65-F5344CB8AC3E}">
+        <p14:creationId xmlns:p14="http://schemas.microsoft.com/office/powerpoint/2010/main" val="1649164053"/>
+      </p:ext>
+    </p:extLst>
+  </p:cSld>
+  <p:clrMapOvr>
+    <a:masterClrMapping/>
+  </p:clrMapOvr>
+  <p:hf sldNum="0" hdr="0" ftr="0" dt="0"/>
+</p:sldLayout>
+</file>
+
+<file path=ppt/slideLayouts/slideLayout6.xml><?xml version="1.0" encoding="utf-8"?>
+<p:sldLayout xmlns:a="http://schemas.openxmlformats.org/drawingml/2006/main" xmlns:r="http://schemas.openxmlformats.org/officeDocument/2006/relationships" xmlns:p="http://schemas.openxmlformats.org/presentationml/2006/main" type="titleOnly" preserve="1">
+  <p:cSld name="Title Only">
+    <p:spTree>
+      <p:nvGrpSpPr>
+        <p:cNvPr id="1" name=""/>
+        <p:cNvGrpSpPr/>
+        <p:nvPr/>
+      </p:nvGrpSpPr>
+      <p:grpSpPr>
+        <a:xfrm>
+          <a:off x="0" y="0"/>
+          <a:ext cx="0" cy="0"/>
+          <a:chOff x="0" y="0"/>
+          <a:chExt cx="0" cy="0"/>
+        </a:xfrm>
+      </p:grpSpPr>
+      <p:sp>
+        <p:nvSpPr>
+          <p:cNvPr id="2" name="Title 1"/>
+          <p:cNvSpPr>
+            <a:spLocks noGrp="1"/>
+          </p:cNvSpPr>
+          <p:nvPr>
+            <p:ph type="title"/>
+          </p:nvPr>
+        </p:nvSpPr>
+        <p:spPr>
+          <a:xfrm>
+            <a:off x="508001" y="457200"/>
+            <a:ext cx="6447501" cy="990600"/>
+          </a:xfrm>
+        </p:spPr>
+        <p:txBody>
+          <a:bodyPr/>
+          <a:lstStyle/>
+          <a:p>
+            <a:r>
+              <a:rPr lang="en-US"/>
+              <a:t>Click to edit Master title style</a:t>
+            </a:r>
+            <a:endParaRPr lang="en-US" dirty="0"/>
+          </a:p>
+        </p:txBody>
+      </p:sp>
+      <p:sp>
+        <p:nvSpPr>
+          <p:cNvPr id="3" name="Date Placeholder 2"/>
+          <p:cNvSpPr>
+            <a:spLocks noGrp="1"/>
+          </p:cNvSpPr>
+          <p:nvPr>
+            <p:ph type="dt" sz="half" idx="10"/>
+          </p:nvPr>
+        </p:nvSpPr>
+        <p:spPr/>
+        <p:txBody>
+          <a:bodyPr/>
+          <a:lstStyle/>
+          <a:p>
+            <a:fld id="{B61BEF0D-F0BB-DE4B-95CE-6DB70DBA9567}" type="datetimeFigureOut">
+              <a:rPr lang="en-US" smtClean="0"/>
+              <a:pPr/>
+              <a:t>9/11/2025</a:t>
+            </a:fld>
+            <a:endParaRPr lang="en-US" dirty="0"/>
+          </a:p>
+        </p:txBody>
+      </p:sp>
+      <p:sp>
+        <p:nvSpPr>
+          <p:cNvPr id="4" name="Footer Placeholder 3"/>
+          <p:cNvSpPr>
+            <a:spLocks noGrp="1"/>
+          </p:cNvSpPr>
+          <p:nvPr>
+            <p:ph type="ftr" sz="quarter" idx="11"/>
+          </p:nvPr>
+        </p:nvSpPr>
+        <p:spPr/>
+        <p:txBody>
+          <a:bodyPr/>
+          <a:lstStyle/>
+          <a:p>
+            <a:endParaRPr lang="en-US" dirty="0"/>
+          </a:p>
+        </p:txBody>
+      </p:sp>
+      <p:sp>
+        <p:nvSpPr>
+          <p:cNvPr id="5" name="Slide Number Placeholder 4"/>
+          <p:cNvSpPr>
+            <a:spLocks noGrp="1"/>
+          </p:cNvSpPr>
+          <p:nvPr>
+            <p:ph type="sldNum" sz="quarter" idx="12"/>
+          </p:nvPr>
+        </p:nvSpPr>
+        <p:spPr/>
+        <p:txBody>
+          <a:bodyPr/>
+          <a:lstStyle/>
+          <a:p>
+            <a:fld id="{D57F1E4F-1CFF-5643-939E-217C01CDF565}" type="slidenum">
+              <a:rPr lang="en-US" smtClean="0"/>
+              <a:pPr/>
+              <a:t>‹#›</a:t>
+            </a:fld>
+            <a:endParaRPr lang="en-US" dirty="0"/>
+          </a:p>
+        </p:txBody>
+      </p:sp>
+    </p:spTree>
+    <p:extLst>
+      <p:ext uri="{BB962C8B-B14F-4D97-AF65-F5344CB8AC3E}">
+        <p14:creationId xmlns:p14="http://schemas.microsoft.com/office/powerpoint/2010/main" val="161474764"/>
+      </p:ext>
+    </p:extLst>
+  </p:cSld>
+  <p:clrMapOvr>
+    <a:masterClrMapping/>
+  </p:clrMapOvr>
+  <p:hf sldNum="0" hdr="0" ftr="0" dt="0"/>
+</p:sldLayout>
+</file>
+
+<file path=ppt/slideLayouts/slideLayout7.xml><?xml version="1.0" encoding="utf-8"?>
+<p:sldLayout xmlns:a="http://schemas.openxmlformats.org/drawingml/2006/main" xmlns:r="http://schemas.openxmlformats.org/officeDocument/2006/relationships" xmlns:p="http://schemas.openxmlformats.org/presentationml/2006/main" type="blank" preserve="1">
+  <p:cSld name="Blank">
+    <p:spTree>
+      <p:nvGrpSpPr>
+        <p:cNvPr id="1" name=""/>
+        <p:cNvGrpSpPr/>
+        <p:nvPr/>
+      </p:nvGrpSpPr>
+      <p:grpSpPr>
+        <a:xfrm>
+          <a:off x="0" y="0"/>
+          <a:ext cx="0" cy="0"/>
+          <a:chOff x="0" y="0"/>
+          <a:chExt cx="0" cy="0"/>
+        </a:xfrm>
+      </p:grpSpPr>
+      <p:sp>
+        <p:nvSpPr>
+          <p:cNvPr id="2" name="Date Placeholder 1"/>
+          <p:cNvSpPr>
+            <a:spLocks noGrp="1"/>
+          </p:cNvSpPr>
+          <p:nvPr>
+            <p:ph type="dt" sz="half" idx="10"/>
+          </p:nvPr>
+        </p:nvSpPr>
+        <p:spPr/>
+        <p:txBody>
+          <a:bodyPr/>
+          <a:lstStyle/>
+          <a:p>
+            <a:fld id="{B61BEF0D-F0BB-DE4B-95CE-6DB70DBA9567}" type="datetimeFigureOut">
+              <a:rPr lang="en-US" smtClean="0"/>
+              <a:pPr/>
+              <a:t>9/11/2025</a:t>
+            </a:fld>
+            <a:endParaRPr lang="en-US" dirty="0"/>
+          </a:p>
+        </p:txBody>
+      </p:sp>
+      <p:sp>
+        <p:nvSpPr>
+          <p:cNvPr id="3" name="Footer Placeholder 2"/>
+          <p:cNvSpPr>
+            <a:spLocks noGrp="1"/>
+          </p:cNvSpPr>
+          <p:nvPr>
+            <p:ph type="ftr" sz="quarter" idx="11"/>
+          </p:nvPr>
+        </p:nvSpPr>
+        <p:spPr/>
+        <p:txBody>
+          <a:bodyPr/>
+          <a:lstStyle/>
+          <a:p>
+            <a:endParaRPr lang="en-US" dirty="0"/>
+          </a:p>
+        </p:txBody>
+      </p:sp>
+      <p:sp>
+        <p:nvSpPr>
+          <p:cNvPr id="4" name="Slide Number Placeholder 3"/>
+          <p:cNvSpPr>
+            <a:spLocks noGrp="1"/>
+          </p:cNvSpPr>
+          <p:nvPr>
+            <p:ph type="sldNum" sz="quarter" idx="12"/>
+          </p:nvPr>
+        </p:nvSpPr>
+        <p:spPr/>
+        <p:txBody>
+          <a:bodyPr/>
+          <a:lstStyle/>
+          <a:p>
+            <a:fld id="{D57F1E4F-1CFF-5643-939E-217C01CDF565}" type="slidenum">
+              <a:rPr lang="en-US" smtClean="0"/>
+              <a:pPr/>
+              <a:t>‹#›</a:t>
+            </a:fld>
+            <a:endParaRPr lang="en-US" dirty="0"/>
+          </a:p>
+        </p:txBody>
+      </p:sp>
+    </p:spTree>
+    <p:extLst>
+      <p:ext uri="{BB962C8B-B14F-4D97-AF65-F5344CB8AC3E}">
+        <p14:creationId xmlns:p14="http://schemas.microsoft.com/office/powerpoint/2010/main" val="2779965869"/>
+      </p:ext>
+    </p:extLst>
+  </p:cSld>
+  <p:clrMapOvr>
+    <a:masterClrMapping/>
+  </p:clrMapOvr>
+  <p:hf sldNum="0" hdr="0" ftr="0" dt="0"/>
+</p:sldLayout>
+</file>
+
+<file path=ppt/slideLayouts/slideLayout8.xml><?xml version="1.0" encoding="utf-8"?>
+<p:sldLayout xmlns:a="http://schemas.openxmlformats.org/drawingml/2006/main" xmlns:r="http://schemas.openxmlformats.org/officeDocument/2006/relationships" xmlns:p="http://schemas.openxmlformats.org/presentationml/2006/main" type="objTx" preserve="1">
+  <p:cSld name="Content with Caption">
+    <p:spTree>
+      <p:nvGrpSpPr>
+        <p:cNvPr id="1" name=""/>
+        <p:cNvGrpSpPr/>
+        <p:nvPr/>
+      </p:nvGrpSpPr>
+      <p:grpSpPr>
+        <a:xfrm>
+          <a:off x="0" y="0"/>
+          <a:ext cx="0" cy="0"/>
+          <a:chOff x="0" y="0"/>
+          <a:chExt cx="0" cy="0"/>
+        </a:xfrm>
+      </p:grpSpPr>
+      <p:sp>
+        <p:nvSpPr>
+          <p:cNvPr id="2" name="Title 1"/>
+          <p:cNvSpPr>
+            <a:spLocks noGrp="1"/>
+          </p:cNvSpPr>
+          <p:nvPr>
+            <p:ph type="title"/>
+          </p:nvPr>
+        </p:nvSpPr>
+        <p:spPr>
+          <a:xfrm>
+            <a:off x="508001" y="1123953"/>
+            <a:ext cx="2890896" cy="958850"/>
+          </a:xfrm>
+        </p:spPr>
+        <p:txBody>
+          <a:bodyPr anchor="b">
+            <a:normAutofit/>
+          </a:bodyPr>
+          <a:lstStyle>
+            <a:lvl1pPr>
+              <a:defRPr sz="1500"/>
+            </a:lvl1pPr>
+          </a:lstStyle>
+          <a:p>
+            <a:r>
+              <a:rPr lang="en-US"/>
+              <a:t>Click to edit Master title style</a:t>
+            </a:r>
+            <a:endParaRPr lang="en-US" dirty="0"/>
+          </a:p>
+        </p:txBody>
+      </p:sp>
+      <p:sp>
+        <p:nvSpPr>
+          <p:cNvPr id="3" name="Content Placeholder 2"/>
+          <p:cNvSpPr>
+            <a:spLocks noGrp="1"/>
+          </p:cNvSpPr>
+          <p:nvPr>
+            <p:ph idx="1"/>
+          </p:nvPr>
+        </p:nvSpPr>
+        <p:spPr>
+          <a:xfrm>
+            <a:off x="3570346" y="386193"/>
+            <a:ext cx="3385156" cy="4144828"/>
+          </a:xfrm>
+        </p:spPr>
+        <p:txBody>
+          <a:bodyPr>
+            <a:normAutofit/>
+          </a:bodyPr>
+          <a:lstStyle/>
+          <a:p>
+            <a:pPr lvl="0"/>
+            <a:r>
+              <a:rPr lang="en-US"/>
+              <a:t>Click to edit Master text styles</a:t>
+            </a:r>
+          </a:p>
+          <a:p>
+            <a:pPr lvl="1"/>
+            <a:r>
+              <a:rPr lang="en-US"/>
+              <a:t>Second level</a:t>
+            </a:r>
+          </a:p>
+          <a:p>
+            <a:pPr lvl="2"/>
+            <a:r>
+              <a:rPr lang="en-US"/>
+              <a:t>Third level</a:t>
+            </a:r>
+          </a:p>
+          <a:p>
+            <a:pPr lvl="3"/>
+            <a:r>
+              <a:rPr lang="en-US"/>
+              <a:t>Fourth level</a:t>
+            </a:r>
+          </a:p>
+          <a:p>
+            <a:pPr lvl="4"/>
+            <a:r>
+              <a:rPr lang="en-US"/>
+              <a:t>Fifth level</a:t>
+            </a:r>
+            <a:endParaRPr lang="en-US" dirty="0"/>
+          </a:p>
+        </p:txBody>
+      </p:sp>
+      <p:sp>
+        <p:nvSpPr>
+          <p:cNvPr id="4" name="Text Placeholder 3"/>
+          <p:cNvSpPr>
+            <a:spLocks noGrp="1"/>
+          </p:cNvSpPr>
+          <p:nvPr>
+            <p:ph type="body" sz="half" idx="2"/>
+          </p:nvPr>
+        </p:nvSpPr>
+        <p:spPr>
+          <a:xfrm>
+            <a:off x="508001" y="2082802"/>
+            <a:ext cx="2890896" cy="1938337"/>
+          </a:xfrm>
+        </p:spPr>
+        <p:txBody>
+          <a:bodyPr>
+            <a:normAutofit/>
+          </a:bodyPr>
+          <a:lstStyle>
+            <a:lvl1pPr marL="0" indent="0">
+              <a:buNone/>
+              <a:defRPr sz="1050"/>
+            </a:lvl1pPr>
+            <a:lvl2pPr marL="342797" indent="0">
+              <a:buNone/>
+              <a:defRPr sz="1050"/>
+            </a:lvl2pPr>
+            <a:lvl3pPr marL="685595" indent="0">
+              <a:buNone/>
+              <a:defRPr sz="900"/>
+            </a:lvl3pPr>
+            <a:lvl4pPr marL="1028392" indent="0">
+              <a:buNone/>
+              <a:defRPr sz="750"/>
+            </a:lvl4pPr>
+            <a:lvl5pPr marL="1371188" indent="0">
+              <a:buNone/>
+              <a:defRPr sz="750"/>
+            </a:lvl5pPr>
+            <a:lvl6pPr marL="1713986" indent="0">
+              <a:buNone/>
+              <a:defRPr sz="750"/>
+            </a:lvl6pPr>
+            <a:lvl7pPr marL="2056783" indent="0">
+              <a:buNone/>
+              <a:defRPr sz="750"/>
+            </a:lvl7pPr>
+            <a:lvl8pPr marL="2399580" indent="0">
+              <a:buNone/>
+              <a:defRPr sz="750"/>
+            </a:lvl8pPr>
+            <a:lvl9pPr marL="2742377" indent="0">
+              <a:buNone/>
+              <a:defRPr sz="750"/>
+            </a:lvl9pPr>
+          </a:lstStyle>
+          <a:p>
+            <a:pPr lvl="0"/>
+            <a:r>
+              <a:rPr lang="en-US"/>
+              <a:t>Click to edit Master text styles</a:t>
+            </a:r>
+          </a:p>
+        </p:txBody>
+      </p:sp>
+      <p:sp>
+        <p:nvSpPr>
+          <p:cNvPr id="5" name="Date Placeholder 4"/>
+          <p:cNvSpPr>
+            <a:spLocks noGrp="1"/>
+          </p:cNvSpPr>
+          <p:nvPr>
+            <p:ph type="dt" sz="half" idx="10"/>
+          </p:nvPr>
+        </p:nvSpPr>
+        <p:spPr/>
+        <p:txBody>
+          <a:bodyPr/>
+          <a:lstStyle/>
+          <a:p>
+            <a:fld id="{42A54C80-263E-416B-A8E0-580EDEADCBDC}" type="datetimeFigureOut">
+              <a:rPr lang="en-US" smtClean="0"/>
+              <a:t>9/11/2025</a:t>
+            </a:fld>
+            <a:endParaRPr lang="en-US" dirty="0"/>
+          </a:p>
+        </p:txBody>
+      </p:sp>
+      <p:sp>
+        <p:nvSpPr>
+          <p:cNvPr id="6" name="Footer Placeholder 5"/>
+          <p:cNvSpPr>
+            <a:spLocks noGrp="1"/>
+          </p:cNvSpPr>
+          <p:nvPr>
+            <p:ph type="ftr" sz="quarter" idx="11"/>
+          </p:nvPr>
+        </p:nvSpPr>
+        <p:spPr/>
+        <p:txBody>
+          <a:bodyPr/>
+          <a:lstStyle/>
+          <a:p>
+            <a:endParaRPr lang="en-US" dirty="0"/>
+          </a:p>
+        </p:txBody>
+      </p:sp>
+      <p:sp>
+        <p:nvSpPr>
+          <p:cNvPr id="7" name="Slide Number Placeholder 6"/>
+          <p:cNvSpPr>
+            <a:spLocks noGrp="1"/>
+          </p:cNvSpPr>
+          <p:nvPr>
+            <p:ph type="sldNum" sz="quarter" idx="12"/>
+          </p:nvPr>
+        </p:nvSpPr>
+        <p:spPr/>
+        <p:txBody>
+          <a:bodyPr/>
+          <a:lstStyle/>
+          <a:p>
+            <a:fld id="{519954A3-9DFD-4C44-94BA-B95130A3BA1C}" type="slidenum">
+              <a:rPr lang="en-US" smtClean="0"/>
+              <a:t>‹#›</a:t>
+            </a:fld>
+            <a:endParaRPr lang="en-US" dirty="0"/>
+          </a:p>
+        </p:txBody>
+      </p:sp>
+    </p:spTree>
+    <p:extLst>
+      <p:ext uri="{BB962C8B-B14F-4D97-AF65-F5344CB8AC3E}">
+        <p14:creationId xmlns:p14="http://schemas.microsoft.com/office/powerpoint/2010/main" val="1891335991"/>
+      </p:ext>
+    </p:extLst>
+  </p:cSld>
+  <p:clrMapOvr>
+    <a:masterClrMapping/>
+  </p:clrMapOvr>
+  <p:hf sldNum="0" hdr="0" ftr="0" dt="0"/>
+</p:sldLayout>
+</file>
+
+<file path=ppt/slideLayouts/slideLayout9.xml><?xml version="1.0" encoding="utf-8"?>
+<p:sldLayout xmlns:a="http://schemas.openxmlformats.org/drawingml/2006/main" xmlns:r="http://schemas.openxmlformats.org/officeDocument/2006/relationships" xmlns:p="http://schemas.openxmlformats.org/presentationml/2006/main" type="picTx" preserve="1">
+  <p:cSld name="Picture with Caption">
+    <p:spTree>
+      <p:nvGrpSpPr>
+        <p:cNvPr id="1" name=""/>
+        <p:cNvGrpSpPr/>
+        <p:nvPr/>
+      </p:nvGrpSpPr>
+      <p:grpSpPr>
+        <a:xfrm>
+          <a:off x="0" y="0"/>
+          <a:ext cx="0" cy="0"/>
+          <a:chOff x="0" y="0"/>
+          <a:chExt cx="0" cy="0"/>
+        </a:xfrm>
+      </p:grpSpPr>
+      <p:sp>
+        <p:nvSpPr>
+          <p:cNvPr id="2" name="Title 1"/>
+          <p:cNvSpPr>
+            <a:spLocks noGrp="1"/>
+          </p:cNvSpPr>
+          <p:nvPr>
+            <p:ph type="title"/>
+          </p:nvPr>
+        </p:nvSpPr>
+        <p:spPr>
+          <a:xfrm>
+            <a:off x="508001" y="3600450"/>
+            <a:ext cx="6447500" cy="425054"/>
+          </a:xfrm>
+        </p:spPr>
+        <p:txBody>
+          <a:bodyPr anchor="b">
+            <a:normAutofit/>
+          </a:bodyPr>
+          <a:lstStyle>
+            <a:lvl1pPr algn="l">
+              <a:defRPr sz="1800" b="0"/>
+            </a:lvl1pPr>
+          </a:lstStyle>
+          <a:p>
+            <a:r>
+              <a:rPr lang="en-US"/>
+              <a:t>Click to edit Master title style</a:t>
+            </a:r>
+            <a:endParaRPr lang="en-US" dirty="0"/>
+          </a:p>
+        </p:txBody>
+      </p:sp>
+      <p:sp>
+        <p:nvSpPr>
+          <p:cNvPr id="3" name="Picture Placeholder 2"/>
+          <p:cNvSpPr>
+            <a:spLocks noGrp="1" noChangeAspect="1"/>
+          </p:cNvSpPr>
+          <p:nvPr>
+            <p:ph type="pic" idx="1"/>
+          </p:nvPr>
+        </p:nvSpPr>
+        <p:spPr>
+          <a:xfrm>
+            <a:off x="508001" y="457200"/>
+            <a:ext cx="6447501" cy="2884289"/>
+          </a:xfrm>
+        </p:spPr>
+        <p:txBody>
+          <a:bodyPr anchor="t">
+            <a:normAutofit/>
+          </a:bodyPr>
+          <a:lstStyle>
+            <a:lvl1pPr marL="0" indent="0" algn="ctr">
+              <a:buNone/>
+              <a:defRPr sz="1200"/>
+            </a:lvl1pPr>
+            <a:lvl2pPr marL="342900" indent="0">
+              <a:buNone/>
+              <a:defRPr sz="1200"/>
+            </a:lvl2pPr>
+            <a:lvl3pPr marL="685800" indent="0">
+              <a:buNone/>
+              <a:defRPr sz="1200"/>
+            </a:lvl3pPr>
+            <a:lvl4pPr marL="1028700" indent="0">
+              <a:buNone/>
+              <a:defRPr sz="1200"/>
+            </a:lvl4pPr>
+            <a:lvl5pPr marL="1371600" indent="0">
+              <a:buNone/>
+              <a:defRPr sz="1200"/>
+            </a:lvl5pPr>
+            <a:lvl6pPr marL="1714500" indent="0">
+              <a:buNone/>
+              <a:defRPr sz="1200"/>
+            </a:lvl6pPr>
+            <a:lvl7pPr marL="2057400" indent="0">
+              <a:buNone/>
+              <a:defRPr sz="1200"/>
+            </a:lvl7pPr>
+            <a:lvl8pPr marL="2400300" indent="0">
+              <a:buNone/>
+              <a:defRPr sz="1200"/>
+            </a:lvl8pPr>
+            <a:lvl9pPr marL="2743200" indent="0">
+              <a:buNone/>
+              <a:defRPr sz="1200"/>
+            </a:lvl9pPr>
+          </a:lstStyle>
+          <a:p>
+            <a:r>
+              <a:rPr lang="en-US"/>
+              <a:t>Click icon to add picture</a:t>
+            </a:r>
+            <a:endParaRPr lang="en-US" dirty="0"/>
+          </a:p>
+        </p:txBody>
+      </p:sp>
+      <p:sp>
+        <p:nvSpPr>
+          <p:cNvPr id="4" name="Text Placeholder 3"/>
+          <p:cNvSpPr>
+            <a:spLocks noGrp="1"/>
+          </p:cNvSpPr>
+          <p:nvPr>
+            <p:ph type="body" sz="half" idx="2"/>
+          </p:nvPr>
+        </p:nvSpPr>
+        <p:spPr>
+          <a:xfrm>
+            <a:off x="508001" y="4025504"/>
+            <a:ext cx="6447500" cy="505518"/>
+          </a:xfrm>
+        </p:spPr>
+        <p:txBody>
+          <a:bodyPr>
+            <a:normAutofit/>
+          </a:bodyPr>
+          <a:lstStyle>
+            <a:lvl1pPr marL="0" indent="0">
+              <a:buNone/>
+              <a:defRPr sz="900"/>
+            </a:lvl1pPr>
+            <a:lvl2pPr marL="342900" indent="0">
+              <a:buNone/>
+              <a:defRPr sz="900"/>
+            </a:lvl2pPr>
+            <a:lvl3pPr marL="685800" indent="0">
+              <a:buNone/>
+              <a:defRPr sz="750"/>
+            </a:lvl3pPr>
+            <a:lvl4pPr marL="1028700" indent="0">
+              <a:buNone/>
+              <a:defRPr sz="675"/>
+            </a:lvl4pPr>
+            <a:lvl5pPr marL="1371600" indent="0">
+              <a:buNone/>
+              <a:defRPr sz="675"/>
+            </a:lvl5pPr>
+            <a:lvl6pPr marL="1714500" indent="0">
+              <a:buNone/>
+              <a:defRPr sz="675"/>
+            </a:lvl6pPr>
+            <a:lvl7pPr marL="2057400" indent="0">
+              <a:buNone/>
+              <a:defRPr sz="675"/>
+            </a:lvl7pPr>
+            <a:lvl8pPr marL="2400300" indent="0">
+              <a:buNone/>
+              <a:defRPr sz="675"/>
+            </a:lvl8pPr>
+            <a:lvl9pPr marL="2743200" indent="0">
+              <a:buNone/>
+              <a:defRPr sz="675"/>
+            </a:lvl9pPr>
+          </a:lstStyle>
+          <a:p>
+            <a:pPr lvl="0"/>
+            <a:r>
+              <a:rPr lang="en-US"/>
+              <a:t>Click to edit Master text styles</a:t>
+            </a:r>
+          </a:p>
+        </p:txBody>
+      </p:sp>
+      <p:sp>
+        <p:nvSpPr>
+          <p:cNvPr id="5" name="Date Placeholder 4"/>
+          <p:cNvSpPr>
+            <a:spLocks noGrp="1"/>
+          </p:cNvSpPr>
+          <p:nvPr>
+            <p:ph type="dt" sz="half" idx="10"/>
+          </p:nvPr>
+        </p:nvSpPr>
+        <p:spPr/>
+        <p:txBody>
+          <a:bodyPr/>
+          <a:lstStyle/>
+          <a:p>
+            <a:fld id="{B61BEF0D-F0BB-DE4B-95CE-6DB70DBA9567}" type="datetimeFigureOut">
+              <a:rPr lang="en-US" smtClean="0"/>
+              <a:pPr/>
+              <a:t>9/11/2025</a:t>
+            </a:fld>
+            <a:endParaRPr lang="en-US" dirty="0"/>
+          </a:p>
+        </p:txBody>
+      </p:sp>
+      <p:sp>
+        <p:nvSpPr>
+          <p:cNvPr id="6" name="Footer Placeholder 5"/>
+          <p:cNvSpPr>
+            <a:spLocks noGrp="1"/>
+          </p:cNvSpPr>
+          <p:nvPr>
+            <p:ph type="ftr" sz="quarter" idx="11"/>
+          </p:nvPr>
+        </p:nvSpPr>
+        <p:spPr/>
+        <p:txBody>
+          <a:bodyPr/>
+          <a:lstStyle/>
+          <a:p>
+            <a:endParaRPr lang="en-US" dirty="0"/>
+          </a:p>
+        </p:txBody>
+      </p:sp>
+      <p:sp>
+        <p:nvSpPr>
+          <p:cNvPr id="7" name="Slide Number Placeholder 6"/>
+          <p:cNvSpPr>
+            <a:spLocks noGrp="1"/>
+          </p:cNvSpPr>
+          <p:nvPr>
+            <p:ph type="sldNum" sz="quarter" idx="12"/>
+          </p:nvPr>
+        </p:nvSpPr>
+        <p:spPr/>
+        <p:txBody>
+          <a:bodyPr/>
+          <a:lstStyle/>
+          <a:p>
+            <a:fld id="{D57F1E4F-1CFF-5643-939E-217C01CDF565}" type="slidenum">
+              <a:rPr lang="en-US" smtClean="0"/>
+              <a:pPr/>
+              <a:t>‹#›</a:t>
+            </a:fld>
+            <a:endParaRPr lang="en-US" dirty="0"/>
+          </a:p>
+        </p:txBody>
+      </p:sp>
+    </p:spTree>
+    <p:extLst>
+      <p:ext uri="{BB962C8B-B14F-4D97-AF65-F5344CB8AC3E}">
+        <p14:creationId xmlns:p14="http://schemas.microsoft.com/office/powerpoint/2010/main" val="569574120"/>
+      </p:ext>
+    </p:extLst>
+  </p:cSld>
+  <p:clrMapOvr>
+    <a:masterClrMapping/>
+  </p:clrMapOvr>
+  <p:hf sldNum="0" hdr="0" ftr="0" dt="0"/>
+</p:sldLayout>
+</file>
+
+<file path=ppt/slideMasters/slideMaster1.xml><?xml version="1.0" encoding="utf-8"?>
+<p:sldMaster xmlns:a="http://schemas.openxmlformats.org/drawingml/2006/main" xmlns:r="http://schemas.openxmlformats.org/officeDocument/2006/relationships" xmlns:p="http://schemas.openxmlformats.org/presentationml/2006/main">
+  <p:cSld>
+    <p:bg>
+      <p:bgRef idx="1001">
+        <a:schemeClr val="bg1"/>
+      </p:bgRef>
+    </p:bg>
+    <p:spTree>
+      <p:nvGrpSpPr>
+        <p:cNvPr id="1" name=""/>
+        <p:cNvGrpSpPr/>
+        <p:nvPr/>
+      </p:nvGrpSpPr>
+      <p:grpSpPr>
+        <a:xfrm>
+          <a:off x="0" y="0"/>
+          <a:ext cx="0" cy="0"/>
+          <a:chOff x="0" y="0"/>
+          <a:chExt cx="0" cy="0"/>
+        </a:xfrm>
+      </p:grpSpPr>
+      <p:grpSp>
+        <p:nvGrpSpPr>
+          <p:cNvPr id="7" name="Group 6"/>
+          <p:cNvGrpSpPr/>
+          <p:nvPr/>
+        </p:nvGrpSpPr>
+        <p:grpSpPr>
+          <a:xfrm>
+            <a:off x="0" y="-6350"/>
+            <a:ext cx="9144000" cy="5149850"/>
+            <a:chOff x="0" y="-8467"/>
+            <a:chExt cx="12192000" cy="6866467"/>
+          </a:xfrm>
+        </p:grpSpPr>
+        <p:cxnSp>
+          <p:nvCxnSpPr>
+            <p:cNvPr id="20" name="Straight Connector 19"/>
+            <p:cNvCxnSpPr/>
+            <p:nvPr/>
+          </p:nvCxnSpPr>
+          <p:spPr>
+            <a:xfrm>
+              <a:off x="9371012" y="0"/>
+              <a:ext cx="1219200" cy="6858000"/>
+            </a:xfrm>
+            <a:prstGeom prst="line">
+              <a:avLst/>
+            </a:prstGeom>
+            <a:ln w="9525">
+              <a:solidFill>
+                <a:schemeClr val="bg1">
+                  <a:lumMod val="75000"/>
+                </a:schemeClr>
+              </a:solidFill>
+            </a:ln>
+          </p:spPr>
+          <p:style>
+            <a:lnRef idx="2">
+              <a:schemeClr val="accent1"/>
+            </a:lnRef>
+            <a:fillRef idx="0">
+              <a:schemeClr val="accent1"/>
+            </a:fillRef>
+            <a:effectRef idx="1">
+              <a:schemeClr val="accent1"/>
+            </a:effectRef>
+            <a:fontRef idx="minor">
+              <a:schemeClr val="tx1"/>
+            </a:fontRef>
+          </p:style>
+        </p:cxnSp>
+        <p:cxnSp>
+          <p:nvCxnSpPr>
+            <p:cNvPr id="21" name="Straight Connector 20"/>
+            <p:cNvCxnSpPr/>
+            <p:nvPr/>
+          </p:nvCxnSpPr>
+          <p:spPr>
+            <a:xfrm flipH="1">
+              <a:off x="7425267" y="3681413"/>
+              <a:ext cx="4763558" cy="3176587"/>
+            </a:xfrm>
+            <a:prstGeom prst="line">
+              <a:avLst/>
+            </a:prstGeom>
+            <a:ln w="9525">
+              <a:solidFill>
+                <a:schemeClr val="bg1">
+                  <a:lumMod val="85000"/>
+                </a:schemeClr>
+              </a:solidFill>
+            </a:ln>
+          </p:spPr>
+          <p:style>
+            <a:lnRef idx="2">
+              <a:schemeClr val="accent1"/>
+            </a:lnRef>
+            <a:fillRef idx="0">
+              <a:schemeClr val="accent1"/>
+            </a:fillRef>
+            <a:effectRef idx="1">
+              <a:schemeClr val="accent1"/>
+            </a:effectRef>
+            <a:fontRef idx="minor">
+              <a:schemeClr val="tx1"/>
+            </a:fontRef>
+          </p:style>
+        </p:cxnSp>
+        <p:sp>
+          <p:nvSpPr>
+            <p:cNvPr id="22" name="Rectangle 23"/>
+            <p:cNvSpPr/>
+            <p:nvPr/>
+          </p:nvSpPr>
+          <p:spPr>
+            <a:xfrm>
+              <a:off x="9181476" y="-8467"/>
+              <a:ext cx="3007349" cy="6866467"/>
+            </a:xfrm>
+            <a:custGeom>
+              <a:avLst/>
+              <a:gdLst/>
+              <a:ahLst/>
+              <a:cxnLst/>
+              <a:rect l="l" t="t" r="r" b="b"/>
+              <a:pathLst>
+                <a:path w="3007349" h="6866467">
+                  <a:moveTo>
+                    <a:pt x="2045532" y="0"/>
+                  </a:moveTo>
+                  <a:lnTo>
+                    <a:pt x="3007349" y="0"/>
+                  </a:lnTo>
+                  <a:lnTo>
+                    <a:pt x="3007349" y="6866467"/>
+                  </a:lnTo>
+                  <a:lnTo>
+                    <a:pt x="0" y="6866467"/>
+                  </a:lnTo>
+                  <a:lnTo>
+                    <a:pt x="2045532" y="0"/>
+                  </a:lnTo>
+                  <a:close/>
+                </a:path>
+              </a:pathLst>
+            </a:custGeom>
+            <a:solidFill>
+              <a:schemeClr val="accent1">
+                <a:alpha val="30000"/>
+              </a:schemeClr>
+            </a:solidFill>
+            <a:ln>
+              <a:noFill/>
+            </a:ln>
+            <a:effectLst/>
+          </p:spPr>
+          <p:style>
+            <a:lnRef idx="1">
+              <a:schemeClr val="accent1"/>
+            </a:lnRef>
+            <a:fillRef idx="3">
+              <a:schemeClr val="accent1"/>
+            </a:fillRef>
+            <a:effectRef idx="2">
+              <a:schemeClr val="accent1"/>
+            </a:effectRef>
+            <a:fontRef idx="minor">
+              <a:schemeClr val="lt1"/>
+            </a:fontRef>
+          </p:style>
+        </p:sp>
+        <p:sp>
+          <p:nvSpPr>
+            <p:cNvPr id="23" name="Rectangle 25"/>
+            <p:cNvSpPr/>
+            <p:nvPr/>
+          </p:nvSpPr>
+          <p:spPr>
+            <a:xfrm>
+              <a:off x="9603442" y="-8467"/>
+              <a:ext cx="2588558" cy="6866467"/>
+            </a:xfrm>
+            <a:custGeom>
+              <a:avLst/>
+              <a:gdLst/>
+              <a:ahLst/>
+              <a:cxnLst/>
+              <a:rect l="l" t="t" r="r" b="b"/>
+              <a:pathLst>
+                <a:path w="2573311" h="6866467">
+                  <a:moveTo>
+                    <a:pt x="0" y="0"/>
+                  </a:moveTo>
+                  <a:lnTo>
+                    <a:pt x="2573311" y="0"/>
+                  </a:lnTo>
+                  <a:lnTo>
+                    <a:pt x="2573311" y="6866467"/>
+                  </a:lnTo>
+                  <a:lnTo>
+                    <a:pt x="1202336" y="6866467"/>
+                  </a:lnTo>
+                  <a:lnTo>
+                    <a:pt x="0" y="0"/>
+                  </a:lnTo>
+                  <a:close/>
+                </a:path>
+              </a:pathLst>
+            </a:custGeom>
+            <a:solidFill>
+              <a:schemeClr val="accent1">
+                <a:alpha val="20000"/>
+              </a:schemeClr>
+            </a:solidFill>
+            <a:ln>
+              <a:noFill/>
+            </a:ln>
+            <a:effectLst/>
+          </p:spPr>
+          <p:style>
+            <a:lnRef idx="1">
+              <a:schemeClr val="accent1"/>
+            </a:lnRef>
+            <a:fillRef idx="3">
+              <a:schemeClr val="accent1"/>
+            </a:fillRef>
+            <a:effectRef idx="2">
+              <a:schemeClr val="accent1"/>
+            </a:effectRef>
+            <a:fontRef idx="minor">
+              <a:schemeClr val="lt1"/>
+            </a:fontRef>
+          </p:style>
+        </p:sp>
+        <p:sp>
+          <p:nvSpPr>
+            <p:cNvPr id="24" name="Isosceles Triangle 23"/>
+            <p:cNvSpPr/>
+            <p:nvPr/>
+          </p:nvSpPr>
+          <p:spPr>
+            <a:xfrm>
+              <a:off x="8932333" y="3048000"/>
+              <a:ext cx="3259667" cy="3810000"/>
+            </a:xfrm>
+            <a:prstGeom prst="triangle">
+              <a:avLst>
+                <a:gd name="adj" fmla="val 100000"/>
+              </a:avLst>
+            </a:prstGeom>
+            <a:solidFill>
+              <a:schemeClr val="accent2">
+                <a:alpha val="72000"/>
+              </a:schemeClr>
+            </a:solidFill>
+            <a:ln>
+              <a:noFill/>
+            </a:ln>
+            <a:effectLst/>
+          </p:spPr>
+          <p:style>
+            <a:lnRef idx="1">
+              <a:schemeClr val="accent1"/>
+            </a:lnRef>
+            <a:fillRef idx="3">
+              <a:schemeClr val="accent1"/>
+            </a:fillRef>
+            <a:effectRef idx="2">
+              <a:schemeClr val="accent1"/>
+            </a:effectRef>
+            <a:fontRef idx="minor">
+              <a:schemeClr val="lt1"/>
+            </a:fontRef>
+          </p:style>
+        </p:sp>
+        <p:sp>
+          <p:nvSpPr>
+            <p:cNvPr id="25" name="Rectangle 27"/>
+            <p:cNvSpPr/>
+            <p:nvPr/>
+          </p:nvSpPr>
+          <p:spPr>
+            <a:xfrm>
+              <a:off x="9334500" y="-8467"/>
+              <a:ext cx="2854326" cy="6866467"/>
+            </a:xfrm>
+            <a:custGeom>
+              <a:avLst/>
+              <a:gdLst/>
+              <a:ahLst/>
+              <a:cxnLst/>
+              <a:rect l="l" t="t" r="r" b="b"/>
+              <a:pathLst>
+                <a:path w="2858013" h="6866467">
+                  <a:moveTo>
+                    <a:pt x="0" y="0"/>
+                  </a:moveTo>
+                  <a:lnTo>
+                    <a:pt x="2858013" y="0"/>
+                  </a:lnTo>
+                  <a:lnTo>
+                    <a:pt x="2858013" y="6866467"/>
+                  </a:lnTo>
+                  <a:lnTo>
+                    <a:pt x="2473942" y="6866467"/>
+                  </a:lnTo>
+                  <a:lnTo>
+                    <a:pt x="0" y="0"/>
+                  </a:lnTo>
+                  <a:close/>
+                </a:path>
+              </a:pathLst>
+            </a:custGeom>
+            <a:solidFill>
+              <a:schemeClr val="accent2">
+                <a:lumMod val="75000"/>
+                <a:alpha val="70000"/>
+              </a:schemeClr>
+            </a:solidFill>
+            <a:ln>
+              <a:noFill/>
+            </a:ln>
+            <a:effectLst/>
+          </p:spPr>
+          <p:style>
+            <a:lnRef idx="1">
+              <a:schemeClr val="accent1"/>
+            </a:lnRef>
+            <a:fillRef idx="3">
+              <a:schemeClr val="accent1"/>
+            </a:fillRef>
+            <a:effectRef idx="2">
+              <a:schemeClr val="accent1"/>
+            </a:effectRef>
+            <a:fontRef idx="minor">
+              <a:schemeClr val="lt1"/>
+            </a:fontRef>
+          </p:style>
+        </p:sp>
+        <p:sp>
+          <p:nvSpPr>
+            <p:cNvPr id="26" name="Rectangle 28"/>
+            <p:cNvSpPr/>
+            <p:nvPr/>
+          </p:nvSpPr>
+          <p:spPr>
+            <a:xfrm>
+              <a:off x="10898730" y="-8467"/>
+              <a:ext cx="1290094" cy="6866467"/>
+            </a:xfrm>
+            <a:custGeom>
+              <a:avLst/>
+              <a:gdLst/>
+              <a:ahLst/>
+              <a:cxnLst/>
+              <a:rect l="l" t="t" r="r" b="b"/>
+              <a:pathLst>
+                <a:path w="1290094" h="6858000">
+                  <a:moveTo>
+                    <a:pt x="1019735" y="0"/>
+                  </a:moveTo>
+                  <a:lnTo>
+                    <a:pt x="1290094" y="0"/>
+                  </a:lnTo>
+                  <a:lnTo>
+                    <a:pt x="1290094" y="6858000"/>
+                  </a:lnTo>
+                  <a:lnTo>
+                    <a:pt x="0" y="6858000"/>
+                  </a:lnTo>
+                  <a:lnTo>
+                    <a:pt x="1019735" y="0"/>
+                  </a:lnTo>
+                  <a:close/>
+                </a:path>
+              </a:pathLst>
+            </a:custGeom>
+            <a:solidFill>
+              <a:schemeClr val="accent1">
+                <a:lumMod val="60000"/>
+                <a:lumOff val="40000"/>
+                <a:alpha val="70000"/>
+              </a:schemeClr>
+            </a:solidFill>
+            <a:ln>
+              <a:noFill/>
+            </a:ln>
+            <a:effectLst/>
+          </p:spPr>
+          <p:style>
+            <a:lnRef idx="1">
+              <a:schemeClr val="accent1"/>
+            </a:lnRef>
+            <a:fillRef idx="3">
+              <a:schemeClr val="accent1"/>
+            </a:fillRef>
+            <a:effectRef idx="2">
+              <a:schemeClr val="accent1"/>
+            </a:effectRef>
+            <a:fontRef idx="minor">
+              <a:schemeClr val="lt1"/>
+            </a:fontRef>
+          </p:style>
+        </p:sp>
+        <p:sp>
+          <p:nvSpPr>
+            <p:cNvPr id="27" name="Rectangle 29"/>
+            <p:cNvSpPr/>
+            <p:nvPr/>
+          </p:nvSpPr>
+          <p:spPr>
+            <a:xfrm>
+              <a:off x="10938999" y="-8467"/>
+              <a:ext cx="1249825" cy="6866467"/>
+            </a:xfrm>
+            <a:custGeom>
+              <a:avLst/>
+              <a:gdLst/>
+              <a:ahLst/>
+              <a:cxnLst/>
+              <a:rect l="l" t="t" r="r" b="b"/>
+              <a:pathLst>
+                <a:path w="1249825" h="6858000">
+                  <a:moveTo>
+                    <a:pt x="0" y="0"/>
+                  </a:moveTo>
+                  <a:lnTo>
+                    <a:pt x="1249825" y="0"/>
+                  </a:lnTo>
+                  <a:lnTo>
+                    <a:pt x="1249825" y="6858000"/>
+                  </a:lnTo>
+                  <a:lnTo>
+                    <a:pt x="1109382" y="6858000"/>
+                  </a:lnTo>
+                  <a:lnTo>
+                    <a:pt x="0" y="0"/>
+                  </a:lnTo>
+                  <a:close/>
+                </a:path>
+              </a:pathLst>
+            </a:custGeom>
+            <a:solidFill>
+              <a:schemeClr val="accent1">
+                <a:alpha val="65000"/>
+              </a:schemeClr>
+            </a:solidFill>
+            <a:ln>
+              <a:noFill/>
+            </a:ln>
+            <a:effectLst/>
+          </p:spPr>
+          <p:style>
+            <a:lnRef idx="1">
+              <a:schemeClr val="accent1"/>
+            </a:lnRef>
+            <a:fillRef idx="3">
+              <a:schemeClr val="accent1"/>
+            </a:fillRef>
+            <a:effectRef idx="2">
+              <a:schemeClr val="accent1"/>
+            </a:effectRef>
+            <a:fontRef idx="minor">
+              <a:schemeClr val="lt1"/>
+            </a:fontRef>
+          </p:style>
+        </p:sp>
+        <p:sp>
+          <p:nvSpPr>
+            <p:cNvPr id="28" name="Isosceles Triangle 27"/>
+            <p:cNvSpPr/>
+            <p:nvPr/>
+          </p:nvSpPr>
+          <p:spPr>
+            <a:xfrm>
+              <a:off x="10371666" y="3589867"/>
+              <a:ext cx="1817159" cy="3268133"/>
+            </a:xfrm>
+            <a:prstGeom prst="triangle">
+              <a:avLst>
+                <a:gd name="adj" fmla="val 100000"/>
+              </a:avLst>
+            </a:prstGeom>
+            <a:solidFill>
+              <a:schemeClr val="accent1">
+                <a:alpha val="80000"/>
+              </a:schemeClr>
+            </a:solidFill>
+            <a:ln>
+              <a:noFill/>
+            </a:ln>
+            <a:effectLst/>
+          </p:spPr>
+          <p:style>
+            <a:lnRef idx="1">
+              <a:schemeClr val="accent1"/>
+            </a:lnRef>
+            <a:fillRef idx="3">
+              <a:schemeClr val="accent1"/>
+            </a:fillRef>
+            <a:effectRef idx="2">
+              <a:schemeClr val="accent1"/>
+            </a:effectRef>
+            <a:fontRef idx="minor">
+              <a:schemeClr val="lt1"/>
+            </a:fontRef>
+          </p:style>
+        </p:sp>
+        <p:sp>
+          <p:nvSpPr>
+            <p:cNvPr id="29" name="Isosceles Triangle 28"/>
+            <p:cNvSpPr/>
+            <p:nvPr/>
+          </p:nvSpPr>
+          <p:spPr>
+            <a:xfrm>
+              <a:off x="0" y="4013200"/>
+              <a:ext cx="448733" cy="2844800"/>
+            </a:xfrm>
+            <a:prstGeom prst="triangle">
+              <a:avLst>
+                <a:gd name="adj" fmla="val 0"/>
+              </a:avLst>
+            </a:prstGeom>
+            <a:solidFill>
+              <a:schemeClr val="accent1">
+                <a:alpha val="85000"/>
+              </a:schemeClr>
+            </a:solidFill>
+            <a:ln>
+              <a:noFill/>
+            </a:ln>
+            <a:effectLst/>
+          </p:spPr>
+          <p:style>
+            <a:lnRef idx="1">
+              <a:schemeClr val="accent1"/>
+            </a:lnRef>
+            <a:fillRef idx="3">
+              <a:schemeClr val="accent1"/>
+            </a:fillRef>
+            <a:effectRef idx="2">
+              <a:schemeClr val="accent1"/>
+            </a:effectRef>
+            <a:fontRef idx="minor">
+              <a:schemeClr val="lt1"/>
+            </a:fontRef>
+          </p:style>
+        </p:sp>
+      </p:grpSp>
+      <p:sp>
+        <p:nvSpPr>
+          <p:cNvPr id="2" name="Title Placeholder 1"/>
+          <p:cNvSpPr>
+            <a:spLocks noGrp="1"/>
+          </p:cNvSpPr>
+          <p:nvPr>
+            <p:ph type="title"/>
+          </p:nvPr>
+        </p:nvSpPr>
+        <p:spPr>
+          <a:xfrm>
+            <a:off x="508001" y="457200"/>
+            <a:ext cx="6447501" cy="990600"/>
+          </a:xfrm>
+          <a:prstGeom prst="rect">
+            <a:avLst/>
+          </a:prstGeom>
+        </p:spPr>
+        <p:txBody>
+          <a:bodyPr vert="horz" lIns="91440" tIns="45720" rIns="91440" bIns="45720" rtlCol="0" anchor="t">
+            <a:normAutofit/>
+          </a:bodyPr>
+          <a:lstStyle/>
+          <a:p>
+            <a:r>
+              <a:rPr lang="en-US"/>
+              <a:t>Click to edit Master title style</a:t>
+            </a:r>
+            <a:endParaRPr lang="en-US" dirty="0"/>
+          </a:p>
+        </p:txBody>
+      </p:sp>
+      <p:sp>
+        <p:nvSpPr>
+          <p:cNvPr id="3" name="Text Placeholder 2"/>
+          <p:cNvSpPr>
+            <a:spLocks noGrp="1"/>
+          </p:cNvSpPr>
+          <p:nvPr>
+            <p:ph type="body" idx="1"/>
+          </p:nvPr>
+        </p:nvSpPr>
+        <p:spPr>
+          <a:xfrm>
+            <a:off x="508001" y="1620442"/>
+            <a:ext cx="6447501" cy="2910580"/>
+          </a:xfrm>
+          <a:prstGeom prst="rect">
+            <a:avLst/>
+          </a:prstGeom>
+        </p:spPr>
+        <p:txBody>
+          <a:bodyPr vert="horz" lIns="91440" tIns="45720" rIns="91440" bIns="45720" rtlCol="0">
+            <a:normAutofit/>
+          </a:bodyPr>
+          <a:lstStyle/>
+          <a:p>
+            <a:pPr lvl="0"/>
+            <a:r>
+              <a:rPr lang="en-US"/>
+              <a:t>Click to edit Master text styles</a:t>
+            </a:r>
+          </a:p>
+          <a:p>
+            <a:pPr lvl="1"/>
+            <a:r>
+              <a:rPr lang="en-US"/>
+              <a:t>Second level</a:t>
+            </a:r>
+          </a:p>
+          <a:p>
+            <a:pPr lvl="2"/>
+            <a:r>
+              <a:rPr lang="en-US"/>
+              <a:t>Third level</a:t>
+            </a:r>
+          </a:p>
+          <a:p>
+            <a:pPr lvl="3"/>
+            <a:r>
+              <a:rPr lang="en-US"/>
+              <a:t>Fourth level</a:t>
+            </a:r>
+          </a:p>
+          <a:p>
+            <a:pPr lvl="4"/>
+            <a:r>
+              <a:rPr lang="en-US"/>
+              <a:t>Fifth level</a:t>
+            </a:r>
+            <a:endParaRPr lang="en-US" dirty="0"/>
+          </a:p>
+        </p:txBody>
+      </p:sp>
+      <p:sp>
+        <p:nvSpPr>
+          <p:cNvPr id="4" name="Date Placeholder 3"/>
+          <p:cNvSpPr>
+            <a:spLocks noGrp="1"/>
+          </p:cNvSpPr>
+          <p:nvPr>
+            <p:ph type="dt" sz="half" idx="2"/>
+          </p:nvPr>
+        </p:nvSpPr>
+        <p:spPr>
+          <a:xfrm>
+            <a:off x="5403850" y="4531022"/>
+            <a:ext cx="683954" cy="273844"/>
+          </a:xfrm>
+          <a:prstGeom prst="rect">
+            <a:avLst/>
+          </a:prstGeom>
+        </p:spPr>
+        <p:txBody>
+          <a:bodyPr vert="horz" lIns="91440" tIns="45720" rIns="91440" bIns="45720" rtlCol="0" anchor="ctr"/>
+          <a:lstStyle>
+            <a:lvl1pPr algn="r">
+              <a:defRPr sz="675">
+                <a:solidFill>
+                  <a:schemeClr val="tx1">
+                    <a:tint val="75000"/>
+                  </a:schemeClr>
+                </a:solidFill>
+              </a:defRPr>
+            </a:lvl1pPr>
+          </a:lstStyle>
+          <a:p>
+            <a:fld id="{B61BEF0D-F0BB-DE4B-95CE-6DB70DBA9567}" type="datetimeFigureOut">
+              <a:rPr lang="en-US" smtClean="0"/>
+              <a:pPr/>
+              <a:t>9/11/2025</a:t>
+            </a:fld>
+            <a:endParaRPr lang="en-US" dirty="0"/>
+          </a:p>
+        </p:txBody>
+      </p:sp>
+      <p:sp>
+        <p:nvSpPr>
+          <p:cNvPr id="5" name="Footer Placeholder 4"/>
+          <p:cNvSpPr>
+            <a:spLocks noGrp="1"/>
+          </p:cNvSpPr>
+          <p:nvPr>
+            <p:ph type="ftr" sz="quarter" idx="3"/>
+          </p:nvPr>
+        </p:nvSpPr>
+        <p:spPr>
+          <a:xfrm>
+            <a:off x="508001" y="4531022"/>
+            <a:ext cx="4723209" cy="273844"/>
+          </a:xfrm>
+          <a:prstGeom prst="rect">
+            <a:avLst/>
+          </a:prstGeom>
+        </p:spPr>
+        <p:txBody>
+          <a:bodyPr vert="horz" lIns="91440" tIns="45720" rIns="91440" bIns="45720" rtlCol="0" anchor="ctr"/>
+          <a:lstStyle>
+            <a:lvl1pPr algn="l">
+              <a:defRPr sz="675">
+                <a:solidFill>
+                  <a:schemeClr val="tx1">
+                    <a:tint val="75000"/>
+                  </a:schemeClr>
+                </a:solidFill>
+              </a:defRPr>
+            </a:lvl1pPr>
+          </a:lstStyle>
+          <a:p>
+            <a:endParaRPr lang="en-US" dirty="0"/>
+          </a:p>
+        </p:txBody>
+      </p:sp>
+      <p:sp>
+        <p:nvSpPr>
+          <p:cNvPr id="6" name="Slide Number Placeholder 5"/>
+          <p:cNvSpPr>
+            <a:spLocks noGrp="1"/>
+          </p:cNvSpPr>
+          <p:nvPr>
+            <p:ph type="sldNum" sz="quarter" idx="4"/>
+          </p:nvPr>
+        </p:nvSpPr>
+        <p:spPr>
+          <a:xfrm>
+            <a:off x="6442998" y="4531022"/>
+            <a:ext cx="512504" cy="273844"/>
+          </a:xfrm>
+          <a:prstGeom prst="rect">
+            <a:avLst/>
+          </a:prstGeom>
+        </p:spPr>
+        <p:txBody>
+          <a:bodyPr vert="horz" lIns="91440" tIns="45720" rIns="91440" bIns="45720" rtlCol="0" anchor="ctr"/>
+          <a:lstStyle>
+            <a:lvl1pPr algn="r">
+              <a:defRPr sz="675">
+                <a:solidFill>
+                  <a:schemeClr val="accent1"/>
+                </a:solidFill>
+              </a:defRPr>
+            </a:lvl1pPr>
+          </a:lstStyle>
+          <a:p>
+            <a:fld id="{D57F1E4F-1CFF-5643-939E-217C01CDF565}" type="slidenum">
+              <a:rPr lang="en-US" smtClean="0"/>
+              <a:pPr/>
+              <a:t>‹#›</a:t>
+            </a:fld>
+            <a:endParaRPr lang="en-US" dirty="0"/>
+          </a:p>
+        </p:txBody>
+      </p:sp>
+    </p:spTree>
+    <p:extLst>
+      <p:ext uri="{BB962C8B-B14F-4D97-AF65-F5344CB8AC3E}">
+        <p14:creationId xmlns:p14="http://schemas.microsoft.com/office/powerpoint/2010/main" val="3181050601"/>
+      </p:ext>
+    </p:extLst>
   </p:cSld>
   <p:clrMap bg1="lt1" tx1="dk1" bg2="lt2" tx2="dk2" accent1="accent1" accent2="accent2" accent3="accent3" accent4="accent4" accent5="accent5" accent6="accent6" hlink="hlink" folHlink="folHlink"/>
   <p:sldLayoutIdLst>
-    <p:sldLayoutId id="2147483649" r:id="rId1"/>
+    <p:sldLayoutId id="2147483688" r:id="rId1"/>
+    <p:sldLayoutId id="2147483689" r:id="rId2"/>
+    <p:sldLayoutId id="2147483690" r:id="rId3"/>
+    <p:sldLayoutId id="2147483691" r:id="rId4"/>
+    <p:sldLayoutId id="2147483692" r:id="rId5"/>
+    <p:sldLayoutId id="2147483693" r:id="rId6"/>
+    <p:sldLayoutId id="2147483694" r:id="rId7"/>
+    <p:sldLayoutId id="2147483695" r:id="rId8"/>
+    <p:sldLayoutId id="2147483696" r:id="rId9"/>
+    <p:sldLayoutId id="2147483697" r:id="rId10"/>
+    <p:sldLayoutId id="2147483698" r:id="rId11"/>
+    <p:sldLayoutId id="2147483699" r:id="rId12"/>
+    <p:sldLayoutId id="2147483700" r:id="rId13"/>
+    <p:sldLayoutId id="2147483701" r:id="rId14"/>
+    <p:sldLayoutId id="2147483702" r:id="rId15"/>
+    <p:sldLayoutId id="2147483703" r:id="rId16"/>
+    <p:sldLayoutId id="2147483704" r:id="rId17"/>
   </p:sldLayoutIdLst>
   <p:hf sldNum="0" hdr="0" ftr="0" dt="0"/>
   <p:txStyles>
     <p:titleStyle>
-      <a:lvl1pPr algn="ctr" defTabSz="914400" rtl="0" eaLnBrk="1" latinLnBrk="0" hangingPunct="1">
+      <a:lvl1pPr algn="l" defTabSz="342900" rtl="0" eaLnBrk="1" latinLnBrk="0" hangingPunct="1">
         <a:spcBef>
           <a:spcPct val="0"/>
         </a:spcBef>
         <a:buNone/>
-        <a:defRPr sz="4400" kern="1200">
+        <a:defRPr sz="2700" kern="1200">
           <a:solidFill>
-            <a:schemeClr val="tx1"/>
+            <a:schemeClr val="accent1"/>
           </a:solidFill>
           <a:latin typeface="+mj-lt"/>
           <a:ea typeface="+mj-ea"/>
           <a:cs typeface="+mj-cs"/>
         </a:defRPr>
       </a:lvl1pPr>
+      <a:lvl2pPr eaLnBrk="1" hangingPunct="1">
+        <a:defRPr>
+          <a:solidFill>
+            <a:schemeClr val="tx2"/>
+          </a:solidFill>
+        </a:defRPr>
+      </a:lvl2pPr>
+      <a:lvl3pPr eaLnBrk="1" hangingPunct="1">
+        <a:defRPr>
+          <a:solidFill>
+            <a:schemeClr val="tx2"/>
+          </a:solidFill>
+        </a:defRPr>
+      </a:lvl3pPr>
+      <a:lvl4pPr eaLnBrk="1" hangingPunct="1">
+        <a:defRPr>
+          <a:solidFill>
+            <a:schemeClr val="tx2"/>
+          </a:solidFill>
+        </a:defRPr>
+      </a:lvl4pPr>
+      <a:lvl5pPr eaLnBrk="1" hangingPunct="1">
+        <a:defRPr>
+          <a:solidFill>
+            <a:schemeClr val="tx2"/>
+          </a:solidFill>
+        </a:defRPr>
+      </a:lvl5pPr>
+      <a:lvl6pPr eaLnBrk="1" hangingPunct="1">
+        <a:defRPr>
+          <a:solidFill>
+            <a:schemeClr val="tx2"/>
+          </a:solidFill>
+        </a:defRPr>
+      </a:lvl6pPr>
+      <a:lvl7pPr eaLnBrk="1" hangingPunct="1">
+        <a:defRPr>
+          <a:solidFill>
+            <a:schemeClr val="tx2"/>
+          </a:solidFill>
+        </a:defRPr>
+      </a:lvl7pPr>
+      <a:lvl8pPr eaLnBrk="1" hangingPunct="1">
+        <a:defRPr>
+          <a:solidFill>
+            <a:schemeClr val="tx2"/>
+          </a:solidFill>
+        </a:defRPr>
+      </a:lvl8pPr>
+      <a:lvl9pPr eaLnBrk="1" hangingPunct="1">
+        <a:defRPr>
+          <a:solidFill>
+            <a:schemeClr val="tx2"/>
+          </a:solidFill>
+        </a:defRPr>
+      </a:lvl9pPr>
     </p:titleStyle>
     <p:bodyStyle>
-      <a:lvl1pPr marL="342900" indent="-342900" algn="l" defTabSz="914400" rtl="0" eaLnBrk="1" latinLnBrk="0" hangingPunct="1">
+      <a:lvl1pPr marL="257175" indent="-257175" algn="l" defTabSz="342900" rtl="0" eaLnBrk="1" latinLnBrk="0" hangingPunct="1">
         <a:spcBef>
-          <a:spcPct val="20000"/>
+          <a:spcPts val="750"/>
         </a:spcBef>
-        <a:buFont typeface="Arial" pitchFamily="34" charset="0"/>
-        <a:buChar char="•"/>
-        <a:defRPr sz="3200" kern="1200">
+        <a:spcAft>
+          <a:spcPts val="0"/>
+        </a:spcAft>
+        <a:buClr>
+          <a:schemeClr val="accent1"/>
+        </a:buClr>
+        <a:buSzPct val="80000"/>
+        <a:buFont typeface="Wingdings 3" charset="2"/>
+        <a:buChar char=""/>
+        <a:defRPr sz="1350" kern="1200">
           <a:solidFill>
-            <a:schemeClr val="tx1"/>
+            <a:schemeClr val="tx1">
+              <a:lumMod val="75000"/>
+              <a:lumOff val="25000"/>
+            </a:schemeClr>
           </a:solidFill>
           <a:latin typeface="+mn-lt"/>
           <a:ea typeface="+mn-ea"/>
           <a:cs typeface="+mn-cs"/>
         </a:defRPr>
       </a:lvl1pPr>
-      <a:lvl2pPr marL="742950" indent="-285750" algn="l" defTabSz="914400" rtl="0" eaLnBrk="1" latinLnBrk="0" hangingPunct="1">
+      <a:lvl2pPr marL="557213" indent="-214313" algn="l" defTabSz="342900" rtl="0" eaLnBrk="1" latinLnBrk="0" hangingPunct="1">
         <a:spcBef>
-          <a:spcPct val="20000"/>
+          <a:spcPts val="750"/>
         </a:spcBef>
-        <a:buFont typeface="Arial" pitchFamily="34" charset="0"/>
-        <a:buChar char="–"/>
-        <a:defRPr sz="2800" kern="1200">
+        <a:spcAft>
+          <a:spcPts val="0"/>
+        </a:spcAft>
+        <a:buClr>
+          <a:schemeClr val="accent1"/>
+        </a:buClr>
+        <a:buSzPct val="80000"/>
+        <a:buFont typeface="Wingdings 3" charset="2"/>
+        <a:buChar char=""/>
+        <a:defRPr sz="1200" kern="1200">
           <a:solidFill>
-            <a:schemeClr val="tx1"/>
+            <a:schemeClr val="tx1">
+              <a:lumMod val="75000"/>
+              <a:lumOff val="25000"/>
+            </a:schemeClr>
           </a:solidFill>
           <a:latin typeface="+mn-lt"/>
           <a:ea typeface="+mn-ea"/>
           <a:cs typeface="+mn-cs"/>
         </a:defRPr>
       </a:lvl2pPr>
-      <a:lvl3pPr marL="1143000" indent="-228600" algn="l" defTabSz="914400" rtl="0" eaLnBrk="1" latinLnBrk="0" hangingPunct="1">
+      <a:lvl3pPr marL="857250" indent="-171450" algn="l" defTabSz="342900" rtl="0" eaLnBrk="1" latinLnBrk="0" hangingPunct="1">
         <a:spcBef>
-          <a:spcPct val="20000"/>
+          <a:spcPts val="750"/>
         </a:spcBef>
-        <a:buFont typeface="Arial" pitchFamily="34" charset="0"/>
-        <a:buChar char="•"/>
-        <a:defRPr sz="2400" kern="1200">
+        <a:spcAft>
+          <a:spcPts val="0"/>
+        </a:spcAft>
+        <a:buClr>
+          <a:schemeClr val="accent1"/>
+        </a:buClr>
+        <a:buSzPct val="80000"/>
+        <a:buFont typeface="Wingdings 3" charset="2"/>
+        <a:buChar char=""/>
+        <a:defRPr sz="1050" kern="1200">
           <a:solidFill>
-            <a:schemeClr val="tx1"/>
+            <a:schemeClr val="tx1">
+              <a:lumMod val="75000"/>
+              <a:lumOff val="25000"/>
+            </a:schemeClr>
           </a:solidFill>
           <a:latin typeface="+mn-lt"/>
           <a:ea typeface="+mn-ea"/>
           <a:cs typeface="+mn-cs"/>
         </a:defRPr>
       </a:lvl3pPr>
-      <a:lvl4pPr marL="1600200" indent="-228600" algn="l" defTabSz="914400" rtl="0" eaLnBrk="1" latinLnBrk="0" hangingPunct="1">
+      <a:lvl4pPr marL="1200150" indent="-171450" algn="l" defTabSz="342900" rtl="0" eaLnBrk="1" latinLnBrk="0" hangingPunct="1">
         <a:spcBef>
-          <a:spcPct val="20000"/>
+          <a:spcPts val="750"/>
         </a:spcBef>
-        <a:buFont typeface="Arial" pitchFamily="34" charset="0"/>
-        <a:buChar char="–"/>
-        <a:defRPr sz="2000" kern="1200">
+        <a:spcAft>
+          <a:spcPts val="0"/>
+        </a:spcAft>
+        <a:buClr>
+          <a:schemeClr val="accent1"/>
+        </a:buClr>
+        <a:buSzPct val="80000"/>
+        <a:buFont typeface="Wingdings 3" charset="2"/>
+        <a:buChar char=""/>
+        <a:defRPr sz="900" kern="1200">
           <a:solidFill>
-            <a:schemeClr val="tx1"/>
+            <a:schemeClr val="tx1">
+              <a:lumMod val="75000"/>
+              <a:lumOff val="25000"/>
+            </a:schemeClr>
           </a:solidFill>
           <a:latin typeface="+mn-lt"/>
           <a:ea typeface="+mn-ea"/>
           <a:cs typeface="+mn-cs"/>
         </a:defRPr>
       </a:lvl4pPr>
-      <a:lvl5pPr marL="2057400" indent="-228600" algn="l" defTabSz="914400" rtl="0" eaLnBrk="1" latinLnBrk="0" hangingPunct="1">
+      <a:lvl5pPr marL="1543050" indent="-171450" algn="l" defTabSz="342900" rtl="0" eaLnBrk="1" latinLnBrk="0" hangingPunct="1">
         <a:spcBef>
-          <a:spcPct val="20000"/>
+          <a:spcPts val="750"/>
         </a:spcBef>
-        <a:buFont typeface="Arial" pitchFamily="34" charset="0"/>
-        <a:buChar char="»"/>
-        <a:defRPr sz="2000" kern="1200">
+        <a:spcAft>
+          <a:spcPts val="0"/>
+        </a:spcAft>
+        <a:buClr>
+          <a:schemeClr val="accent1"/>
+        </a:buClr>
+        <a:buSzPct val="80000"/>
+        <a:buFont typeface="Wingdings 3" charset="2"/>
+        <a:buChar char=""/>
+        <a:defRPr sz="900" kern="1200">
           <a:solidFill>
-            <a:schemeClr val="tx1"/>
+            <a:schemeClr val="tx1">
+              <a:lumMod val="75000"/>
+              <a:lumOff val="25000"/>
+            </a:schemeClr>
           </a:solidFill>
           <a:latin typeface="+mn-lt"/>
           <a:ea typeface="+mn-ea"/>
           <a:cs typeface="+mn-cs"/>
         </a:defRPr>
       </a:lvl5pPr>
-      <a:lvl6pPr marL="2514600" indent="-228600" algn="l" defTabSz="914400" rtl="0" eaLnBrk="1" latinLnBrk="0" hangingPunct="1">
+      <a:lvl6pPr marL="1885950" indent="-171450" algn="l" defTabSz="342900" rtl="0" eaLnBrk="1" latinLnBrk="0" hangingPunct="1">
         <a:spcBef>
-          <a:spcPct val="20000"/>
+          <a:spcPts val="750"/>
         </a:spcBef>
-        <a:buFont typeface="Arial" pitchFamily="34" charset="0"/>
-        <a:buChar char="•"/>
-        <a:defRPr sz="2000" kern="1200">
+        <a:spcAft>
+          <a:spcPts val="0"/>
+        </a:spcAft>
+        <a:buClr>
+          <a:schemeClr val="accent1"/>
+        </a:buClr>
+        <a:buSzPct val="80000"/>
+        <a:buFont typeface="Wingdings 3" charset="2"/>
+        <a:buChar char=""/>
+        <a:defRPr sz="900" kern="1200">
           <a:solidFill>
-            <a:schemeClr val="tx1"/>
+            <a:schemeClr val="tx1">
+              <a:lumMod val="75000"/>
+              <a:lumOff val="25000"/>
+            </a:schemeClr>
           </a:solidFill>
           <a:latin typeface="+mn-lt"/>
           <a:ea typeface="+mn-ea"/>
           <a:cs typeface="+mn-cs"/>
         </a:defRPr>
       </a:lvl6pPr>
-      <a:lvl7pPr marL="2971800" indent="-228600" algn="l" defTabSz="914400" rtl="0" eaLnBrk="1" latinLnBrk="0" hangingPunct="1">
+      <a:lvl7pPr marL="2228850" indent="-171450" algn="l" defTabSz="342900" rtl="0" eaLnBrk="1" latinLnBrk="0" hangingPunct="1">
         <a:spcBef>
-          <a:spcPct val="20000"/>
+          <a:spcPts val="750"/>
         </a:spcBef>
-        <a:buFont typeface="Arial" pitchFamily="34" charset="0"/>
-        <a:buChar char="•"/>
-        <a:defRPr sz="2000" kern="1200">
+        <a:spcAft>
+          <a:spcPts val="0"/>
+        </a:spcAft>
+        <a:buClr>
+          <a:schemeClr val="accent1"/>
+        </a:buClr>
+        <a:buSzPct val="80000"/>
+        <a:buFont typeface="Wingdings 3" charset="2"/>
+        <a:buChar char=""/>
+        <a:defRPr sz="900" kern="1200">
           <a:solidFill>
-            <a:schemeClr val="tx1"/>
+            <a:schemeClr val="tx1">
+              <a:lumMod val="75000"/>
+              <a:lumOff val="25000"/>
+            </a:schemeClr>
           </a:solidFill>
           <a:latin typeface="+mn-lt"/>
           <a:ea typeface="+mn-ea"/>
           <a:cs typeface="+mn-cs"/>
         </a:defRPr>
       </a:lvl7pPr>
-      <a:lvl8pPr marL="3429000" indent="-228600" algn="l" defTabSz="914400" rtl="0" eaLnBrk="1" latinLnBrk="0" hangingPunct="1">
+      <a:lvl8pPr marL="2571750" indent="-171450" algn="l" defTabSz="342900" rtl="0" eaLnBrk="1" latinLnBrk="0" hangingPunct="1">
         <a:spcBef>
-          <a:spcPct val="20000"/>
+          <a:spcPts val="750"/>
         </a:spcBef>
-        <a:buFont typeface="Arial" pitchFamily="34" charset="0"/>
-        <a:buChar char="•"/>
-        <a:defRPr sz="2000" kern="1200">
+        <a:spcAft>
+          <a:spcPts val="0"/>
+        </a:spcAft>
+        <a:buClr>
+          <a:schemeClr val="accent1"/>
+        </a:buClr>
+        <a:buSzPct val="80000"/>
+        <a:buFont typeface="Wingdings 3" charset="2"/>
+        <a:buChar char=""/>
+        <a:defRPr sz="900" kern="1200">
           <a:solidFill>
-            <a:schemeClr val="tx1"/>
+            <a:schemeClr val="tx1">
+              <a:lumMod val="75000"/>
+              <a:lumOff val="25000"/>
+            </a:schemeClr>
           </a:solidFill>
           <a:latin typeface="+mn-lt"/>
           <a:ea typeface="+mn-ea"/>
           <a:cs typeface="+mn-cs"/>
         </a:defRPr>
       </a:lvl8pPr>
-      <a:lvl9pPr marL="3886200" indent="-228600" algn="l" defTabSz="914400" rtl="0" eaLnBrk="1" latinLnBrk="0" hangingPunct="1">
+      <a:lvl9pPr marL="2914650" indent="-171450" algn="l" defTabSz="342900" rtl="0" eaLnBrk="1" latinLnBrk="0" hangingPunct="1">
         <a:spcBef>
-          <a:spcPct val="20000"/>
+          <a:spcPts val="750"/>
         </a:spcBef>
-        <a:buFont typeface="Arial" pitchFamily="34" charset="0"/>
-        <a:buChar char="•"/>
-        <a:defRPr sz="2000" kern="1200">
+        <a:spcAft>
+          <a:spcPts val="0"/>
+        </a:spcAft>
+        <a:buClr>
+          <a:schemeClr val="accent1"/>
+        </a:buClr>
+        <a:buSzPct val="80000"/>
+        <a:buFont typeface="Wingdings 3" charset="2"/>
+        <a:buChar char=""/>
+        <a:defRPr sz="900" kern="1200">
           <a:solidFill>
-            <a:schemeClr val="tx1"/>
+            <a:schemeClr val="tx1">
+              <a:lumMod val="75000"/>
+              <a:lumOff val="25000"/>
+            </a:schemeClr>
           </a:solidFill>
           <a:latin typeface="+mn-lt"/>
           <a:ea typeface="+mn-ea"/>
@@ -1290,8 +6450,8 @@
       <a:defPPr>
         <a:defRPr lang="en-US"/>
       </a:defPPr>
-      <a:lvl1pPr marL="0" algn="l" defTabSz="914400" rtl="0" eaLnBrk="1" latinLnBrk="0" hangingPunct="1">
-        <a:defRPr sz="1800" kern="1200">
+      <a:lvl1pPr marL="0" algn="l" defTabSz="342900" rtl="0" eaLnBrk="1" latinLnBrk="0" hangingPunct="1">
+        <a:defRPr sz="1350" kern="1200">
           <a:solidFill>
             <a:schemeClr val="tx1"/>
           </a:solidFill>
@@ -1300,8 +6460,8 @@
           <a:cs typeface="+mn-cs"/>
         </a:defRPr>
       </a:lvl1pPr>
-      <a:lvl2pPr marL="457200" algn="l" defTabSz="914400" rtl="0" eaLnBrk="1" latinLnBrk="0" hangingPunct="1">
-        <a:defRPr sz="1800" kern="1200">
+      <a:lvl2pPr marL="342900" algn="l" defTabSz="342900" rtl="0" eaLnBrk="1" latinLnBrk="0" hangingPunct="1">
+        <a:defRPr sz="1350" kern="1200">
           <a:solidFill>
             <a:schemeClr val="tx1"/>
           </a:solidFill>
@@ -1310,8 +6470,8 @@
           <a:cs typeface="+mn-cs"/>
         </a:defRPr>
       </a:lvl2pPr>
-      <a:lvl3pPr marL="914400" algn="l" defTabSz="914400" rtl="0" eaLnBrk="1" latinLnBrk="0" hangingPunct="1">
-        <a:defRPr sz="1800" kern="1200">
+      <a:lvl3pPr marL="685800" algn="l" defTabSz="342900" rtl="0" eaLnBrk="1" latinLnBrk="0" hangingPunct="1">
+        <a:defRPr sz="1350" kern="1200">
           <a:solidFill>
             <a:schemeClr val="tx1"/>
           </a:solidFill>
@@ -1320,8 +6480,8 @@
           <a:cs typeface="+mn-cs"/>
         </a:defRPr>
       </a:lvl3pPr>
-      <a:lvl4pPr marL="1371600" algn="l" defTabSz="914400" rtl="0" eaLnBrk="1" latinLnBrk="0" hangingPunct="1">
-        <a:defRPr sz="1800" kern="1200">
+      <a:lvl4pPr marL="1028700" algn="l" defTabSz="342900" rtl="0" eaLnBrk="1" latinLnBrk="0" hangingPunct="1">
+        <a:defRPr sz="1350" kern="1200">
           <a:solidFill>
             <a:schemeClr val="tx1"/>
           </a:solidFill>
@@ -1330,8 +6490,8 @@
           <a:cs typeface="+mn-cs"/>
         </a:defRPr>
       </a:lvl4pPr>
-      <a:lvl5pPr marL="1828800" algn="l" defTabSz="914400" rtl="0" eaLnBrk="1" latinLnBrk="0" hangingPunct="1">
-        <a:defRPr sz="1800" kern="1200">
+      <a:lvl5pPr marL="1371600" algn="l" defTabSz="342900" rtl="0" eaLnBrk="1" latinLnBrk="0" hangingPunct="1">
+        <a:defRPr sz="1350" kern="1200">
           <a:solidFill>
             <a:schemeClr val="tx1"/>
           </a:solidFill>
@@ -1340,8 +6500,8 @@
           <a:cs typeface="+mn-cs"/>
         </a:defRPr>
       </a:lvl5pPr>
-      <a:lvl6pPr marL="2286000" algn="l" defTabSz="914400" rtl="0" eaLnBrk="1" latinLnBrk="0" hangingPunct="1">
-        <a:defRPr sz="1800" kern="1200">
+      <a:lvl6pPr marL="1714500" algn="l" defTabSz="342900" rtl="0" eaLnBrk="1" latinLnBrk="0" hangingPunct="1">
+        <a:defRPr sz="1350" kern="1200">
           <a:solidFill>
             <a:schemeClr val="tx1"/>
           </a:solidFill>
@@ -1350,8 +6510,8 @@
           <a:cs typeface="+mn-cs"/>
         </a:defRPr>
       </a:lvl6pPr>
-      <a:lvl7pPr marL="2743200" algn="l" defTabSz="914400" rtl="0" eaLnBrk="1" latinLnBrk="0" hangingPunct="1">
-        <a:defRPr sz="1800" kern="1200">
+      <a:lvl7pPr marL="2057400" algn="l" defTabSz="342900" rtl="0" eaLnBrk="1" latinLnBrk="0" hangingPunct="1">
+        <a:defRPr sz="1350" kern="1200">
           <a:solidFill>
             <a:schemeClr val="tx1"/>
           </a:solidFill>
@@ -1360,8 +6520,8 @@
           <a:cs typeface="+mn-cs"/>
         </a:defRPr>
       </a:lvl7pPr>
-      <a:lvl8pPr marL="3200400" algn="l" defTabSz="914400" rtl="0" eaLnBrk="1" latinLnBrk="0" hangingPunct="1">
-        <a:defRPr sz="1800" kern="1200">
+      <a:lvl8pPr marL="2400300" algn="l" defTabSz="342900" rtl="0" eaLnBrk="1" latinLnBrk="0" hangingPunct="1">
+        <a:defRPr sz="1350" kern="1200">
           <a:solidFill>
             <a:schemeClr val="tx1"/>
           </a:solidFill>
@@ -1370,8 +6530,8 @@
           <a:cs typeface="+mn-cs"/>
         </a:defRPr>
       </a:lvl8pPr>
-      <a:lvl9pPr marL="3657600" algn="l" defTabSz="914400" rtl="0" eaLnBrk="1" latinLnBrk="0" hangingPunct="1">
-        <a:defRPr sz="1800" kern="1200">
+      <a:lvl9pPr marL="2743200" algn="l" defTabSz="342900" rtl="0" eaLnBrk="1" latinLnBrk="0" hangingPunct="1">
+        <a:defRPr sz="1350" kern="1200">
           <a:solidFill>
             <a:schemeClr val="tx1"/>
           </a:solidFill>
@@ -1393,6 +6553,7 @@
         <a:solidFill>
           <a:srgbClr val="FFFFFF"/>
         </a:solidFill>
+        <a:effectLst/>
       </p:bgPr>
     </p:bg>
     <p:spTree>
@@ -1449,7 +6610,7 @@
       <p:sp>
         <p:nvSpPr>
           <p:cNvPr id="3" name="Text 1">
-            <a:hlinkClick r:id="rId1" tooltip=""/>
+            <a:hlinkClick r:id="rId3"/>
           </p:cNvPr>
           <p:cNvSpPr/>
           <p:nvPr/>
@@ -1470,24 +6631,6 @@
           <a:lstStyle/>
           <a:p>
             <a:pPr algn="ctr"/>
-            <a:r>
-              <a:rPr lang="en-US" sz="1000" b="0" u="sng" dirty="0">
-                <a:solidFill>
-                  <a:srgbClr val="357EC7"/>
-                </a:solidFill>
-                <a:latin typeface="Optima" pitchFamily="34" charset="0"/>
-                <a:ea typeface="Optima" pitchFamily="34" charset="-122"/>
-                <a:cs typeface="Optima" pitchFamily="34" charset="-120"/>
-                <a:hlinkClick r:id="rId1" invalidUrl="" action="" tgtFrame="" tooltip="" history="1" highlightClick="0" endSnd="0">
-                  <a:extLst>
-                    <a:ext uri="{A12FA001-AC4F-418D-AE19-62706E023703}">
-                      <ahyp:hlinkClr xmlns:ahyp="http://schemas.microsoft.com/office/drawing/2018/hyperlinkcolor" val="tx"/>
-                    </a:ext>
-                  </a:extLst>
-                </a:hlinkClick>
-              </a:rPr>
-              <a:t>SlideMake.com</a:t>
-            </a:r>
             <a:endParaRPr lang="en-US" sz="1000" dirty="0"/>
           </a:p>
         </p:txBody>
@@ -1508,6 +6651,7 @@
         <a:solidFill>
           <a:srgbClr val="FFFFFF"/>
         </a:solidFill>
+        <a:effectLst/>
       </p:bgPr>
     </p:bg>
     <p:spTree>
@@ -1526,14 +6670,14 @@
       </p:grpSpPr>
       <p:pic>
         <p:nvPicPr>
-          <p:cNvPr id="2" name="Image 0" descr="https://search-letsfade-com.herokuapp.com/proxy?url=https://www.askpython.com/wp-content/uploads/2019/07/python-try-except-else-finally-block.png">    </p:cNvPr>
+          <p:cNvPr id="2" name="Image 0" descr="https://search-letsfade-com.herokuapp.com/proxy?url=https://www.askpython.com/wp-content/uploads/2019/07/python-try-except-else-finally-block.png"/>
           <p:cNvPicPr>
             <a:picLocks noChangeAspect="1"/>
           </p:cNvPicPr>
           <p:nvPr/>
         </p:nvPicPr>
         <p:blipFill>
-          <a:blip r:embed="rId1"/>
+          <a:blip r:embed="rId3"/>
           <a:stretch>
             <a:fillRect/>
           </a:stretch>
@@ -1670,6 +6814,7 @@
         <a:solidFill>
           <a:srgbClr val="FFFFFF"/>
         </a:solidFill>
+        <a:effectLst/>
       </p:bgPr>
     </p:bg>
     <p:spTree>
@@ -1688,14 +6833,14 @@
       </p:grpSpPr>
       <p:pic>
         <p:nvPicPr>
-          <p:cNvPr id="2" name="Image 0" descr="https://search-letsfade-com.herokuapp.com/proxy?url=https://pythononline.ru/wp-content/uploads/2020/09/img-58.png">    </p:cNvPr>
+          <p:cNvPr id="2" name="Image 0" descr="https://search-letsfade-com.herokuapp.com/proxy?url=https://pythononline.ru/wp-content/uploads/2020/09/img-58.png"/>
           <p:cNvPicPr>
             <a:picLocks noChangeAspect="1"/>
           </p:cNvPicPr>
           <p:nvPr/>
         </p:nvPicPr>
         <p:blipFill>
-          <a:blip r:embed="rId1"/>
+          <a:blip r:embed="rId3"/>
           <a:stretch>
             <a:fillRect/>
           </a:stretch>
@@ -1832,6 +6977,7 @@
         <a:solidFill>
           <a:srgbClr val="FFFFFF"/>
         </a:solidFill>
+        <a:effectLst/>
       </p:bgPr>
     </p:bg>
     <p:spTree>
@@ -1850,14 +6996,14 @@
       </p:grpSpPr>
       <p:pic>
         <p:nvPicPr>
-          <p:cNvPr id="2" name="Image 0" descr="https://search-letsfade-com.herokuapp.com/proxy?url=https://www.scientecheasy.com/wp-content/uploads/2023/12/python-try-except-block.png">    </p:cNvPr>
+          <p:cNvPr id="2" name="Image 0" descr="https://search-letsfade-com.herokuapp.com/proxy?url=https://www.scientecheasy.com/wp-content/uploads/2023/12/python-try-except-block.png"/>
           <p:cNvPicPr>
             <a:picLocks noChangeAspect="1"/>
           </p:cNvPicPr>
           <p:nvPr/>
         </p:nvPicPr>
         <p:blipFill>
-          <a:blip r:embed="rId1"/>
+          <a:blip r:embed="rId3"/>
           <a:stretch>
             <a:fillRect/>
           </a:stretch>
@@ -1994,6 +7140,7 @@
         <a:solidFill>
           <a:srgbClr val="FFFFFF"/>
         </a:solidFill>
+        <a:effectLst/>
       </p:bgPr>
     </p:bg>
     <p:spTree>
@@ -2012,14 +7159,14 @@
       </p:grpSpPr>
       <p:pic>
         <p:nvPicPr>
-          <p:cNvPr id="2" name="Image 0" descr="https://search-letsfade-com.herokuapp.com/proxy?url=https://notesformsc.org/wp-content/uploads/2019/12/Nested-Try-Catch-Finally.png">    </p:cNvPr>
+          <p:cNvPr id="2" name="Image 0" descr="https://search-letsfade-com.herokuapp.com/proxy?url=https://notesformsc.org/wp-content/uploads/2019/12/Nested-Try-Catch-Finally.png"/>
           <p:cNvPicPr>
             <a:picLocks noChangeAspect="1"/>
           </p:cNvPicPr>
           <p:nvPr/>
         </p:nvPicPr>
         <p:blipFill>
-          <a:blip r:embed="rId1"/>
+          <a:blip r:embed="rId3"/>
           <a:stretch>
             <a:fillRect/>
           </a:stretch>
@@ -2156,6 +7303,7 @@
         <a:solidFill>
           <a:srgbClr val="FFFFFF"/>
         </a:solidFill>
+        <a:effectLst/>
       </p:bgPr>
     </p:bg>
     <p:spTree>
@@ -2174,14 +7322,14 @@
       </p:grpSpPr>
       <p:pic>
         <p:nvPicPr>
-          <p:cNvPr id="2" name="Image 0" descr="https://search-letsfade-com.herokuapp.com/proxy?url=https://i.ytimg.com/vi/nOjjUGt-CKo/maxresdefault.jpg">    </p:cNvPr>
+          <p:cNvPr id="2" name="Image 0" descr="https://search-letsfade-com.herokuapp.com/proxy?url=https://i.ytimg.com/vi/nOjjUGt-CKo/maxresdefault.jpg"/>
           <p:cNvPicPr>
             <a:picLocks noChangeAspect="1"/>
           </p:cNvPicPr>
           <p:nvPr/>
         </p:nvPicPr>
         <p:blipFill>
-          <a:blip r:embed="rId1"/>
+          <a:blip r:embed="rId3"/>
           <a:stretch>
             <a:fillRect/>
           </a:stretch>
@@ -2310,145 +7458,264 @@
 </p:sld>
 </file>
 
-<file path=ppt/slides/slide7.xml><?xml version="1.0" encoding="utf-8"?>
-<p:sld xmlns:a="http://schemas.openxmlformats.org/drawingml/2006/main" xmlns:r="http://schemas.openxmlformats.org/officeDocument/2006/relationships" xmlns:p="http://schemas.openxmlformats.org/presentationml/2006/main">
-  <p:cSld name="Slide 7">
-    <p:bg>
-      <p:bgPr>
+<file path=ppt/theme/theme1.xml><?xml version="1.0" encoding="utf-8"?>
+<a:theme xmlns:a="http://schemas.openxmlformats.org/drawingml/2006/main" name="Facet">
+  <a:themeElements>
+    <a:clrScheme name="Facet">
+      <a:dk1>
+        <a:sysClr val="windowText" lastClr="000000"/>
+      </a:dk1>
+      <a:lt1>
+        <a:sysClr val="window" lastClr="FFFFFF"/>
+      </a:lt1>
+      <a:dk2>
+        <a:srgbClr val="2C3C43"/>
+      </a:dk2>
+      <a:lt2>
+        <a:srgbClr val="EBEBEB"/>
+      </a:lt2>
+      <a:accent1>
+        <a:srgbClr val="90C226"/>
+      </a:accent1>
+      <a:accent2>
+        <a:srgbClr val="54A021"/>
+      </a:accent2>
+      <a:accent3>
+        <a:srgbClr val="E6B91E"/>
+      </a:accent3>
+      <a:accent4>
+        <a:srgbClr val="E76618"/>
+      </a:accent4>
+      <a:accent5>
+        <a:srgbClr val="C42F1A"/>
+      </a:accent5>
+      <a:accent6>
+        <a:srgbClr val="918655"/>
+      </a:accent6>
+      <a:hlink>
+        <a:srgbClr val="99CA3C"/>
+      </a:hlink>
+      <a:folHlink>
+        <a:srgbClr val="B9D181"/>
+      </a:folHlink>
+    </a:clrScheme>
+    <a:fontScheme name="Facet">
+      <a:majorFont>
+        <a:latin typeface="Trebuchet MS" panose="020B0603020202020204"/>
+        <a:ea typeface=""/>
+        <a:cs typeface=""/>
+        <a:font script="Jpan" typeface="メイリオ"/>
+        <a:font script="Hang" typeface="맑은 고딕"/>
+        <a:font script="Hans" typeface="方正姚体"/>
+        <a:font script="Hant" typeface="微軟正黑體"/>
+        <a:font script="Arab" typeface="Tahoma"/>
+        <a:font script="Hebr" typeface="Arial"/>
+        <a:font script="Thai" typeface="Cordia New"/>
+        <a:font script="Ethi" typeface="Nyala"/>
+        <a:font script="Beng" typeface="Vrinda"/>
+        <a:font script="Gujr" typeface="Shruti"/>
+        <a:font script="Khmr" typeface="DaunPenh"/>
+        <a:font script="Knda" typeface="Tunga"/>
+        <a:font script="Guru" typeface="Raavi"/>
+        <a:font script="Cans" typeface="Euphemia"/>
+        <a:font script="Cher" typeface="Plantagenet Cherokee"/>
+        <a:font script="Yiii" typeface="Microsoft Yi Baiti"/>
+        <a:font script="Tibt" typeface="Microsoft Himalaya"/>
+        <a:font script="Thaa" typeface="MV Boli"/>
+        <a:font script="Deva" typeface="Mangal"/>
+        <a:font script="Telu" typeface="Gautami"/>
+        <a:font script="Taml" typeface="Latha"/>
+        <a:font script="Syrc" typeface="Estrangelo Edessa"/>
+        <a:font script="Orya" typeface="Kalinga"/>
+        <a:font script="Mlym" typeface="Kartika"/>
+        <a:font script="Laoo" typeface="DokChampa"/>
+        <a:font script="Sinh" typeface="Iskoola Pota"/>
+        <a:font script="Mong" typeface="Mongolian Baiti"/>
+        <a:font script="Viet" typeface="Tahoma"/>
+        <a:font script="Uigh" typeface="Microsoft Uighur"/>
+        <a:font script="Geor" typeface="Sylfaen"/>
+      </a:majorFont>
+      <a:minorFont>
+        <a:latin typeface="Trebuchet MS" panose="020B0603020202020204"/>
+        <a:ea typeface=""/>
+        <a:cs typeface=""/>
+        <a:font script="Jpan" typeface="メイリオ"/>
+        <a:font script="Hang" typeface="HY그래픽M"/>
+        <a:font script="Hans" typeface="华文新魏"/>
+        <a:font script="Hant" typeface="微軟正黑體"/>
+        <a:font script="Arab" typeface="Tahoma"/>
+        <a:font script="Hebr" typeface="Gisha"/>
+        <a:font script="Thai" typeface="IrisUPC"/>
+        <a:font script="Ethi" typeface="Nyala"/>
+        <a:font script="Beng" typeface="Vrinda"/>
+        <a:font script="Gujr" typeface="Shruti"/>
+        <a:font script="Khmr" typeface="DaunPenh"/>
+        <a:font script="Knda" typeface="Tunga"/>
+        <a:font script="Guru" typeface="Raavi"/>
+        <a:font script="Cans" typeface="Euphemia"/>
+        <a:font script="Cher" typeface="Plantagenet Cherokee"/>
+        <a:font script="Yiii" typeface="Microsoft Yi Baiti"/>
+        <a:font script="Tibt" typeface="Microsoft Himalaya"/>
+        <a:font script="Thaa" typeface="MV Boli"/>
+        <a:font script="Deva" typeface="Mangal"/>
+        <a:font script="Telu" typeface="Gautami"/>
+        <a:font script="Taml" typeface="Latha"/>
+        <a:font script="Syrc" typeface="Estrangelo Edessa"/>
+        <a:font script="Orya" typeface="Kalinga"/>
+        <a:font script="Mlym" typeface="Kartika"/>
+        <a:font script="Laoo" typeface="DokChampa"/>
+        <a:font script="Sinh" typeface="Iskoola Pota"/>
+        <a:font script="Mong" typeface="Mongolian Baiti"/>
+        <a:font script="Viet" typeface="Arial"/>
+        <a:font script="Uigh" typeface="Microsoft Uighur"/>
+        <a:font script="Geor" typeface="Sylfaen"/>
+      </a:minorFont>
+    </a:fontScheme>
+    <a:fmtScheme name="Facet">
+      <a:fillStyleLst>
         <a:solidFill>
-          <a:srgbClr val="FFFFFF"/>
+          <a:schemeClr val="phClr"/>
         </a:solidFill>
-      </p:bgPr>
-    </p:bg>
-    <p:spTree>
-      <p:nvGrpSpPr>
-        <p:cNvPr id="1" name=""/>
-        <p:cNvGrpSpPr/>
-        <p:nvPr/>
-      </p:nvGrpSpPr>
-      <p:grpSpPr>
-        <a:xfrm>
-          <a:off x="0" y="0"/>
-          <a:ext cx="0" cy="0"/>
-          <a:chOff x="0" y="0"/>
-          <a:chExt cx="0" cy="0"/>
-        </a:xfrm>
-      </p:grpSpPr>
-      <p:sp>
-        <p:nvSpPr>
-          <p:cNvPr id="2" name="Text 0"/>
-          <p:cNvSpPr/>
-          <p:nvPr/>
-        </p:nvSpPr>
-        <p:spPr>
-          <a:xfrm>
-            <a:off x="457200" y="228600"/>
-            <a:ext cx="8229600" cy="822960"/>
-          </a:xfrm>
-          <a:prstGeom prst="rect">
-            <a:avLst/>
-          </a:prstGeom>
-          <a:noFill/>
-          <a:ln/>
-        </p:spPr>
-        <p:txBody>
-          <a:bodyPr wrap="square" rtlCol="0" anchor="ctr"/>
-          <a:lstStyle/>
-          <a:p>
-            <a:r>
-              <a:rPr lang="en-US" sz="2400" b="1" dirty="0">
-                <a:solidFill>
-                  <a:srgbClr val="000000"/>
-                </a:solidFill>
-                <a:latin typeface="Optima" pitchFamily="34" charset="0"/>
-                <a:ea typeface="Optima" pitchFamily="34" charset="-122"/>
-                <a:cs typeface="Optima" pitchFamily="34" charset="-120"/>
-              </a:rPr>
-              <a:t>References</a:t>
-            </a:r>
-            <a:endParaRPr lang="en-US" sz="2400" dirty="0"/>
-          </a:p>
-        </p:txBody>
-      </p:sp>
-      <p:sp>
-        <p:nvSpPr>
-          <p:cNvPr id="3" name="Text 1"/>
-          <p:cNvSpPr/>
-          <p:nvPr/>
-        </p:nvSpPr>
-        <p:spPr>
-          <a:xfrm>
-            <a:off x="457200" y="1143000"/>
-            <a:ext cx="4114800" cy="3200400"/>
-          </a:xfrm>
-          <a:prstGeom prst="rect">
-            <a:avLst/>
-          </a:prstGeom>
-          <a:noFill/>
-          <a:ln/>
-        </p:spPr>
-        <p:txBody>
-          <a:bodyPr wrap="square" rtlCol="0" anchor="t"/>
-          <a:lstStyle/>
-          <a:p>
-            <a:r>
-              <a:rPr lang="en-US" sz="1600" dirty="0">
-                <a:solidFill>
-                  <a:srgbClr val="000000"/>
-                </a:solidFill>
-                <a:latin typeface="Optima" pitchFamily="34" charset="0"/>
-                <a:ea typeface="Optima" pitchFamily="34" charset="-122"/>
-                <a:cs typeface="Optima" pitchFamily="34" charset="-120"/>
-              </a:rPr>
-              <a:t>Python Official Documentation on Exception Handling: https://docs.python.org/3/tutorial/errors.html</a:t>
-            </a:r>
-            <a:endParaRPr lang="en-US" sz="1600" dirty="0"/>
-          </a:p>
-          <a:p>
-            <a:endParaRPr lang="en-US" sz="1600" dirty="0"/>
-          </a:p>
-          <a:p>
-            <a:r>
-              <a:rPr lang="en-US" sz="1600" dirty="0">
-                <a:solidFill>
-                  <a:srgbClr val="000000"/>
-                </a:solidFill>
-                <a:latin typeface="Optima" pitchFamily="34" charset="0"/>
-                <a:ea typeface="Optima" pitchFamily="34" charset="-122"/>
-                <a:cs typeface="Optima" pitchFamily="34" charset="-120"/>
-              </a:rPr>
-              <a:t>Real Python Guide on Try and Except: https://realpython.com/python-exceptions/</a:t>
-            </a:r>
-            <a:endParaRPr lang="en-US" sz="1600" dirty="0"/>
-          </a:p>
-          <a:p>
-            <a:endParaRPr lang="en-US" sz="1600" dirty="0"/>
-          </a:p>
-          <a:p>
-            <a:r>
-              <a:rPr lang="en-US" sz="1600" dirty="0">
-                <a:solidFill>
-                  <a:srgbClr val="000000"/>
-                </a:solidFill>
-                <a:latin typeface="Optima" pitchFamily="34" charset="0"/>
-                <a:ea typeface="Optima" pitchFamily="34" charset="-122"/>
-                <a:cs typeface="Optima" pitchFamily="34" charset="-120"/>
-              </a:rPr>
-              <a:t>Effective Python: 59 Specific Ways to Write Better Python by Brett Slatkin</a:t>
-            </a:r>
-            <a:endParaRPr lang="en-US" sz="1600" dirty="0"/>
-          </a:p>
-        </p:txBody>
-      </p:sp>
-    </p:spTree>
-  </p:cSld>
-  <p:clrMapOvr>
-    <a:masterClrMapping/>
-  </p:clrMapOvr>
-</p:sld>
+        <a:gradFill rotWithShape="1">
+          <a:gsLst>
+            <a:gs pos="0">
+              <a:schemeClr val="phClr">
+                <a:tint val="65000"/>
+                <a:lumMod val="110000"/>
+              </a:schemeClr>
+            </a:gs>
+            <a:gs pos="88000">
+              <a:schemeClr val="phClr">
+                <a:tint val="90000"/>
+              </a:schemeClr>
+            </a:gs>
+          </a:gsLst>
+          <a:lin ang="5400000" scaled="0"/>
+        </a:gradFill>
+        <a:gradFill rotWithShape="1">
+          <a:gsLst>
+            <a:gs pos="0">
+              <a:schemeClr val="phClr">
+                <a:tint val="96000"/>
+                <a:lumMod val="100000"/>
+              </a:schemeClr>
+            </a:gs>
+            <a:gs pos="78000">
+              <a:schemeClr val="phClr">
+                <a:shade val="94000"/>
+                <a:lumMod val="94000"/>
+              </a:schemeClr>
+            </a:gs>
+          </a:gsLst>
+          <a:lin ang="5400000" scaled="0"/>
+        </a:gradFill>
+      </a:fillStyleLst>
+      <a:lnStyleLst>
+        <a:ln w="12700" cap="rnd" cmpd="sng" algn="ctr">
+          <a:solidFill>
+            <a:schemeClr val="phClr"/>
+          </a:solidFill>
+          <a:prstDash val="solid"/>
+        </a:ln>
+        <a:ln w="19050" cap="rnd" cmpd="sng" algn="ctr">
+          <a:solidFill>
+            <a:schemeClr val="phClr"/>
+          </a:solidFill>
+          <a:prstDash val="solid"/>
+        </a:ln>
+        <a:ln w="25400" cap="rnd" cmpd="sng" algn="ctr">
+          <a:solidFill>
+            <a:schemeClr val="phClr"/>
+          </a:solidFill>
+          <a:prstDash val="solid"/>
+        </a:ln>
+      </a:lnStyleLst>
+      <a:effectStyleLst>
+        <a:effectStyle>
+          <a:effectLst/>
+        </a:effectStyle>
+        <a:effectStyle>
+          <a:effectLst>
+            <a:outerShdw blurRad="38100" dist="25400" dir="5400000" rotWithShape="0">
+              <a:srgbClr val="000000">
+                <a:alpha val="35000"/>
+              </a:srgbClr>
+            </a:outerShdw>
+          </a:effectLst>
+        </a:effectStyle>
+        <a:effectStyle>
+          <a:effectLst>
+            <a:outerShdw blurRad="50800" dist="38100" dir="5400000" rotWithShape="0">
+              <a:srgbClr val="000000">
+                <a:alpha val="35000"/>
+              </a:srgbClr>
+            </a:outerShdw>
+          </a:effectLst>
+          <a:scene3d>
+            <a:camera prst="orthographicFront">
+              <a:rot lat="0" lon="0" rev="0"/>
+            </a:camera>
+            <a:lightRig rig="threePt" dir="tl"/>
+          </a:scene3d>
+          <a:sp3d prstMaterial="plastic">
+            <a:bevelT w="0" h="0"/>
+          </a:sp3d>
+        </a:effectStyle>
+      </a:effectStyleLst>
+      <a:bgFillStyleLst>
+        <a:solidFill>
+          <a:schemeClr val="phClr"/>
+        </a:solidFill>
+        <a:gradFill rotWithShape="1">
+          <a:gsLst>
+            <a:gs pos="0">
+              <a:schemeClr val="phClr">
+                <a:tint val="90000"/>
+                <a:lumMod val="104000"/>
+              </a:schemeClr>
+            </a:gs>
+            <a:gs pos="94000">
+              <a:schemeClr val="phClr">
+                <a:shade val="96000"/>
+                <a:lumMod val="82000"/>
+              </a:schemeClr>
+            </a:gs>
+          </a:gsLst>
+          <a:lin ang="5400000" scaled="0"/>
+        </a:gradFill>
+        <a:gradFill rotWithShape="1">
+          <a:gsLst>
+            <a:gs pos="0">
+              <a:schemeClr val="phClr">
+                <a:tint val="90000"/>
+                <a:lumMod val="110000"/>
+              </a:schemeClr>
+            </a:gs>
+            <a:gs pos="100000">
+              <a:schemeClr val="phClr">
+                <a:shade val="94000"/>
+                <a:lumMod val="96000"/>
+              </a:schemeClr>
+            </a:gs>
+          </a:gsLst>
+          <a:path path="circle">
+            <a:fillToRect l="50000" t="50000" r="100000" b="100000"/>
+          </a:path>
+        </a:gradFill>
+      </a:bgFillStyleLst>
+    </a:fmtScheme>
+  </a:themeElements>
+  <a:objectDefaults/>
+  <a:extraClrSchemeLst/>
+  <a:extLst>
+    <a:ext uri="{05A4C25C-085E-4340-85A3-A5531E510DB2}">
+      <thm15:themeFamily xmlns:thm15="http://schemas.microsoft.com/office/thememl/2012/main" name="Facet" id="{C0C680CD-088A-49FC-A102-D699147F32B2}" vid="{CFBC31BA-B70F-4F30-BCAA-4F3011E16C4D}"/>
+    </a:ext>
+  </a:extLst>
+</a:theme>
 </file>
 
-<file path=ppt/theme/theme1.xml><?xml version="1.0" encoding="utf-8"?>
+<file path=ppt/theme/theme2.xml><?xml version="1.0" encoding="utf-8"?>
 <a:theme xmlns:a="http://schemas.openxmlformats.org/drawingml/2006/main" name="Office Theme">
   <a:themeElements>
     <a:clrScheme name="Office">
